--- a/Zwischenpräsentation.pptx
+++ b/Zwischenpräsentation.pptx
@@ -5,17 +5,23 @@
     <p:sldMasterId id="2147483662" r:id="rId1"/>
   </p:sldMasterIdLst>
   <p:notesMasterIdLst>
-    <p:notesMasterId r:id="rId7"/>
+    <p:notesMasterId r:id="rId13"/>
   </p:notesMasterIdLst>
   <p:handoutMasterIdLst>
-    <p:handoutMasterId r:id="rId8"/>
+    <p:handoutMasterId r:id="rId14"/>
   </p:handoutMasterIdLst>
   <p:sldIdLst>
     <p:sldId id="264" r:id="rId2"/>
     <p:sldId id="380" r:id="rId3"/>
-    <p:sldId id="381" r:id="rId4"/>
-    <p:sldId id="382" r:id="rId5"/>
-    <p:sldId id="383" r:id="rId6"/>
+    <p:sldId id="384" r:id="rId4"/>
+    <p:sldId id="385" r:id="rId5"/>
+    <p:sldId id="381" r:id="rId6"/>
+    <p:sldId id="382" r:id="rId7"/>
+    <p:sldId id="386" r:id="rId8"/>
+    <p:sldId id="387" r:id="rId9"/>
+    <p:sldId id="388" r:id="rId10"/>
+    <p:sldId id="389" r:id="rId11"/>
+    <p:sldId id="383" r:id="rId12"/>
   </p:sldIdLst>
   <p:sldSz cx="9144000" cy="6858000" type="screen4x3"/>
   <p:notesSz cx="6858000" cy="9144000"/>
@@ -170,6 +176,3460 @@
 <p1510:revInfo xmlns:a="http://schemas.openxmlformats.org/drawingml/2006/main" xmlns:r="http://schemas.openxmlformats.org/officeDocument/2006/relationships" xmlns:p1510="http://schemas.microsoft.com/office/powerpoint/2015/10/main"/>
 </file>
 
+<file path=ppt/diagrams/colors1.xml><?xml version="1.0" encoding="utf-8"?>
+<dgm:colorsDef xmlns:dgm="http://schemas.openxmlformats.org/drawingml/2006/diagram" xmlns:a="http://schemas.openxmlformats.org/drawingml/2006/main" uniqueId="urn:microsoft.com/office/officeart/2005/8/colors/accent1_2">
+  <dgm:title val=""/>
+  <dgm:desc val=""/>
+  <dgm:catLst>
+    <dgm:cat type="accent1" pri="11200"/>
+  </dgm:catLst>
+  <dgm:styleLbl name="node0">
+    <dgm:fillClrLst meth="repeat">
+      <a:schemeClr val="accent1"/>
+    </dgm:fillClrLst>
+    <dgm:linClrLst meth="repeat">
+      <a:schemeClr val="lt1"/>
+    </dgm:linClrLst>
+    <dgm:effectClrLst/>
+    <dgm:txLinClrLst/>
+    <dgm:txFillClrLst/>
+    <dgm:txEffectClrLst/>
+  </dgm:styleLbl>
+  <dgm:styleLbl name="alignNode1">
+    <dgm:fillClrLst meth="repeat">
+      <a:schemeClr val="accent1"/>
+    </dgm:fillClrLst>
+    <dgm:linClrLst meth="repeat">
+      <a:schemeClr val="accent1"/>
+    </dgm:linClrLst>
+    <dgm:effectClrLst/>
+    <dgm:txLinClrLst/>
+    <dgm:txFillClrLst/>
+    <dgm:txEffectClrLst/>
+  </dgm:styleLbl>
+  <dgm:styleLbl name="node1">
+    <dgm:fillClrLst meth="repeat">
+      <a:schemeClr val="accent1"/>
+    </dgm:fillClrLst>
+    <dgm:linClrLst meth="repeat">
+      <a:schemeClr val="lt1"/>
+    </dgm:linClrLst>
+    <dgm:effectClrLst/>
+    <dgm:txLinClrLst/>
+    <dgm:txFillClrLst/>
+    <dgm:txEffectClrLst/>
+  </dgm:styleLbl>
+  <dgm:styleLbl name="lnNode1">
+    <dgm:fillClrLst meth="repeat">
+      <a:schemeClr val="accent1"/>
+    </dgm:fillClrLst>
+    <dgm:linClrLst meth="repeat">
+      <a:schemeClr val="lt1"/>
+    </dgm:linClrLst>
+    <dgm:effectClrLst/>
+    <dgm:txLinClrLst/>
+    <dgm:txFillClrLst/>
+    <dgm:txEffectClrLst/>
+  </dgm:styleLbl>
+  <dgm:styleLbl name="vennNode1">
+    <dgm:fillClrLst meth="repeat">
+      <a:schemeClr val="accent1">
+        <a:alpha val="50000"/>
+      </a:schemeClr>
+    </dgm:fillClrLst>
+    <dgm:linClrLst meth="repeat">
+      <a:schemeClr val="lt1"/>
+    </dgm:linClrLst>
+    <dgm:effectClrLst/>
+    <dgm:txLinClrLst/>
+    <dgm:txFillClrLst/>
+    <dgm:txEffectClrLst/>
+  </dgm:styleLbl>
+  <dgm:styleLbl name="node2">
+    <dgm:fillClrLst meth="repeat">
+      <a:schemeClr val="accent1"/>
+    </dgm:fillClrLst>
+    <dgm:linClrLst meth="repeat">
+      <a:schemeClr val="lt1"/>
+    </dgm:linClrLst>
+    <dgm:effectClrLst/>
+    <dgm:txLinClrLst/>
+    <dgm:txFillClrLst/>
+    <dgm:txEffectClrLst/>
+  </dgm:styleLbl>
+  <dgm:styleLbl name="node3">
+    <dgm:fillClrLst meth="repeat">
+      <a:schemeClr val="accent1"/>
+    </dgm:fillClrLst>
+    <dgm:linClrLst meth="repeat">
+      <a:schemeClr val="lt1"/>
+    </dgm:linClrLst>
+    <dgm:effectClrLst/>
+    <dgm:txLinClrLst/>
+    <dgm:txFillClrLst/>
+    <dgm:txEffectClrLst/>
+  </dgm:styleLbl>
+  <dgm:styleLbl name="node4">
+    <dgm:fillClrLst meth="repeat">
+      <a:schemeClr val="accent1"/>
+    </dgm:fillClrLst>
+    <dgm:linClrLst meth="repeat">
+      <a:schemeClr val="lt1"/>
+    </dgm:linClrLst>
+    <dgm:effectClrLst/>
+    <dgm:txLinClrLst/>
+    <dgm:txFillClrLst/>
+    <dgm:txEffectClrLst/>
+  </dgm:styleLbl>
+  <dgm:styleLbl name="fgImgPlace1">
+    <dgm:fillClrLst meth="repeat">
+      <a:schemeClr val="accent1">
+        <a:tint val="50000"/>
+      </a:schemeClr>
+    </dgm:fillClrLst>
+    <dgm:linClrLst meth="repeat">
+      <a:schemeClr val="lt1"/>
+    </dgm:linClrLst>
+    <dgm:effectClrLst/>
+    <dgm:txLinClrLst/>
+    <dgm:txFillClrLst meth="repeat">
+      <a:schemeClr val="lt1"/>
+    </dgm:txFillClrLst>
+    <dgm:txEffectClrLst/>
+  </dgm:styleLbl>
+  <dgm:styleLbl name="alignImgPlace1">
+    <dgm:fillClrLst meth="repeat">
+      <a:schemeClr val="accent1">
+        <a:tint val="50000"/>
+      </a:schemeClr>
+    </dgm:fillClrLst>
+    <dgm:linClrLst meth="repeat">
+      <a:schemeClr val="lt1"/>
+    </dgm:linClrLst>
+    <dgm:effectClrLst/>
+    <dgm:txLinClrLst/>
+    <dgm:txFillClrLst meth="repeat">
+      <a:schemeClr val="lt1"/>
+    </dgm:txFillClrLst>
+    <dgm:txEffectClrLst/>
+  </dgm:styleLbl>
+  <dgm:styleLbl name="bgImgPlace1">
+    <dgm:fillClrLst meth="repeat">
+      <a:schemeClr val="accent1">
+        <a:tint val="50000"/>
+      </a:schemeClr>
+    </dgm:fillClrLst>
+    <dgm:linClrLst meth="repeat">
+      <a:schemeClr val="lt1"/>
+    </dgm:linClrLst>
+    <dgm:effectClrLst/>
+    <dgm:txLinClrLst/>
+    <dgm:txFillClrLst meth="repeat">
+      <a:schemeClr val="lt1"/>
+    </dgm:txFillClrLst>
+    <dgm:txEffectClrLst/>
+  </dgm:styleLbl>
+  <dgm:styleLbl name="sibTrans2D1">
+    <dgm:fillClrLst meth="repeat">
+      <a:schemeClr val="accent1">
+        <a:tint val="60000"/>
+      </a:schemeClr>
+    </dgm:fillClrLst>
+    <dgm:linClrLst meth="repeat">
+      <a:schemeClr val="accent1">
+        <a:tint val="60000"/>
+      </a:schemeClr>
+    </dgm:linClrLst>
+    <dgm:effectClrLst/>
+    <dgm:txLinClrLst/>
+    <dgm:txFillClrLst/>
+    <dgm:txEffectClrLst/>
+  </dgm:styleLbl>
+  <dgm:styleLbl name="fgSibTrans2D1">
+    <dgm:fillClrLst meth="repeat">
+      <a:schemeClr val="accent1">
+        <a:tint val="60000"/>
+      </a:schemeClr>
+    </dgm:fillClrLst>
+    <dgm:linClrLst meth="repeat">
+      <a:schemeClr val="accent1">
+        <a:tint val="60000"/>
+      </a:schemeClr>
+    </dgm:linClrLst>
+    <dgm:effectClrLst/>
+    <dgm:txLinClrLst/>
+    <dgm:txFillClrLst/>
+    <dgm:txEffectClrLst/>
+  </dgm:styleLbl>
+  <dgm:styleLbl name="bgSibTrans2D1">
+    <dgm:fillClrLst meth="repeat">
+      <a:schemeClr val="accent1">
+        <a:tint val="60000"/>
+      </a:schemeClr>
+    </dgm:fillClrLst>
+    <dgm:linClrLst meth="repeat">
+      <a:schemeClr val="accent1">
+        <a:tint val="60000"/>
+      </a:schemeClr>
+    </dgm:linClrLst>
+    <dgm:effectClrLst/>
+    <dgm:txLinClrLst/>
+    <dgm:txFillClrLst/>
+    <dgm:txEffectClrLst/>
+  </dgm:styleLbl>
+  <dgm:styleLbl name="sibTrans1D1">
+    <dgm:fillClrLst meth="repeat">
+      <a:schemeClr val="accent1"/>
+    </dgm:fillClrLst>
+    <dgm:linClrLst meth="repeat">
+      <a:schemeClr val="accent1"/>
+    </dgm:linClrLst>
+    <dgm:effectClrLst/>
+    <dgm:txLinClrLst/>
+    <dgm:txFillClrLst meth="repeat">
+      <a:schemeClr val="tx1"/>
+    </dgm:txFillClrLst>
+    <dgm:txEffectClrLst/>
+  </dgm:styleLbl>
+  <dgm:styleLbl name="callout">
+    <dgm:fillClrLst meth="repeat">
+      <a:schemeClr val="accent1"/>
+    </dgm:fillClrLst>
+    <dgm:linClrLst meth="repeat">
+      <a:schemeClr val="accent1">
+        <a:tint val="50000"/>
+      </a:schemeClr>
+    </dgm:linClrLst>
+    <dgm:effectClrLst/>
+    <dgm:txLinClrLst/>
+    <dgm:txFillClrLst meth="repeat">
+      <a:schemeClr val="tx1"/>
+    </dgm:txFillClrLst>
+    <dgm:txEffectClrLst/>
+  </dgm:styleLbl>
+  <dgm:styleLbl name="asst0">
+    <dgm:fillClrLst meth="repeat">
+      <a:schemeClr val="accent1"/>
+    </dgm:fillClrLst>
+    <dgm:linClrLst meth="repeat">
+      <a:schemeClr val="lt1"/>
+    </dgm:linClrLst>
+    <dgm:effectClrLst/>
+    <dgm:txLinClrLst/>
+    <dgm:txFillClrLst/>
+    <dgm:txEffectClrLst/>
+  </dgm:styleLbl>
+  <dgm:styleLbl name="asst1">
+    <dgm:fillClrLst meth="repeat">
+      <a:schemeClr val="accent1"/>
+    </dgm:fillClrLst>
+    <dgm:linClrLst meth="repeat">
+      <a:schemeClr val="lt1"/>
+    </dgm:linClrLst>
+    <dgm:effectClrLst/>
+    <dgm:txLinClrLst/>
+    <dgm:txFillClrLst/>
+    <dgm:txEffectClrLst/>
+  </dgm:styleLbl>
+  <dgm:styleLbl name="asst2">
+    <dgm:fillClrLst meth="repeat">
+      <a:schemeClr val="accent1"/>
+    </dgm:fillClrLst>
+    <dgm:linClrLst meth="repeat">
+      <a:schemeClr val="lt1"/>
+    </dgm:linClrLst>
+    <dgm:effectClrLst/>
+    <dgm:txLinClrLst/>
+    <dgm:txFillClrLst/>
+    <dgm:txEffectClrLst/>
+  </dgm:styleLbl>
+  <dgm:styleLbl name="asst3">
+    <dgm:fillClrLst meth="repeat">
+      <a:schemeClr val="accent1"/>
+    </dgm:fillClrLst>
+    <dgm:linClrLst meth="repeat">
+      <a:schemeClr val="lt1"/>
+    </dgm:linClrLst>
+    <dgm:effectClrLst/>
+    <dgm:txLinClrLst/>
+    <dgm:txFillClrLst/>
+    <dgm:txEffectClrLst/>
+  </dgm:styleLbl>
+  <dgm:styleLbl name="asst4">
+    <dgm:fillClrLst meth="repeat">
+      <a:schemeClr val="accent1"/>
+    </dgm:fillClrLst>
+    <dgm:linClrLst meth="repeat">
+      <a:schemeClr val="lt1"/>
+    </dgm:linClrLst>
+    <dgm:effectClrLst/>
+    <dgm:txLinClrLst/>
+    <dgm:txFillClrLst/>
+    <dgm:txEffectClrLst/>
+  </dgm:styleLbl>
+  <dgm:styleLbl name="parChTrans2D1">
+    <dgm:fillClrLst meth="repeat">
+      <a:schemeClr val="accent1">
+        <a:tint val="60000"/>
+      </a:schemeClr>
+    </dgm:fillClrLst>
+    <dgm:linClrLst meth="repeat">
+      <a:schemeClr val="accent1">
+        <a:tint val="60000"/>
+      </a:schemeClr>
+    </dgm:linClrLst>
+    <dgm:effectClrLst/>
+    <dgm:txLinClrLst/>
+    <dgm:txFillClrLst meth="repeat">
+      <a:schemeClr val="lt1"/>
+    </dgm:txFillClrLst>
+    <dgm:txEffectClrLst/>
+  </dgm:styleLbl>
+  <dgm:styleLbl name="parChTrans2D2">
+    <dgm:fillClrLst meth="repeat">
+      <a:schemeClr val="accent1"/>
+    </dgm:fillClrLst>
+    <dgm:linClrLst meth="repeat">
+      <a:schemeClr val="accent1"/>
+    </dgm:linClrLst>
+    <dgm:effectClrLst/>
+    <dgm:txLinClrLst/>
+    <dgm:txFillClrLst meth="repeat">
+      <a:schemeClr val="lt1"/>
+    </dgm:txFillClrLst>
+    <dgm:txEffectClrLst/>
+  </dgm:styleLbl>
+  <dgm:styleLbl name="parChTrans2D3">
+    <dgm:fillClrLst meth="repeat">
+      <a:schemeClr val="accent1"/>
+    </dgm:fillClrLst>
+    <dgm:linClrLst meth="repeat">
+      <a:schemeClr val="accent1"/>
+    </dgm:linClrLst>
+    <dgm:effectClrLst/>
+    <dgm:txLinClrLst/>
+    <dgm:txFillClrLst meth="repeat">
+      <a:schemeClr val="lt1"/>
+    </dgm:txFillClrLst>
+    <dgm:txEffectClrLst/>
+  </dgm:styleLbl>
+  <dgm:styleLbl name="parChTrans2D4">
+    <dgm:fillClrLst meth="repeat">
+      <a:schemeClr val="accent1"/>
+    </dgm:fillClrLst>
+    <dgm:linClrLst meth="repeat">
+      <a:schemeClr val="accent1"/>
+    </dgm:linClrLst>
+    <dgm:effectClrLst/>
+    <dgm:txLinClrLst/>
+    <dgm:txFillClrLst meth="repeat">
+      <a:schemeClr val="lt1"/>
+    </dgm:txFillClrLst>
+    <dgm:txEffectClrLst/>
+  </dgm:styleLbl>
+  <dgm:styleLbl name="parChTrans1D1">
+    <dgm:fillClrLst meth="repeat">
+      <a:schemeClr val="accent1"/>
+    </dgm:fillClrLst>
+    <dgm:linClrLst meth="repeat">
+      <a:schemeClr val="accent1">
+        <a:shade val="60000"/>
+      </a:schemeClr>
+    </dgm:linClrLst>
+    <dgm:effectClrLst/>
+    <dgm:txLinClrLst/>
+    <dgm:txFillClrLst meth="repeat">
+      <a:schemeClr val="tx1"/>
+    </dgm:txFillClrLst>
+    <dgm:txEffectClrLst/>
+  </dgm:styleLbl>
+  <dgm:styleLbl name="parChTrans1D2">
+    <dgm:fillClrLst meth="repeat">
+      <a:schemeClr val="accent1"/>
+    </dgm:fillClrLst>
+    <dgm:linClrLst meth="repeat">
+      <a:schemeClr val="accent1">
+        <a:shade val="60000"/>
+      </a:schemeClr>
+    </dgm:linClrLst>
+    <dgm:effectClrLst/>
+    <dgm:txLinClrLst/>
+    <dgm:txFillClrLst meth="repeat">
+      <a:schemeClr val="tx1"/>
+    </dgm:txFillClrLst>
+    <dgm:txEffectClrLst/>
+  </dgm:styleLbl>
+  <dgm:styleLbl name="parChTrans1D3">
+    <dgm:fillClrLst meth="repeat">
+      <a:schemeClr val="accent1"/>
+    </dgm:fillClrLst>
+    <dgm:linClrLst meth="repeat">
+      <a:schemeClr val="accent1">
+        <a:shade val="80000"/>
+      </a:schemeClr>
+    </dgm:linClrLst>
+    <dgm:effectClrLst/>
+    <dgm:txLinClrLst/>
+    <dgm:txFillClrLst meth="repeat">
+      <a:schemeClr val="tx1"/>
+    </dgm:txFillClrLst>
+    <dgm:txEffectClrLst/>
+  </dgm:styleLbl>
+  <dgm:styleLbl name="parChTrans1D4">
+    <dgm:fillClrLst meth="repeat">
+      <a:schemeClr val="accent1"/>
+    </dgm:fillClrLst>
+    <dgm:linClrLst meth="repeat">
+      <a:schemeClr val="accent1">
+        <a:shade val="80000"/>
+      </a:schemeClr>
+    </dgm:linClrLst>
+    <dgm:effectClrLst/>
+    <dgm:txLinClrLst/>
+    <dgm:txFillClrLst meth="repeat">
+      <a:schemeClr val="tx1"/>
+    </dgm:txFillClrLst>
+    <dgm:txEffectClrLst/>
+  </dgm:styleLbl>
+  <dgm:styleLbl name="fgAcc1">
+    <dgm:fillClrLst meth="repeat">
+      <a:schemeClr val="lt1">
+        <a:alpha val="90000"/>
+      </a:schemeClr>
+    </dgm:fillClrLst>
+    <dgm:linClrLst meth="repeat">
+      <a:schemeClr val="accent1"/>
+    </dgm:linClrLst>
+    <dgm:effectClrLst/>
+    <dgm:txLinClrLst/>
+    <dgm:txFillClrLst meth="repeat">
+      <a:schemeClr val="dk1"/>
+    </dgm:txFillClrLst>
+    <dgm:txEffectClrLst/>
+  </dgm:styleLbl>
+  <dgm:styleLbl name="conFgAcc1">
+    <dgm:fillClrLst meth="repeat">
+      <a:schemeClr val="lt1">
+        <a:alpha val="90000"/>
+      </a:schemeClr>
+    </dgm:fillClrLst>
+    <dgm:linClrLst meth="repeat">
+      <a:schemeClr val="accent1"/>
+    </dgm:linClrLst>
+    <dgm:effectClrLst/>
+    <dgm:txLinClrLst/>
+    <dgm:txFillClrLst meth="repeat">
+      <a:schemeClr val="dk1"/>
+    </dgm:txFillClrLst>
+    <dgm:txEffectClrLst/>
+  </dgm:styleLbl>
+  <dgm:styleLbl name="alignAcc1">
+    <dgm:fillClrLst meth="repeat">
+      <a:schemeClr val="lt1">
+        <a:alpha val="90000"/>
+      </a:schemeClr>
+    </dgm:fillClrLst>
+    <dgm:linClrLst meth="repeat">
+      <a:schemeClr val="accent1"/>
+    </dgm:linClrLst>
+    <dgm:effectClrLst/>
+    <dgm:txLinClrLst/>
+    <dgm:txFillClrLst meth="repeat">
+      <a:schemeClr val="dk1"/>
+    </dgm:txFillClrLst>
+    <dgm:txEffectClrLst/>
+  </dgm:styleLbl>
+  <dgm:styleLbl name="trAlignAcc1">
+    <dgm:fillClrLst meth="repeat">
+      <a:schemeClr val="lt1">
+        <a:alpha val="40000"/>
+      </a:schemeClr>
+    </dgm:fillClrLst>
+    <dgm:linClrLst meth="repeat">
+      <a:schemeClr val="accent1"/>
+    </dgm:linClrLst>
+    <dgm:effectClrLst/>
+    <dgm:txLinClrLst/>
+    <dgm:txFillClrLst meth="repeat">
+      <a:schemeClr val="dk1"/>
+    </dgm:txFillClrLst>
+    <dgm:txEffectClrLst/>
+  </dgm:styleLbl>
+  <dgm:styleLbl name="bgAcc1">
+    <dgm:fillClrLst meth="repeat">
+      <a:schemeClr val="lt1">
+        <a:alpha val="90000"/>
+      </a:schemeClr>
+    </dgm:fillClrLst>
+    <dgm:linClrLst meth="repeat">
+      <a:schemeClr val="accent1"/>
+    </dgm:linClrLst>
+    <dgm:effectClrLst/>
+    <dgm:txLinClrLst/>
+    <dgm:txFillClrLst meth="repeat">
+      <a:schemeClr val="dk1"/>
+    </dgm:txFillClrLst>
+    <dgm:txEffectClrLst/>
+  </dgm:styleLbl>
+  <dgm:styleLbl name="solidFgAcc1">
+    <dgm:fillClrLst meth="repeat">
+      <a:schemeClr val="lt1"/>
+    </dgm:fillClrLst>
+    <dgm:linClrLst meth="repeat">
+      <a:schemeClr val="accent1"/>
+    </dgm:linClrLst>
+    <dgm:effectClrLst/>
+    <dgm:txLinClrLst/>
+    <dgm:txFillClrLst meth="repeat">
+      <a:schemeClr val="dk1"/>
+    </dgm:txFillClrLst>
+    <dgm:txEffectClrLst/>
+  </dgm:styleLbl>
+  <dgm:styleLbl name="solidAlignAcc1">
+    <dgm:fillClrLst meth="repeat">
+      <a:schemeClr val="lt1"/>
+    </dgm:fillClrLst>
+    <dgm:linClrLst meth="repeat">
+      <a:schemeClr val="accent1"/>
+    </dgm:linClrLst>
+    <dgm:effectClrLst/>
+    <dgm:txLinClrLst/>
+    <dgm:txFillClrLst meth="repeat">
+      <a:schemeClr val="dk1"/>
+    </dgm:txFillClrLst>
+    <dgm:txEffectClrLst/>
+  </dgm:styleLbl>
+  <dgm:styleLbl name="solidBgAcc1">
+    <dgm:fillClrLst meth="repeat">
+      <a:schemeClr val="lt1"/>
+    </dgm:fillClrLst>
+    <dgm:linClrLst meth="repeat">
+      <a:schemeClr val="accent1"/>
+    </dgm:linClrLst>
+    <dgm:effectClrLst/>
+    <dgm:txLinClrLst/>
+    <dgm:txFillClrLst meth="repeat">
+      <a:schemeClr val="dk1"/>
+    </dgm:txFillClrLst>
+    <dgm:txEffectClrLst/>
+  </dgm:styleLbl>
+  <dgm:styleLbl name="fgAccFollowNode1">
+    <dgm:fillClrLst meth="repeat">
+      <a:schemeClr val="accent1">
+        <a:alpha val="90000"/>
+        <a:tint val="40000"/>
+      </a:schemeClr>
+    </dgm:fillClrLst>
+    <dgm:linClrLst meth="repeat">
+      <a:schemeClr val="accent1">
+        <a:alpha val="90000"/>
+        <a:tint val="40000"/>
+      </a:schemeClr>
+    </dgm:linClrLst>
+    <dgm:effectClrLst/>
+    <dgm:txLinClrLst/>
+    <dgm:txFillClrLst meth="repeat">
+      <a:schemeClr val="dk1"/>
+    </dgm:txFillClrLst>
+    <dgm:txEffectClrLst/>
+  </dgm:styleLbl>
+  <dgm:styleLbl name="alignAccFollowNode1">
+    <dgm:fillClrLst meth="repeat">
+      <a:schemeClr val="accent1">
+        <a:alpha val="90000"/>
+        <a:tint val="40000"/>
+      </a:schemeClr>
+    </dgm:fillClrLst>
+    <dgm:linClrLst meth="repeat">
+      <a:schemeClr val="accent1">
+        <a:alpha val="90000"/>
+        <a:tint val="40000"/>
+      </a:schemeClr>
+    </dgm:linClrLst>
+    <dgm:effectClrLst/>
+    <dgm:txLinClrLst/>
+    <dgm:txFillClrLst meth="repeat">
+      <a:schemeClr val="dk1"/>
+    </dgm:txFillClrLst>
+    <dgm:txEffectClrLst/>
+  </dgm:styleLbl>
+  <dgm:styleLbl name="bgAccFollowNode1">
+    <dgm:fillClrLst meth="repeat">
+      <a:schemeClr val="accent1">
+        <a:alpha val="90000"/>
+        <a:tint val="40000"/>
+      </a:schemeClr>
+    </dgm:fillClrLst>
+    <dgm:linClrLst meth="repeat">
+      <a:schemeClr val="accent1">
+        <a:alpha val="90000"/>
+        <a:tint val="40000"/>
+      </a:schemeClr>
+    </dgm:linClrLst>
+    <dgm:effectClrLst/>
+    <dgm:txLinClrLst/>
+    <dgm:txFillClrLst meth="repeat">
+      <a:schemeClr val="dk1"/>
+    </dgm:txFillClrLst>
+    <dgm:txEffectClrLst/>
+  </dgm:styleLbl>
+  <dgm:styleLbl name="fgAcc0">
+    <dgm:fillClrLst meth="repeat">
+      <a:schemeClr val="lt1">
+        <a:alpha val="90000"/>
+      </a:schemeClr>
+    </dgm:fillClrLst>
+    <dgm:linClrLst meth="repeat">
+      <a:schemeClr val="accent1"/>
+    </dgm:linClrLst>
+    <dgm:effectClrLst/>
+    <dgm:txLinClrLst/>
+    <dgm:txFillClrLst meth="repeat">
+      <a:schemeClr val="dk1"/>
+    </dgm:txFillClrLst>
+    <dgm:txEffectClrLst/>
+  </dgm:styleLbl>
+  <dgm:styleLbl name="fgAcc2">
+    <dgm:fillClrLst meth="repeat">
+      <a:schemeClr val="lt1">
+        <a:alpha val="90000"/>
+      </a:schemeClr>
+    </dgm:fillClrLst>
+    <dgm:linClrLst meth="repeat">
+      <a:schemeClr val="accent1"/>
+    </dgm:linClrLst>
+    <dgm:effectClrLst/>
+    <dgm:txLinClrLst/>
+    <dgm:txFillClrLst meth="repeat">
+      <a:schemeClr val="dk1"/>
+    </dgm:txFillClrLst>
+    <dgm:txEffectClrLst/>
+  </dgm:styleLbl>
+  <dgm:styleLbl name="fgAcc3">
+    <dgm:fillClrLst meth="repeat">
+      <a:schemeClr val="lt1">
+        <a:alpha val="90000"/>
+      </a:schemeClr>
+    </dgm:fillClrLst>
+    <dgm:linClrLst meth="repeat">
+      <a:schemeClr val="accent1"/>
+    </dgm:linClrLst>
+    <dgm:effectClrLst/>
+    <dgm:txLinClrLst/>
+    <dgm:txFillClrLst meth="repeat">
+      <a:schemeClr val="dk1"/>
+    </dgm:txFillClrLst>
+    <dgm:txEffectClrLst/>
+  </dgm:styleLbl>
+  <dgm:styleLbl name="fgAcc4">
+    <dgm:fillClrLst meth="repeat">
+      <a:schemeClr val="lt1">
+        <a:alpha val="90000"/>
+      </a:schemeClr>
+    </dgm:fillClrLst>
+    <dgm:linClrLst meth="repeat">
+      <a:schemeClr val="accent1"/>
+    </dgm:linClrLst>
+    <dgm:effectClrLst/>
+    <dgm:txLinClrLst/>
+    <dgm:txFillClrLst meth="repeat">
+      <a:schemeClr val="dk1"/>
+    </dgm:txFillClrLst>
+    <dgm:txEffectClrLst/>
+  </dgm:styleLbl>
+  <dgm:styleLbl name="bgShp">
+    <dgm:fillClrLst meth="repeat">
+      <a:schemeClr val="accent1">
+        <a:tint val="40000"/>
+      </a:schemeClr>
+    </dgm:fillClrLst>
+    <dgm:linClrLst meth="repeat">
+      <a:schemeClr val="accent1"/>
+    </dgm:linClrLst>
+    <dgm:effectClrLst/>
+    <dgm:txLinClrLst/>
+    <dgm:txFillClrLst meth="repeat">
+      <a:schemeClr val="dk1"/>
+    </dgm:txFillClrLst>
+    <dgm:txEffectClrLst/>
+  </dgm:styleLbl>
+  <dgm:styleLbl name="dkBgShp">
+    <dgm:fillClrLst meth="repeat">
+      <a:schemeClr val="accent1">
+        <a:shade val="80000"/>
+      </a:schemeClr>
+    </dgm:fillClrLst>
+    <dgm:linClrLst meth="repeat">
+      <a:schemeClr val="accent1"/>
+    </dgm:linClrLst>
+    <dgm:effectClrLst/>
+    <dgm:txLinClrLst/>
+    <dgm:txFillClrLst meth="repeat">
+      <a:schemeClr val="lt1"/>
+    </dgm:txFillClrLst>
+    <dgm:txEffectClrLst/>
+  </dgm:styleLbl>
+  <dgm:styleLbl name="trBgShp">
+    <dgm:fillClrLst meth="repeat">
+      <a:schemeClr val="accent1">
+        <a:tint val="50000"/>
+        <a:alpha val="40000"/>
+      </a:schemeClr>
+    </dgm:fillClrLst>
+    <dgm:linClrLst meth="repeat">
+      <a:schemeClr val="accent1"/>
+    </dgm:linClrLst>
+    <dgm:effectClrLst/>
+    <dgm:txLinClrLst/>
+    <dgm:txFillClrLst meth="repeat">
+      <a:schemeClr val="lt1"/>
+    </dgm:txFillClrLst>
+    <dgm:txEffectClrLst/>
+  </dgm:styleLbl>
+  <dgm:styleLbl name="fgShp">
+    <dgm:fillClrLst meth="repeat">
+      <a:schemeClr val="accent1">
+        <a:tint val="60000"/>
+      </a:schemeClr>
+    </dgm:fillClrLst>
+    <dgm:linClrLst meth="repeat">
+      <a:schemeClr val="lt1"/>
+    </dgm:linClrLst>
+    <dgm:effectClrLst/>
+    <dgm:txLinClrLst/>
+    <dgm:txFillClrLst meth="repeat">
+      <a:schemeClr val="dk1"/>
+    </dgm:txFillClrLst>
+    <dgm:txEffectClrLst/>
+  </dgm:styleLbl>
+  <dgm:styleLbl name="revTx">
+    <dgm:fillClrLst meth="repeat">
+      <a:schemeClr val="lt1">
+        <a:alpha val="0"/>
+      </a:schemeClr>
+    </dgm:fillClrLst>
+    <dgm:linClrLst meth="repeat">
+      <a:schemeClr val="dk1">
+        <a:alpha val="0"/>
+      </a:schemeClr>
+    </dgm:linClrLst>
+    <dgm:effectClrLst/>
+    <dgm:txLinClrLst/>
+    <dgm:txFillClrLst meth="repeat">
+      <a:schemeClr val="tx1"/>
+    </dgm:txFillClrLst>
+    <dgm:txEffectClrLst/>
+  </dgm:styleLbl>
+</dgm:colorsDef>
+</file>
+
+<file path=ppt/diagrams/data1.xml><?xml version="1.0" encoding="utf-8"?>
+<dgm:dataModel xmlns:dgm="http://schemas.openxmlformats.org/drawingml/2006/diagram" xmlns:a="http://schemas.openxmlformats.org/drawingml/2006/main">
+  <dgm:ptLst>
+    <dgm:pt modelId="{23CFDA53-9AA1-5C43-878F-9AEACFEBF78D}" type="doc">
+      <dgm:prSet loTypeId="urn:microsoft.com/office/officeart/2005/8/layout/hProcess11" loCatId="" qsTypeId="urn:microsoft.com/office/officeart/2005/8/quickstyle/simple4" qsCatId="simple" csTypeId="urn:microsoft.com/office/officeart/2005/8/colors/accent1_2" csCatId="accent1" phldr="1"/>
+      <dgm:spPr/>
+    </dgm:pt>
+    <dgm:pt modelId="{4BDD07D8-D39D-B941-8E76-548EC23C4D55}">
+      <dgm:prSet phldrT="[Text]" custT="1"/>
+      <dgm:spPr/>
+      <dgm:t>
+        <a:bodyPr/>
+        <a:lstStyle/>
+        <a:p>
+          <a:r>
+            <a:rPr lang="de-DE" sz="1400" b="0" dirty="0" smtClean="0"/>
+            <a:t>Kickoff</a:t>
+          </a:r>
+          <a:endParaRPr lang="de-DE" sz="1400" b="0" dirty="0"/>
+        </a:p>
+      </dgm:t>
+    </dgm:pt>
+    <dgm:pt modelId="{609D5CF5-8E01-2245-AB22-C9C8ACA1A224}" type="parTrans" cxnId="{4D83A4A6-06EC-6E4C-B43D-2954A92E5500}">
+      <dgm:prSet/>
+      <dgm:spPr/>
+      <dgm:t>
+        <a:bodyPr/>
+        <a:lstStyle/>
+        <a:p>
+          <a:endParaRPr lang="de-DE"/>
+        </a:p>
+      </dgm:t>
+    </dgm:pt>
+    <dgm:pt modelId="{A66F26BF-5DF3-C94B-B1D2-5156310857CB}" type="sibTrans" cxnId="{4D83A4A6-06EC-6E4C-B43D-2954A92E5500}">
+      <dgm:prSet/>
+      <dgm:spPr/>
+      <dgm:t>
+        <a:bodyPr/>
+        <a:lstStyle/>
+        <a:p>
+          <a:endParaRPr lang="de-DE"/>
+        </a:p>
+      </dgm:t>
+    </dgm:pt>
+    <dgm:pt modelId="{84DCEFAE-F714-244E-B24F-B0C14A506765}">
+      <dgm:prSet phldrT="[Text]" custT="1"/>
+      <dgm:spPr/>
+      <dgm:t>
+        <a:bodyPr/>
+        <a:lstStyle/>
+        <a:p>
+          <a:r>
+            <a:rPr lang="de-DE" sz="1400" b="0" dirty="0" smtClean="0"/>
+            <a:t>Docker Container mit SMW</a:t>
+          </a:r>
+          <a:endParaRPr lang="de-DE" sz="1400" b="0" dirty="0"/>
+        </a:p>
+      </dgm:t>
+    </dgm:pt>
+    <dgm:pt modelId="{14C8A7D3-8634-4D4D-A857-2B684FE0489D}" type="parTrans" cxnId="{000F32A2-4B8C-9146-ABCF-26D2AC34F1FE}">
+      <dgm:prSet/>
+      <dgm:spPr/>
+      <dgm:t>
+        <a:bodyPr/>
+        <a:lstStyle/>
+        <a:p>
+          <a:endParaRPr lang="de-DE"/>
+        </a:p>
+      </dgm:t>
+    </dgm:pt>
+    <dgm:pt modelId="{408A2496-EB7E-1E4E-8955-A6D9E36EA678}" type="sibTrans" cxnId="{000F32A2-4B8C-9146-ABCF-26D2AC34F1FE}">
+      <dgm:prSet/>
+      <dgm:spPr/>
+      <dgm:t>
+        <a:bodyPr/>
+        <a:lstStyle/>
+        <a:p>
+          <a:endParaRPr lang="de-DE"/>
+        </a:p>
+      </dgm:t>
+    </dgm:pt>
+    <dgm:pt modelId="{D6657E77-C816-8D43-ACA7-D3D9D4553035}">
+      <dgm:prSet phldrT="[Text]" custT="1"/>
+      <dgm:spPr/>
+      <dgm:t>
+        <a:bodyPr/>
+        <a:lstStyle/>
+        <a:p>
+          <a:r>
+            <a:rPr lang="de-DE" sz="1400" b="0" dirty="0" smtClean="0"/>
+            <a:t>Installation von Erweiterungen</a:t>
+          </a:r>
+          <a:endParaRPr lang="de-DE" sz="1400" b="0" dirty="0"/>
+        </a:p>
+      </dgm:t>
+    </dgm:pt>
+    <dgm:pt modelId="{593B1F38-FB06-1F41-A1EE-270B566CFF1F}" type="parTrans" cxnId="{65295914-8840-6247-B07C-3399F8A54174}">
+      <dgm:prSet/>
+      <dgm:spPr/>
+      <dgm:t>
+        <a:bodyPr/>
+        <a:lstStyle/>
+        <a:p>
+          <a:endParaRPr lang="de-DE"/>
+        </a:p>
+      </dgm:t>
+    </dgm:pt>
+    <dgm:pt modelId="{454743DD-FE7C-6E49-A547-F432B002A8D5}" type="sibTrans" cxnId="{65295914-8840-6247-B07C-3399F8A54174}">
+      <dgm:prSet/>
+      <dgm:spPr/>
+      <dgm:t>
+        <a:bodyPr/>
+        <a:lstStyle/>
+        <a:p>
+          <a:endParaRPr lang="de-DE"/>
+        </a:p>
+      </dgm:t>
+    </dgm:pt>
+    <dgm:pt modelId="{E15FB3E4-5E27-F842-87DE-F904453793EA}">
+      <dgm:prSet phldrT="[Text]" custT="1"/>
+      <dgm:spPr/>
+      <dgm:t>
+        <a:bodyPr/>
+        <a:lstStyle/>
+        <a:p>
+          <a:r>
+            <a:rPr lang="de-DE" sz="1400" b="0" dirty="0" err="1" smtClean="0"/>
+            <a:t>WebUi</a:t>
+          </a:r>
+          <a:endParaRPr lang="de-DE" sz="1400" b="0" dirty="0"/>
+        </a:p>
+      </dgm:t>
+    </dgm:pt>
+    <dgm:pt modelId="{51EADF6B-DBEC-E34C-A8E3-AF9B7ED2B5A3}" type="parTrans" cxnId="{6F9D7B61-19E8-F444-8F72-45367368FC12}">
+      <dgm:prSet/>
+      <dgm:spPr/>
+      <dgm:t>
+        <a:bodyPr/>
+        <a:lstStyle/>
+        <a:p>
+          <a:endParaRPr lang="de-DE"/>
+        </a:p>
+      </dgm:t>
+    </dgm:pt>
+    <dgm:pt modelId="{95416DDC-34CC-5645-A5B2-1323779BCCE5}" type="sibTrans" cxnId="{6F9D7B61-19E8-F444-8F72-45367368FC12}">
+      <dgm:prSet/>
+      <dgm:spPr/>
+      <dgm:t>
+        <a:bodyPr/>
+        <a:lstStyle/>
+        <a:p>
+          <a:endParaRPr lang="de-DE"/>
+        </a:p>
+      </dgm:t>
+    </dgm:pt>
+    <dgm:pt modelId="{B1EE702F-CA4B-BA49-B01D-B54BE2DBA342}">
+      <dgm:prSet phldrT="[Text]" custT="1"/>
+      <dgm:spPr/>
+      <dgm:t>
+        <a:bodyPr/>
+        <a:lstStyle/>
+        <a:p>
+          <a:r>
+            <a:rPr lang="de-DE" sz="1400" b="0" dirty="0" smtClean="0"/>
+            <a:t>Datenbank Import</a:t>
+          </a:r>
+          <a:endParaRPr lang="de-DE" sz="1400" b="0" dirty="0"/>
+        </a:p>
+      </dgm:t>
+    </dgm:pt>
+    <dgm:pt modelId="{7E9B5EB0-5B31-B648-BBBB-5D1B9F2F1B12}" type="parTrans" cxnId="{73C5796B-565E-A140-9882-A1B26B3DAC5C}">
+      <dgm:prSet/>
+      <dgm:spPr/>
+      <dgm:t>
+        <a:bodyPr/>
+        <a:lstStyle/>
+        <a:p>
+          <a:endParaRPr lang="de-DE"/>
+        </a:p>
+      </dgm:t>
+    </dgm:pt>
+    <dgm:pt modelId="{331ADAD7-FC45-E040-BCBE-5C57D141E2EC}" type="sibTrans" cxnId="{73C5796B-565E-A140-9882-A1B26B3DAC5C}">
+      <dgm:prSet/>
+      <dgm:spPr/>
+      <dgm:t>
+        <a:bodyPr/>
+        <a:lstStyle/>
+        <a:p>
+          <a:endParaRPr lang="de-DE"/>
+        </a:p>
+      </dgm:t>
+    </dgm:pt>
+    <dgm:pt modelId="{BA0A1C1B-1DC4-CB4C-9FBC-A2A98ABA198F}">
+      <dgm:prSet phldrT="[Text]" custT="1"/>
+      <dgm:spPr/>
+      <dgm:t>
+        <a:bodyPr/>
+        <a:lstStyle/>
+        <a:p>
+          <a:r>
+            <a:rPr lang="de-DE" sz="1400" b="0" dirty="0" smtClean="0"/>
+            <a:t>Migration alter Datenbank</a:t>
+          </a:r>
+          <a:endParaRPr lang="de-DE" sz="1400" b="0" dirty="0"/>
+        </a:p>
+      </dgm:t>
+    </dgm:pt>
+    <dgm:pt modelId="{FB1BA541-4C61-EE4E-A955-C37800D6743F}" type="parTrans" cxnId="{FE5FECBD-F061-3B47-B327-C09B61CE2E63}">
+      <dgm:prSet/>
+      <dgm:spPr/>
+      <dgm:t>
+        <a:bodyPr/>
+        <a:lstStyle/>
+        <a:p>
+          <a:endParaRPr lang="de-DE"/>
+        </a:p>
+      </dgm:t>
+    </dgm:pt>
+    <dgm:pt modelId="{EEF6B859-E754-C14D-9EE5-1B45CE4DFEEE}" type="sibTrans" cxnId="{FE5FECBD-F061-3B47-B327-C09B61CE2E63}">
+      <dgm:prSet/>
+      <dgm:spPr/>
+      <dgm:t>
+        <a:bodyPr/>
+        <a:lstStyle/>
+        <a:p>
+          <a:endParaRPr lang="de-DE"/>
+        </a:p>
+      </dgm:t>
+    </dgm:pt>
+    <dgm:pt modelId="{EFB0E7D3-1DF6-9243-94F1-FE0644A72F50}" type="pres">
+      <dgm:prSet presAssocID="{23CFDA53-9AA1-5C43-878F-9AEACFEBF78D}" presName="Name0" presStyleCnt="0">
+        <dgm:presLayoutVars>
+          <dgm:dir/>
+          <dgm:resizeHandles val="exact"/>
+        </dgm:presLayoutVars>
+      </dgm:prSet>
+      <dgm:spPr/>
+    </dgm:pt>
+    <dgm:pt modelId="{56F9F343-A1D0-7B40-8E0D-2CBB1EFCD0A6}" type="pres">
+      <dgm:prSet presAssocID="{23CFDA53-9AA1-5C43-878F-9AEACFEBF78D}" presName="arrow" presStyleLbl="bgShp" presStyleIdx="0" presStyleCnt="1"/>
+      <dgm:spPr/>
+    </dgm:pt>
+    <dgm:pt modelId="{FF33F234-7F92-6F47-98D4-3D07AF7ABB2F}" type="pres">
+      <dgm:prSet presAssocID="{23CFDA53-9AA1-5C43-878F-9AEACFEBF78D}" presName="points" presStyleCnt="0"/>
+      <dgm:spPr/>
+    </dgm:pt>
+    <dgm:pt modelId="{91EB6258-79A1-7943-900C-B230980A12F5}" type="pres">
+      <dgm:prSet presAssocID="{4BDD07D8-D39D-B941-8E76-548EC23C4D55}" presName="compositeA" presStyleCnt="0"/>
+      <dgm:spPr/>
+    </dgm:pt>
+    <dgm:pt modelId="{EDDB776B-86F5-4F4B-BEC8-3BA747D3A608}" type="pres">
+      <dgm:prSet presAssocID="{4BDD07D8-D39D-B941-8E76-548EC23C4D55}" presName="textA" presStyleLbl="revTx" presStyleIdx="0" presStyleCnt="6">
+        <dgm:presLayoutVars>
+          <dgm:bulletEnabled val="1"/>
+        </dgm:presLayoutVars>
+      </dgm:prSet>
+      <dgm:spPr/>
+      <dgm:t>
+        <a:bodyPr/>
+        <a:lstStyle/>
+        <a:p>
+          <a:endParaRPr lang="de-DE"/>
+        </a:p>
+      </dgm:t>
+    </dgm:pt>
+    <dgm:pt modelId="{539B8EC8-CCC7-6040-897E-6DD1826DDEBE}" type="pres">
+      <dgm:prSet presAssocID="{4BDD07D8-D39D-B941-8E76-548EC23C4D55}" presName="circleA" presStyleLbl="node1" presStyleIdx="0" presStyleCnt="6"/>
+      <dgm:spPr/>
+    </dgm:pt>
+    <dgm:pt modelId="{4C47D1B3-A543-C548-9F46-5D6A1C98B13D}" type="pres">
+      <dgm:prSet presAssocID="{4BDD07D8-D39D-B941-8E76-548EC23C4D55}" presName="spaceA" presStyleCnt="0"/>
+      <dgm:spPr/>
+    </dgm:pt>
+    <dgm:pt modelId="{0F6D62A4-14E1-194D-ADB1-A62EDED603CF}" type="pres">
+      <dgm:prSet presAssocID="{A66F26BF-5DF3-C94B-B1D2-5156310857CB}" presName="space" presStyleCnt="0"/>
+      <dgm:spPr/>
+    </dgm:pt>
+    <dgm:pt modelId="{CE640532-528B-AA48-AAA7-C282981E008B}" type="pres">
+      <dgm:prSet presAssocID="{84DCEFAE-F714-244E-B24F-B0C14A506765}" presName="compositeB" presStyleCnt="0"/>
+      <dgm:spPr/>
+    </dgm:pt>
+    <dgm:pt modelId="{9954AB86-54E6-A143-AA8E-416AA04BAD7D}" type="pres">
+      <dgm:prSet presAssocID="{84DCEFAE-F714-244E-B24F-B0C14A506765}" presName="textB" presStyleLbl="revTx" presStyleIdx="1" presStyleCnt="6">
+        <dgm:presLayoutVars>
+          <dgm:bulletEnabled val="1"/>
+        </dgm:presLayoutVars>
+      </dgm:prSet>
+      <dgm:spPr/>
+      <dgm:t>
+        <a:bodyPr/>
+        <a:lstStyle/>
+        <a:p>
+          <a:endParaRPr lang="de-DE"/>
+        </a:p>
+      </dgm:t>
+    </dgm:pt>
+    <dgm:pt modelId="{A0DD5946-874D-DB40-94E7-A14C9996143B}" type="pres">
+      <dgm:prSet presAssocID="{84DCEFAE-F714-244E-B24F-B0C14A506765}" presName="circleB" presStyleLbl="node1" presStyleIdx="1" presStyleCnt="6"/>
+      <dgm:spPr/>
+    </dgm:pt>
+    <dgm:pt modelId="{75A7E015-4258-324A-A1A9-C9835D91ECFF}" type="pres">
+      <dgm:prSet presAssocID="{84DCEFAE-F714-244E-B24F-B0C14A506765}" presName="spaceB" presStyleCnt="0"/>
+      <dgm:spPr/>
+    </dgm:pt>
+    <dgm:pt modelId="{94D1D10B-E53B-0440-8949-4DE4E6FEF1E5}" type="pres">
+      <dgm:prSet presAssocID="{408A2496-EB7E-1E4E-8955-A6D9E36EA678}" presName="space" presStyleCnt="0"/>
+      <dgm:spPr/>
+    </dgm:pt>
+    <dgm:pt modelId="{06315D5D-CC54-064C-9B6B-A0E2B82D631D}" type="pres">
+      <dgm:prSet presAssocID="{D6657E77-C816-8D43-ACA7-D3D9D4553035}" presName="compositeA" presStyleCnt="0"/>
+      <dgm:spPr/>
+    </dgm:pt>
+    <dgm:pt modelId="{E693FFAE-0B53-AB47-A09B-060B21582C74}" type="pres">
+      <dgm:prSet presAssocID="{D6657E77-C816-8D43-ACA7-D3D9D4553035}" presName="textA" presStyleLbl="revTx" presStyleIdx="2" presStyleCnt="6">
+        <dgm:presLayoutVars>
+          <dgm:bulletEnabled val="1"/>
+        </dgm:presLayoutVars>
+      </dgm:prSet>
+      <dgm:spPr/>
+    </dgm:pt>
+    <dgm:pt modelId="{D47A12EA-80DF-274C-A6C4-DB04D004DE31}" type="pres">
+      <dgm:prSet presAssocID="{D6657E77-C816-8D43-ACA7-D3D9D4553035}" presName="circleA" presStyleLbl="node1" presStyleIdx="2" presStyleCnt="6"/>
+      <dgm:spPr>
+        <a:gradFill flip="none" rotWithShape="1">
+          <a:gsLst>
+            <a:gs pos="0">
+              <a:schemeClr val="accent2">
+                <a:lumMod val="89000"/>
+              </a:schemeClr>
+            </a:gs>
+            <a:gs pos="23000">
+              <a:schemeClr val="accent2">
+                <a:lumMod val="89000"/>
+              </a:schemeClr>
+            </a:gs>
+            <a:gs pos="69000">
+              <a:schemeClr val="accent2">
+                <a:lumMod val="75000"/>
+              </a:schemeClr>
+            </a:gs>
+            <a:gs pos="97000">
+              <a:schemeClr val="accent2">
+                <a:lumMod val="70000"/>
+              </a:schemeClr>
+            </a:gs>
+          </a:gsLst>
+          <a:path path="circle">
+            <a:fillToRect l="50000" t="50000" r="50000" b="50000"/>
+          </a:path>
+          <a:tileRect/>
+        </a:gradFill>
+      </dgm:spPr>
+    </dgm:pt>
+    <dgm:pt modelId="{D0AE84C2-8AE5-0443-A45C-33326DF482B3}" type="pres">
+      <dgm:prSet presAssocID="{D6657E77-C816-8D43-ACA7-D3D9D4553035}" presName="spaceA" presStyleCnt="0"/>
+      <dgm:spPr/>
+    </dgm:pt>
+    <dgm:pt modelId="{FBFDBED4-580D-5D45-ABDD-6CDBEEF075AC}" type="pres">
+      <dgm:prSet presAssocID="{454743DD-FE7C-6E49-A547-F432B002A8D5}" presName="space" presStyleCnt="0"/>
+      <dgm:spPr/>
+    </dgm:pt>
+    <dgm:pt modelId="{FB004BB4-04CD-3D44-812D-55D8C754D644}" type="pres">
+      <dgm:prSet presAssocID="{E15FB3E4-5E27-F842-87DE-F904453793EA}" presName="compositeB" presStyleCnt="0"/>
+      <dgm:spPr/>
+    </dgm:pt>
+    <dgm:pt modelId="{F54E5BEB-F5C5-EC47-AA6F-1BAC0AA357E8}" type="pres">
+      <dgm:prSet presAssocID="{E15FB3E4-5E27-F842-87DE-F904453793EA}" presName="textB" presStyleLbl="revTx" presStyleIdx="3" presStyleCnt="6">
+        <dgm:presLayoutVars>
+          <dgm:bulletEnabled val="1"/>
+        </dgm:presLayoutVars>
+      </dgm:prSet>
+      <dgm:spPr/>
+      <dgm:t>
+        <a:bodyPr/>
+        <a:lstStyle/>
+        <a:p>
+          <a:endParaRPr lang="de-DE"/>
+        </a:p>
+      </dgm:t>
+    </dgm:pt>
+    <dgm:pt modelId="{6508A2B0-20F7-F347-B896-9A4A68AAAA40}" type="pres">
+      <dgm:prSet presAssocID="{E15FB3E4-5E27-F842-87DE-F904453793EA}" presName="circleB" presStyleLbl="node1" presStyleIdx="3" presStyleCnt="6"/>
+      <dgm:spPr>
+        <a:gradFill flip="none" rotWithShape="1">
+          <a:gsLst>
+            <a:gs pos="0">
+              <a:schemeClr val="accent2">
+                <a:lumMod val="89000"/>
+              </a:schemeClr>
+            </a:gs>
+            <a:gs pos="23000">
+              <a:schemeClr val="accent2">
+                <a:lumMod val="89000"/>
+              </a:schemeClr>
+            </a:gs>
+            <a:gs pos="69000">
+              <a:schemeClr val="accent2">
+                <a:lumMod val="75000"/>
+              </a:schemeClr>
+            </a:gs>
+            <a:gs pos="97000">
+              <a:schemeClr val="accent2">
+                <a:lumMod val="70000"/>
+              </a:schemeClr>
+            </a:gs>
+          </a:gsLst>
+          <a:path path="circle">
+            <a:fillToRect l="50000" t="50000" r="50000" b="50000"/>
+          </a:path>
+          <a:tileRect/>
+        </a:gradFill>
+      </dgm:spPr>
+    </dgm:pt>
+    <dgm:pt modelId="{59CCA718-AF4D-A84C-9EDE-45DBB7A3F5BC}" type="pres">
+      <dgm:prSet presAssocID="{E15FB3E4-5E27-F842-87DE-F904453793EA}" presName="spaceB" presStyleCnt="0"/>
+      <dgm:spPr/>
+    </dgm:pt>
+    <dgm:pt modelId="{AC14DEB8-5C81-4147-91F9-D38B4892F58C}" type="pres">
+      <dgm:prSet presAssocID="{95416DDC-34CC-5645-A5B2-1323779BCCE5}" presName="space" presStyleCnt="0"/>
+      <dgm:spPr/>
+    </dgm:pt>
+    <dgm:pt modelId="{B11B18D8-11BE-3A4B-8709-A65281243F8D}" type="pres">
+      <dgm:prSet presAssocID="{B1EE702F-CA4B-BA49-B01D-B54BE2DBA342}" presName="compositeA" presStyleCnt="0"/>
+      <dgm:spPr/>
+    </dgm:pt>
+    <dgm:pt modelId="{173DCD26-DAE0-F94D-9833-25F0AF36030D}" type="pres">
+      <dgm:prSet presAssocID="{B1EE702F-CA4B-BA49-B01D-B54BE2DBA342}" presName="textA" presStyleLbl="revTx" presStyleIdx="4" presStyleCnt="6">
+        <dgm:presLayoutVars>
+          <dgm:bulletEnabled val="1"/>
+        </dgm:presLayoutVars>
+      </dgm:prSet>
+      <dgm:spPr/>
+    </dgm:pt>
+    <dgm:pt modelId="{63928596-C1F8-C74B-BEA4-9818A84D491B}" type="pres">
+      <dgm:prSet presAssocID="{B1EE702F-CA4B-BA49-B01D-B54BE2DBA342}" presName="circleA" presStyleLbl="node1" presStyleIdx="4" presStyleCnt="6"/>
+      <dgm:spPr>
+        <a:gradFill flip="none" rotWithShape="1">
+          <a:gsLst>
+            <a:gs pos="0">
+              <a:schemeClr val="accent5">
+                <a:lumMod val="67000"/>
+              </a:schemeClr>
+            </a:gs>
+            <a:gs pos="48000">
+              <a:schemeClr val="accent5">
+                <a:lumMod val="97000"/>
+                <a:lumOff val="3000"/>
+              </a:schemeClr>
+            </a:gs>
+            <a:gs pos="100000">
+              <a:schemeClr val="accent5">
+                <a:lumMod val="60000"/>
+                <a:lumOff val="40000"/>
+              </a:schemeClr>
+            </a:gs>
+          </a:gsLst>
+          <a:lin ang="16200000" scaled="1"/>
+          <a:tileRect/>
+        </a:gradFill>
+      </dgm:spPr>
+    </dgm:pt>
+    <dgm:pt modelId="{87EB8E91-EAA1-E548-90DB-84A2714C5B9A}" type="pres">
+      <dgm:prSet presAssocID="{B1EE702F-CA4B-BA49-B01D-B54BE2DBA342}" presName="spaceA" presStyleCnt="0"/>
+      <dgm:spPr/>
+    </dgm:pt>
+    <dgm:pt modelId="{57466625-1D55-CB40-8609-46F1CD6FA8A6}" type="pres">
+      <dgm:prSet presAssocID="{331ADAD7-FC45-E040-BCBE-5C57D141E2EC}" presName="space" presStyleCnt="0"/>
+      <dgm:spPr/>
+    </dgm:pt>
+    <dgm:pt modelId="{60B3898A-795F-7749-88FF-D6C35B3025B5}" type="pres">
+      <dgm:prSet presAssocID="{BA0A1C1B-1DC4-CB4C-9FBC-A2A98ABA198F}" presName="compositeB" presStyleCnt="0"/>
+      <dgm:spPr/>
+    </dgm:pt>
+    <dgm:pt modelId="{66B7D786-19BA-794C-89EA-9950D8FC0836}" type="pres">
+      <dgm:prSet presAssocID="{BA0A1C1B-1DC4-CB4C-9FBC-A2A98ABA198F}" presName="textB" presStyleLbl="revTx" presStyleIdx="5" presStyleCnt="6">
+        <dgm:presLayoutVars>
+          <dgm:bulletEnabled val="1"/>
+        </dgm:presLayoutVars>
+      </dgm:prSet>
+      <dgm:spPr/>
+      <dgm:t>
+        <a:bodyPr/>
+        <a:lstStyle/>
+        <a:p>
+          <a:endParaRPr lang="de-DE"/>
+        </a:p>
+      </dgm:t>
+    </dgm:pt>
+    <dgm:pt modelId="{0EE61F08-209B-E643-882E-20142195E3C6}" type="pres">
+      <dgm:prSet presAssocID="{BA0A1C1B-1DC4-CB4C-9FBC-A2A98ABA198F}" presName="circleB" presStyleLbl="node1" presStyleIdx="5" presStyleCnt="6"/>
+      <dgm:spPr>
+        <a:gradFill flip="none" rotWithShape="1">
+          <a:gsLst>
+            <a:gs pos="0">
+              <a:schemeClr val="accent5">
+                <a:lumMod val="67000"/>
+              </a:schemeClr>
+            </a:gs>
+            <a:gs pos="48000">
+              <a:schemeClr val="accent5">
+                <a:lumMod val="97000"/>
+                <a:lumOff val="3000"/>
+              </a:schemeClr>
+            </a:gs>
+            <a:gs pos="100000">
+              <a:schemeClr val="accent5">
+                <a:lumMod val="60000"/>
+                <a:lumOff val="40000"/>
+              </a:schemeClr>
+            </a:gs>
+          </a:gsLst>
+          <a:lin ang="16200000" scaled="1"/>
+          <a:tileRect/>
+        </a:gradFill>
+      </dgm:spPr>
+    </dgm:pt>
+    <dgm:pt modelId="{9AB66D46-9783-C54C-AF64-201C03677950}" type="pres">
+      <dgm:prSet presAssocID="{BA0A1C1B-1DC4-CB4C-9FBC-A2A98ABA198F}" presName="spaceB" presStyleCnt="0"/>
+      <dgm:spPr/>
+    </dgm:pt>
+  </dgm:ptLst>
+  <dgm:cxnLst>
+    <dgm:cxn modelId="{FE5FECBD-F061-3B47-B327-C09B61CE2E63}" srcId="{23CFDA53-9AA1-5C43-878F-9AEACFEBF78D}" destId="{BA0A1C1B-1DC4-CB4C-9FBC-A2A98ABA198F}" srcOrd="5" destOrd="0" parTransId="{FB1BA541-4C61-EE4E-A955-C37800D6743F}" sibTransId="{EEF6B859-E754-C14D-9EE5-1B45CE4DFEEE}"/>
+    <dgm:cxn modelId="{4D83A4A6-06EC-6E4C-B43D-2954A92E5500}" srcId="{23CFDA53-9AA1-5C43-878F-9AEACFEBF78D}" destId="{4BDD07D8-D39D-B941-8E76-548EC23C4D55}" srcOrd="0" destOrd="0" parTransId="{609D5CF5-8E01-2245-AB22-C9C8ACA1A224}" sibTransId="{A66F26BF-5DF3-C94B-B1D2-5156310857CB}"/>
+    <dgm:cxn modelId="{0E773F78-7A6D-4C48-AE08-B3524D57218E}" type="presOf" srcId="{84DCEFAE-F714-244E-B24F-B0C14A506765}" destId="{9954AB86-54E6-A143-AA8E-416AA04BAD7D}" srcOrd="0" destOrd="0" presId="urn:microsoft.com/office/officeart/2005/8/layout/hProcess11"/>
+    <dgm:cxn modelId="{65295914-8840-6247-B07C-3399F8A54174}" srcId="{23CFDA53-9AA1-5C43-878F-9AEACFEBF78D}" destId="{D6657E77-C816-8D43-ACA7-D3D9D4553035}" srcOrd="2" destOrd="0" parTransId="{593B1F38-FB06-1F41-A1EE-270B566CFF1F}" sibTransId="{454743DD-FE7C-6E49-A547-F432B002A8D5}"/>
+    <dgm:cxn modelId="{6F9D7B61-19E8-F444-8F72-45367368FC12}" srcId="{23CFDA53-9AA1-5C43-878F-9AEACFEBF78D}" destId="{E15FB3E4-5E27-F842-87DE-F904453793EA}" srcOrd="3" destOrd="0" parTransId="{51EADF6B-DBEC-E34C-A8E3-AF9B7ED2B5A3}" sibTransId="{95416DDC-34CC-5645-A5B2-1323779BCCE5}"/>
+    <dgm:cxn modelId="{36BE279F-E422-0E42-B777-CDD62285DB69}" type="presOf" srcId="{D6657E77-C816-8D43-ACA7-D3D9D4553035}" destId="{E693FFAE-0B53-AB47-A09B-060B21582C74}" srcOrd="0" destOrd="0" presId="urn:microsoft.com/office/officeart/2005/8/layout/hProcess11"/>
+    <dgm:cxn modelId="{940DBDC7-F7FD-9B41-83BF-06507AB7DC97}" type="presOf" srcId="{23CFDA53-9AA1-5C43-878F-9AEACFEBF78D}" destId="{EFB0E7D3-1DF6-9243-94F1-FE0644A72F50}" srcOrd="0" destOrd="0" presId="urn:microsoft.com/office/officeart/2005/8/layout/hProcess11"/>
+    <dgm:cxn modelId="{62E98E21-5653-6648-B339-03BEBDF4F19A}" type="presOf" srcId="{4BDD07D8-D39D-B941-8E76-548EC23C4D55}" destId="{EDDB776B-86F5-4F4B-BEC8-3BA747D3A608}" srcOrd="0" destOrd="0" presId="urn:microsoft.com/office/officeart/2005/8/layout/hProcess11"/>
+    <dgm:cxn modelId="{977F878B-32BD-3F40-923A-AADD94A3DFFA}" type="presOf" srcId="{B1EE702F-CA4B-BA49-B01D-B54BE2DBA342}" destId="{173DCD26-DAE0-F94D-9833-25F0AF36030D}" srcOrd="0" destOrd="0" presId="urn:microsoft.com/office/officeart/2005/8/layout/hProcess11"/>
+    <dgm:cxn modelId="{88C8CD00-2480-E84D-B30B-D0C06CBB459D}" type="presOf" srcId="{BA0A1C1B-1DC4-CB4C-9FBC-A2A98ABA198F}" destId="{66B7D786-19BA-794C-89EA-9950D8FC0836}" srcOrd="0" destOrd="0" presId="urn:microsoft.com/office/officeart/2005/8/layout/hProcess11"/>
+    <dgm:cxn modelId="{73C5796B-565E-A140-9882-A1B26B3DAC5C}" srcId="{23CFDA53-9AA1-5C43-878F-9AEACFEBF78D}" destId="{B1EE702F-CA4B-BA49-B01D-B54BE2DBA342}" srcOrd="4" destOrd="0" parTransId="{7E9B5EB0-5B31-B648-BBBB-5D1B9F2F1B12}" sibTransId="{331ADAD7-FC45-E040-BCBE-5C57D141E2EC}"/>
+    <dgm:cxn modelId="{000F32A2-4B8C-9146-ABCF-26D2AC34F1FE}" srcId="{23CFDA53-9AA1-5C43-878F-9AEACFEBF78D}" destId="{84DCEFAE-F714-244E-B24F-B0C14A506765}" srcOrd="1" destOrd="0" parTransId="{14C8A7D3-8634-4D4D-A857-2B684FE0489D}" sibTransId="{408A2496-EB7E-1E4E-8955-A6D9E36EA678}"/>
+    <dgm:cxn modelId="{03402E71-9AD3-8D44-86A0-BA2F1C9D52D5}" type="presOf" srcId="{E15FB3E4-5E27-F842-87DE-F904453793EA}" destId="{F54E5BEB-F5C5-EC47-AA6F-1BAC0AA357E8}" srcOrd="0" destOrd="0" presId="urn:microsoft.com/office/officeart/2005/8/layout/hProcess11"/>
+    <dgm:cxn modelId="{05D5935B-BF45-D64D-96A5-CB0AFB249CFD}" type="presParOf" srcId="{EFB0E7D3-1DF6-9243-94F1-FE0644A72F50}" destId="{56F9F343-A1D0-7B40-8E0D-2CBB1EFCD0A6}" srcOrd="0" destOrd="0" presId="urn:microsoft.com/office/officeart/2005/8/layout/hProcess11"/>
+    <dgm:cxn modelId="{4BD4C80F-1045-3141-B14B-F144F3049E75}" type="presParOf" srcId="{EFB0E7D3-1DF6-9243-94F1-FE0644A72F50}" destId="{FF33F234-7F92-6F47-98D4-3D07AF7ABB2F}" srcOrd="1" destOrd="0" presId="urn:microsoft.com/office/officeart/2005/8/layout/hProcess11"/>
+    <dgm:cxn modelId="{86F7D689-CF53-9C49-8BBF-9FFD8BF5307D}" type="presParOf" srcId="{FF33F234-7F92-6F47-98D4-3D07AF7ABB2F}" destId="{91EB6258-79A1-7943-900C-B230980A12F5}" srcOrd="0" destOrd="0" presId="urn:microsoft.com/office/officeart/2005/8/layout/hProcess11"/>
+    <dgm:cxn modelId="{CDF46F29-186D-B745-82F0-55577899CA2B}" type="presParOf" srcId="{91EB6258-79A1-7943-900C-B230980A12F5}" destId="{EDDB776B-86F5-4F4B-BEC8-3BA747D3A608}" srcOrd="0" destOrd="0" presId="urn:microsoft.com/office/officeart/2005/8/layout/hProcess11"/>
+    <dgm:cxn modelId="{89F1FBCB-A6CE-D449-BBD8-DEAA427997AC}" type="presParOf" srcId="{91EB6258-79A1-7943-900C-B230980A12F5}" destId="{539B8EC8-CCC7-6040-897E-6DD1826DDEBE}" srcOrd="1" destOrd="0" presId="urn:microsoft.com/office/officeart/2005/8/layout/hProcess11"/>
+    <dgm:cxn modelId="{2E5BAB02-963A-C64D-9C4B-2DC1EA83DF7A}" type="presParOf" srcId="{91EB6258-79A1-7943-900C-B230980A12F5}" destId="{4C47D1B3-A543-C548-9F46-5D6A1C98B13D}" srcOrd="2" destOrd="0" presId="urn:microsoft.com/office/officeart/2005/8/layout/hProcess11"/>
+    <dgm:cxn modelId="{6815183A-2880-B141-BB5C-6C22096F6B01}" type="presParOf" srcId="{FF33F234-7F92-6F47-98D4-3D07AF7ABB2F}" destId="{0F6D62A4-14E1-194D-ADB1-A62EDED603CF}" srcOrd="1" destOrd="0" presId="urn:microsoft.com/office/officeart/2005/8/layout/hProcess11"/>
+    <dgm:cxn modelId="{00656E21-4D5D-A64C-8EE0-97447ABDDF8F}" type="presParOf" srcId="{FF33F234-7F92-6F47-98D4-3D07AF7ABB2F}" destId="{CE640532-528B-AA48-AAA7-C282981E008B}" srcOrd="2" destOrd="0" presId="urn:microsoft.com/office/officeart/2005/8/layout/hProcess11"/>
+    <dgm:cxn modelId="{1A1D0C43-91C5-9E4D-A028-AB4818D9B914}" type="presParOf" srcId="{CE640532-528B-AA48-AAA7-C282981E008B}" destId="{9954AB86-54E6-A143-AA8E-416AA04BAD7D}" srcOrd="0" destOrd="0" presId="urn:microsoft.com/office/officeart/2005/8/layout/hProcess11"/>
+    <dgm:cxn modelId="{1A1ED97C-6579-C745-87DD-691295775767}" type="presParOf" srcId="{CE640532-528B-AA48-AAA7-C282981E008B}" destId="{A0DD5946-874D-DB40-94E7-A14C9996143B}" srcOrd="1" destOrd="0" presId="urn:microsoft.com/office/officeart/2005/8/layout/hProcess11"/>
+    <dgm:cxn modelId="{B54DA8D1-33ED-8C49-8111-B829CCB512F2}" type="presParOf" srcId="{CE640532-528B-AA48-AAA7-C282981E008B}" destId="{75A7E015-4258-324A-A1A9-C9835D91ECFF}" srcOrd="2" destOrd="0" presId="urn:microsoft.com/office/officeart/2005/8/layout/hProcess11"/>
+    <dgm:cxn modelId="{7D4BB38C-56F1-2748-BEAD-4C2ADF17E498}" type="presParOf" srcId="{FF33F234-7F92-6F47-98D4-3D07AF7ABB2F}" destId="{94D1D10B-E53B-0440-8949-4DE4E6FEF1E5}" srcOrd="3" destOrd="0" presId="urn:microsoft.com/office/officeart/2005/8/layout/hProcess11"/>
+    <dgm:cxn modelId="{806D3BAB-97E3-F442-8CED-C354AA491388}" type="presParOf" srcId="{FF33F234-7F92-6F47-98D4-3D07AF7ABB2F}" destId="{06315D5D-CC54-064C-9B6B-A0E2B82D631D}" srcOrd="4" destOrd="0" presId="urn:microsoft.com/office/officeart/2005/8/layout/hProcess11"/>
+    <dgm:cxn modelId="{853159F5-A353-404D-8C19-AF03976B4E80}" type="presParOf" srcId="{06315D5D-CC54-064C-9B6B-A0E2B82D631D}" destId="{E693FFAE-0B53-AB47-A09B-060B21582C74}" srcOrd="0" destOrd="0" presId="urn:microsoft.com/office/officeart/2005/8/layout/hProcess11"/>
+    <dgm:cxn modelId="{852FE58A-C7B0-7042-A02B-39F1695BA5C3}" type="presParOf" srcId="{06315D5D-CC54-064C-9B6B-A0E2B82D631D}" destId="{D47A12EA-80DF-274C-A6C4-DB04D004DE31}" srcOrd="1" destOrd="0" presId="urn:microsoft.com/office/officeart/2005/8/layout/hProcess11"/>
+    <dgm:cxn modelId="{7702634F-795E-904E-A811-DF5E3997AF67}" type="presParOf" srcId="{06315D5D-CC54-064C-9B6B-A0E2B82D631D}" destId="{D0AE84C2-8AE5-0443-A45C-33326DF482B3}" srcOrd="2" destOrd="0" presId="urn:microsoft.com/office/officeart/2005/8/layout/hProcess11"/>
+    <dgm:cxn modelId="{54DD4182-3D8B-EA4B-9720-70E3E4F59EF6}" type="presParOf" srcId="{FF33F234-7F92-6F47-98D4-3D07AF7ABB2F}" destId="{FBFDBED4-580D-5D45-ABDD-6CDBEEF075AC}" srcOrd="5" destOrd="0" presId="urn:microsoft.com/office/officeart/2005/8/layout/hProcess11"/>
+    <dgm:cxn modelId="{85E157F6-3417-6C42-B2C1-0795D0792602}" type="presParOf" srcId="{FF33F234-7F92-6F47-98D4-3D07AF7ABB2F}" destId="{FB004BB4-04CD-3D44-812D-55D8C754D644}" srcOrd="6" destOrd="0" presId="urn:microsoft.com/office/officeart/2005/8/layout/hProcess11"/>
+    <dgm:cxn modelId="{111868BD-672A-3D4D-B3F4-A7D51EEB8BEB}" type="presParOf" srcId="{FB004BB4-04CD-3D44-812D-55D8C754D644}" destId="{F54E5BEB-F5C5-EC47-AA6F-1BAC0AA357E8}" srcOrd="0" destOrd="0" presId="urn:microsoft.com/office/officeart/2005/8/layout/hProcess11"/>
+    <dgm:cxn modelId="{B149EAD2-2932-7642-870B-338B22ABC61F}" type="presParOf" srcId="{FB004BB4-04CD-3D44-812D-55D8C754D644}" destId="{6508A2B0-20F7-F347-B896-9A4A68AAAA40}" srcOrd="1" destOrd="0" presId="urn:microsoft.com/office/officeart/2005/8/layout/hProcess11"/>
+    <dgm:cxn modelId="{D4B57E22-7AFA-C143-AB99-2AE8DE7C3D12}" type="presParOf" srcId="{FB004BB4-04CD-3D44-812D-55D8C754D644}" destId="{59CCA718-AF4D-A84C-9EDE-45DBB7A3F5BC}" srcOrd="2" destOrd="0" presId="urn:microsoft.com/office/officeart/2005/8/layout/hProcess11"/>
+    <dgm:cxn modelId="{129FE52B-B1E2-4843-8705-CF95474AD019}" type="presParOf" srcId="{FF33F234-7F92-6F47-98D4-3D07AF7ABB2F}" destId="{AC14DEB8-5C81-4147-91F9-D38B4892F58C}" srcOrd="7" destOrd="0" presId="urn:microsoft.com/office/officeart/2005/8/layout/hProcess11"/>
+    <dgm:cxn modelId="{8DF2F263-9E62-F849-9264-60B406108D34}" type="presParOf" srcId="{FF33F234-7F92-6F47-98D4-3D07AF7ABB2F}" destId="{B11B18D8-11BE-3A4B-8709-A65281243F8D}" srcOrd="8" destOrd="0" presId="urn:microsoft.com/office/officeart/2005/8/layout/hProcess11"/>
+    <dgm:cxn modelId="{2DE9E9E8-E553-AC4B-86EE-5F7A5E4ABF63}" type="presParOf" srcId="{B11B18D8-11BE-3A4B-8709-A65281243F8D}" destId="{173DCD26-DAE0-F94D-9833-25F0AF36030D}" srcOrd="0" destOrd="0" presId="urn:microsoft.com/office/officeart/2005/8/layout/hProcess11"/>
+    <dgm:cxn modelId="{954F6BB0-F287-D741-A2BA-6796F1DD2C35}" type="presParOf" srcId="{B11B18D8-11BE-3A4B-8709-A65281243F8D}" destId="{63928596-C1F8-C74B-BEA4-9818A84D491B}" srcOrd="1" destOrd="0" presId="urn:microsoft.com/office/officeart/2005/8/layout/hProcess11"/>
+    <dgm:cxn modelId="{700A754F-9F3C-3C4F-B991-58036BA469E8}" type="presParOf" srcId="{B11B18D8-11BE-3A4B-8709-A65281243F8D}" destId="{87EB8E91-EAA1-E548-90DB-84A2714C5B9A}" srcOrd="2" destOrd="0" presId="urn:microsoft.com/office/officeart/2005/8/layout/hProcess11"/>
+    <dgm:cxn modelId="{7D112D63-F3E4-3943-8A90-C1F926549B16}" type="presParOf" srcId="{FF33F234-7F92-6F47-98D4-3D07AF7ABB2F}" destId="{57466625-1D55-CB40-8609-46F1CD6FA8A6}" srcOrd="9" destOrd="0" presId="urn:microsoft.com/office/officeart/2005/8/layout/hProcess11"/>
+    <dgm:cxn modelId="{59680A25-9813-4942-88CC-D4C7A758067A}" type="presParOf" srcId="{FF33F234-7F92-6F47-98D4-3D07AF7ABB2F}" destId="{60B3898A-795F-7749-88FF-D6C35B3025B5}" srcOrd="10" destOrd="0" presId="urn:microsoft.com/office/officeart/2005/8/layout/hProcess11"/>
+    <dgm:cxn modelId="{0CA856A6-484F-AA44-AB23-F745DBC524C2}" type="presParOf" srcId="{60B3898A-795F-7749-88FF-D6C35B3025B5}" destId="{66B7D786-19BA-794C-89EA-9950D8FC0836}" srcOrd="0" destOrd="0" presId="urn:microsoft.com/office/officeart/2005/8/layout/hProcess11"/>
+    <dgm:cxn modelId="{C0C3C326-EAC5-3D4C-BA0C-2A0445BD98F7}" type="presParOf" srcId="{60B3898A-795F-7749-88FF-D6C35B3025B5}" destId="{0EE61F08-209B-E643-882E-20142195E3C6}" srcOrd="1" destOrd="0" presId="urn:microsoft.com/office/officeart/2005/8/layout/hProcess11"/>
+    <dgm:cxn modelId="{D822E402-EFA6-AC46-8E57-F87653CC44E3}" type="presParOf" srcId="{60B3898A-795F-7749-88FF-D6C35B3025B5}" destId="{9AB66D46-9783-C54C-AF64-201C03677950}" srcOrd="2" destOrd="0" presId="urn:microsoft.com/office/officeart/2005/8/layout/hProcess11"/>
+  </dgm:cxnLst>
+  <dgm:bg/>
+  <dgm:whole/>
+  <dgm:extLst>
+    <a:ext uri="http://schemas.microsoft.com/office/drawing/2008/diagram">
+      <dsp:dataModelExt xmlns:dsp="http://schemas.microsoft.com/office/drawing/2008/diagram" relId="rId6" minVer="http://schemas.openxmlformats.org/drawingml/2006/diagram"/>
+    </a:ext>
+  </dgm:extLst>
+</dgm:dataModel>
+</file>
+
+<file path=ppt/diagrams/drawing1.xml><?xml version="1.0" encoding="utf-8"?>
+<dsp:drawing xmlns:dgm="http://schemas.openxmlformats.org/drawingml/2006/diagram" xmlns:dsp="http://schemas.microsoft.com/office/drawing/2008/diagram" xmlns:a="http://schemas.openxmlformats.org/drawingml/2006/main">
+  <dsp:spTree>
+    <dsp:nvGrpSpPr>
+      <dsp:cNvPr id="0" name=""/>
+      <dsp:cNvGrpSpPr/>
+    </dsp:nvGrpSpPr>
+    <dsp:grpSpPr/>
+    <dsp:sp modelId="{56F9F343-A1D0-7B40-8E0D-2CBB1EFCD0A6}">
+      <dsp:nvSpPr>
+        <dsp:cNvPr id="0" name=""/>
+        <dsp:cNvSpPr/>
+      </dsp:nvSpPr>
+      <dsp:spPr>
+        <a:xfrm>
+          <a:off x="0" y="1236069"/>
+          <a:ext cx="8069907" cy="1648092"/>
+        </a:xfrm>
+        <a:prstGeom prst="notchedRightArrow">
+          <a:avLst/>
+        </a:prstGeom>
+        <a:solidFill>
+          <a:schemeClr val="accent1">
+            <a:tint val="40000"/>
+            <a:hueOff val="0"/>
+            <a:satOff val="0"/>
+            <a:lumOff val="0"/>
+            <a:alphaOff val="0"/>
+          </a:schemeClr>
+        </a:solidFill>
+        <a:ln>
+          <a:noFill/>
+        </a:ln>
+        <a:effectLst>
+          <a:outerShdw blurRad="40000" dist="23000" dir="5400000" rotWithShape="0">
+            <a:srgbClr val="000000">
+              <a:alpha val="35000"/>
+            </a:srgbClr>
+          </a:outerShdw>
+        </a:effectLst>
+      </dsp:spPr>
+      <dsp:style>
+        <a:lnRef idx="0">
+          <a:scrgbClr r="0" g="0" b="0"/>
+        </a:lnRef>
+        <a:fillRef idx="1">
+          <a:scrgbClr r="0" g="0" b="0"/>
+        </a:fillRef>
+        <a:effectRef idx="2">
+          <a:scrgbClr r="0" g="0" b="0"/>
+        </a:effectRef>
+        <a:fontRef idx="minor"/>
+      </dsp:style>
+    </dsp:sp>
+    <dsp:sp modelId="{EDDB776B-86F5-4F4B-BEC8-3BA747D3A608}">
+      <dsp:nvSpPr>
+        <dsp:cNvPr id="0" name=""/>
+        <dsp:cNvSpPr/>
+      </dsp:nvSpPr>
+      <dsp:spPr>
+        <a:xfrm>
+          <a:off x="1994" y="0"/>
+          <a:ext cx="1161428" cy="1648092"/>
+        </a:xfrm>
+        <a:prstGeom prst="rect">
+          <a:avLst/>
+        </a:prstGeom>
+        <a:noFill/>
+        <a:ln>
+          <a:noFill/>
+        </a:ln>
+        <a:effectLst/>
+      </dsp:spPr>
+      <dsp:style>
+        <a:lnRef idx="0">
+          <a:scrgbClr r="0" g="0" b="0"/>
+        </a:lnRef>
+        <a:fillRef idx="0">
+          <a:scrgbClr r="0" g="0" b="0"/>
+        </a:fillRef>
+        <a:effectRef idx="0">
+          <a:scrgbClr r="0" g="0" b="0"/>
+        </a:effectRef>
+        <a:fontRef idx="minor"/>
+      </dsp:style>
+      <dsp:txBody>
+        <a:bodyPr spcFirstLastPara="0" vert="horz" wrap="square" lIns="99568" tIns="99568" rIns="99568" bIns="99568" numCol="1" spcCol="1270" anchor="b" anchorCtr="0">
+          <a:noAutofit/>
+        </a:bodyPr>
+        <a:lstStyle/>
+        <a:p>
+          <a:pPr lvl="0" algn="ctr" defTabSz="622300">
+            <a:lnSpc>
+              <a:spcPct val="90000"/>
+            </a:lnSpc>
+            <a:spcBef>
+              <a:spcPct val="0"/>
+            </a:spcBef>
+            <a:spcAft>
+              <a:spcPct val="35000"/>
+            </a:spcAft>
+          </a:pPr>
+          <a:r>
+            <a:rPr lang="de-DE" sz="1400" b="0" kern="1200" dirty="0" smtClean="0"/>
+            <a:t>Kickoff</a:t>
+          </a:r>
+          <a:endParaRPr lang="de-DE" sz="1400" b="0" kern="1200" dirty="0"/>
+        </a:p>
+      </dsp:txBody>
+      <dsp:txXfrm>
+        <a:off x="1994" y="0"/>
+        <a:ext cx="1161428" cy="1648092"/>
+      </dsp:txXfrm>
+    </dsp:sp>
+    <dsp:sp modelId="{539B8EC8-CCC7-6040-897E-6DD1826DDEBE}">
+      <dsp:nvSpPr>
+        <dsp:cNvPr id="0" name=""/>
+        <dsp:cNvSpPr/>
+      </dsp:nvSpPr>
+      <dsp:spPr>
+        <a:xfrm>
+          <a:off x="376697" y="1854104"/>
+          <a:ext cx="412023" cy="412023"/>
+        </a:xfrm>
+        <a:prstGeom prst="ellipse">
+          <a:avLst/>
+        </a:prstGeom>
+        <a:gradFill rotWithShape="0">
+          <a:gsLst>
+            <a:gs pos="0">
+              <a:schemeClr val="accent1">
+                <a:hueOff val="0"/>
+                <a:satOff val="0"/>
+                <a:lumOff val="0"/>
+                <a:alphaOff val="0"/>
+                <a:shade val="51000"/>
+                <a:satMod val="130000"/>
+              </a:schemeClr>
+            </a:gs>
+            <a:gs pos="80000">
+              <a:schemeClr val="accent1">
+                <a:hueOff val="0"/>
+                <a:satOff val="0"/>
+                <a:lumOff val="0"/>
+                <a:alphaOff val="0"/>
+                <a:shade val="93000"/>
+                <a:satMod val="130000"/>
+              </a:schemeClr>
+            </a:gs>
+            <a:gs pos="100000">
+              <a:schemeClr val="accent1">
+                <a:hueOff val="0"/>
+                <a:satOff val="0"/>
+                <a:lumOff val="0"/>
+                <a:alphaOff val="0"/>
+                <a:shade val="94000"/>
+                <a:satMod val="135000"/>
+              </a:schemeClr>
+            </a:gs>
+          </a:gsLst>
+          <a:lin ang="16200000" scaled="0"/>
+        </a:gradFill>
+        <a:ln>
+          <a:noFill/>
+        </a:ln>
+        <a:effectLst>
+          <a:outerShdw blurRad="40000" dist="23000" dir="5400000" rotWithShape="0">
+            <a:srgbClr val="000000">
+              <a:alpha val="35000"/>
+            </a:srgbClr>
+          </a:outerShdw>
+        </a:effectLst>
+      </dsp:spPr>
+      <dsp:style>
+        <a:lnRef idx="0">
+          <a:scrgbClr r="0" g="0" b="0"/>
+        </a:lnRef>
+        <a:fillRef idx="3">
+          <a:scrgbClr r="0" g="0" b="0"/>
+        </a:fillRef>
+        <a:effectRef idx="2">
+          <a:scrgbClr r="0" g="0" b="0"/>
+        </a:effectRef>
+        <a:fontRef idx="minor">
+          <a:schemeClr val="lt1"/>
+        </a:fontRef>
+      </dsp:style>
+    </dsp:sp>
+    <dsp:sp modelId="{9954AB86-54E6-A143-AA8E-416AA04BAD7D}">
+      <dsp:nvSpPr>
+        <dsp:cNvPr id="0" name=""/>
+        <dsp:cNvSpPr/>
+      </dsp:nvSpPr>
+      <dsp:spPr>
+        <a:xfrm>
+          <a:off x="1221494" y="2472139"/>
+          <a:ext cx="1161428" cy="1648092"/>
+        </a:xfrm>
+        <a:prstGeom prst="rect">
+          <a:avLst/>
+        </a:prstGeom>
+        <a:noFill/>
+        <a:ln>
+          <a:noFill/>
+        </a:ln>
+        <a:effectLst/>
+      </dsp:spPr>
+      <dsp:style>
+        <a:lnRef idx="0">
+          <a:scrgbClr r="0" g="0" b="0"/>
+        </a:lnRef>
+        <a:fillRef idx="0">
+          <a:scrgbClr r="0" g="0" b="0"/>
+        </a:fillRef>
+        <a:effectRef idx="0">
+          <a:scrgbClr r="0" g="0" b="0"/>
+        </a:effectRef>
+        <a:fontRef idx="minor"/>
+      </dsp:style>
+      <dsp:txBody>
+        <a:bodyPr spcFirstLastPara="0" vert="horz" wrap="square" lIns="99568" tIns="99568" rIns="99568" bIns="99568" numCol="1" spcCol="1270" anchor="t" anchorCtr="0">
+          <a:noAutofit/>
+        </a:bodyPr>
+        <a:lstStyle/>
+        <a:p>
+          <a:pPr lvl="0" algn="ctr" defTabSz="622300">
+            <a:lnSpc>
+              <a:spcPct val="90000"/>
+            </a:lnSpc>
+            <a:spcBef>
+              <a:spcPct val="0"/>
+            </a:spcBef>
+            <a:spcAft>
+              <a:spcPct val="35000"/>
+            </a:spcAft>
+          </a:pPr>
+          <a:r>
+            <a:rPr lang="de-DE" sz="1400" b="0" kern="1200" dirty="0" smtClean="0"/>
+            <a:t>Docker Container mit SMW</a:t>
+          </a:r>
+          <a:endParaRPr lang="de-DE" sz="1400" b="0" kern="1200" dirty="0"/>
+        </a:p>
+      </dsp:txBody>
+      <dsp:txXfrm>
+        <a:off x="1221494" y="2472139"/>
+        <a:ext cx="1161428" cy="1648092"/>
+      </dsp:txXfrm>
+    </dsp:sp>
+    <dsp:sp modelId="{A0DD5946-874D-DB40-94E7-A14C9996143B}">
+      <dsp:nvSpPr>
+        <dsp:cNvPr id="0" name=""/>
+        <dsp:cNvSpPr/>
+      </dsp:nvSpPr>
+      <dsp:spPr>
+        <a:xfrm>
+          <a:off x="1596197" y="1854104"/>
+          <a:ext cx="412023" cy="412023"/>
+        </a:xfrm>
+        <a:prstGeom prst="ellipse">
+          <a:avLst/>
+        </a:prstGeom>
+        <a:gradFill rotWithShape="0">
+          <a:gsLst>
+            <a:gs pos="0">
+              <a:schemeClr val="accent1">
+                <a:hueOff val="0"/>
+                <a:satOff val="0"/>
+                <a:lumOff val="0"/>
+                <a:alphaOff val="0"/>
+                <a:shade val="51000"/>
+                <a:satMod val="130000"/>
+              </a:schemeClr>
+            </a:gs>
+            <a:gs pos="80000">
+              <a:schemeClr val="accent1">
+                <a:hueOff val="0"/>
+                <a:satOff val="0"/>
+                <a:lumOff val="0"/>
+                <a:alphaOff val="0"/>
+                <a:shade val="93000"/>
+                <a:satMod val="130000"/>
+              </a:schemeClr>
+            </a:gs>
+            <a:gs pos="100000">
+              <a:schemeClr val="accent1">
+                <a:hueOff val="0"/>
+                <a:satOff val="0"/>
+                <a:lumOff val="0"/>
+                <a:alphaOff val="0"/>
+                <a:shade val="94000"/>
+                <a:satMod val="135000"/>
+              </a:schemeClr>
+            </a:gs>
+          </a:gsLst>
+          <a:lin ang="16200000" scaled="0"/>
+        </a:gradFill>
+        <a:ln>
+          <a:noFill/>
+        </a:ln>
+        <a:effectLst>
+          <a:outerShdw blurRad="40000" dist="23000" dir="5400000" rotWithShape="0">
+            <a:srgbClr val="000000">
+              <a:alpha val="35000"/>
+            </a:srgbClr>
+          </a:outerShdw>
+        </a:effectLst>
+      </dsp:spPr>
+      <dsp:style>
+        <a:lnRef idx="0">
+          <a:scrgbClr r="0" g="0" b="0"/>
+        </a:lnRef>
+        <a:fillRef idx="3">
+          <a:scrgbClr r="0" g="0" b="0"/>
+        </a:fillRef>
+        <a:effectRef idx="2">
+          <a:scrgbClr r="0" g="0" b="0"/>
+        </a:effectRef>
+        <a:fontRef idx="minor">
+          <a:schemeClr val="lt1"/>
+        </a:fontRef>
+      </dsp:style>
+    </dsp:sp>
+    <dsp:sp modelId="{E693FFAE-0B53-AB47-A09B-060B21582C74}">
+      <dsp:nvSpPr>
+        <dsp:cNvPr id="0" name=""/>
+        <dsp:cNvSpPr/>
+      </dsp:nvSpPr>
+      <dsp:spPr>
+        <a:xfrm>
+          <a:off x="2440994" y="0"/>
+          <a:ext cx="1161428" cy="1648092"/>
+        </a:xfrm>
+        <a:prstGeom prst="rect">
+          <a:avLst/>
+        </a:prstGeom>
+        <a:noFill/>
+        <a:ln>
+          <a:noFill/>
+        </a:ln>
+        <a:effectLst/>
+      </dsp:spPr>
+      <dsp:style>
+        <a:lnRef idx="0">
+          <a:scrgbClr r="0" g="0" b="0"/>
+        </a:lnRef>
+        <a:fillRef idx="0">
+          <a:scrgbClr r="0" g="0" b="0"/>
+        </a:fillRef>
+        <a:effectRef idx="0">
+          <a:scrgbClr r="0" g="0" b="0"/>
+        </a:effectRef>
+        <a:fontRef idx="minor"/>
+      </dsp:style>
+      <dsp:txBody>
+        <a:bodyPr spcFirstLastPara="0" vert="horz" wrap="square" lIns="99568" tIns="99568" rIns="99568" bIns="99568" numCol="1" spcCol="1270" anchor="b" anchorCtr="0">
+          <a:noAutofit/>
+        </a:bodyPr>
+        <a:lstStyle/>
+        <a:p>
+          <a:pPr lvl="0" algn="ctr" defTabSz="622300">
+            <a:lnSpc>
+              <a:spcPct val="90000"/>
+            </a:lnSpc>
+            <a:spcBef>
+              <a:spcPct val="0"/>
+            </a:spcBef>
+            <a:spcAft>
+              <a:spcPct val="35000"/>
+            </a:spcAft>
+          </a:pPr>
+          <a:r>
+            <a:rPr lang="de-DE" sz="1400" b="0" kern="1200" dirty="0" smtClean="0"/>
+            <a:t>Installation von Erweiterungen</a:t>
+          </a:r>
+          <a:endParaRPr lang="de-DE" sz="1400" b="0" kern="1200" dirty="0"/>
+        </a:p>
+      </dsp:txBody>
+      <dsp:txXfrm>
+        <a:off x="2440994" y="0"/>
+        <a:ext cx="1161428" cy="1648092"/>
+      </dsp:txXfrm>
+    </dsp:sp>
+    <dsp:sp modelId="{D47A12EA-80DF-274C-A6C4-DB04D004DE31}">
+      <dsp:nvSpPr>
+        <dsp:cNvPr id="0" name=""/>
+        <dsp:cNvSpPr/>
+      </dsp:nvSpPr>
+      <dsp:spPr>
+        <a:xfrm>
+          <a:off x="2815696" y="1854104"/>
+          <a:ext cx="412023" cy="412023"/>
+        </a:xfrm>
+        <a:prstGeom prst="ellipse">
+          <a:avLst/>
+        </a:prstGeom>
+        <a:gradFill flip="none" rotWithShape="1">
+          <a:gsLst>
+            <a:gs pos="0">
+              <a:schemeClr val="accent2">
+                <a:lumMod val="89000"/>
+              </a:schemeClr>
+            </a:gs>
+            <a:gs pos="23000">
+              <a:schemeClr val="accent2">
+                <a:lumMod val="89000"/>
+              </a:schemeClr>
+            </a:gs>
+            <a:gs pos="69000">
+              <a:schemeClr val="accent2">
+                <a:lumMod val="75000"/>
+              </a:schemeClr>
+            </a:gs>
+            <a:gs pos="97000">
+              <a:schemeClr val="accent2">
+                <a:lumMod val="70000"/>
+              </a:schemeClr>
+            </a:gs>
+          </a:gsLst>
+          <a:path path="circle">
+            <a:fillToRect l="50000" t="50000" r="50000" b="50000"/>
+          </a:path>
+          <a:tileRect/>
+        </a:gradFill>
+        <a:ln>
+          <a:noFill/>
+        </a:ln>
+        <a:effectLst>
+          <a:outerShdw blurRad="40000" dist="23000" dir="5400000" rotWithShape="0">
+            <a:srgbClr val="000000">
+              <a:alpha val="35000"/>
+            </a:srgbClr>
+          </a:outerShdw>
+        </a:effectLst>
+      </dsp:spPr>
+      <dsp:style>
+        <a:lnRef idx="0">
+          <a:scrgbClr r="0" g="0" b="0"/>
+        </a:lnRef>
+        <a:fillRef idx="3">
+          <a:scrgbClr r="0" g="0" b="0"/>
+        </a:fillRef>
+        <a:effectRef idx="2">
+          <a:scrgbClr r="0" g="0" b="0"/>
+        </a:effectRef>
+        <a:fontRef idx="minor">
+          <a:schemeClr val="lt1"/>
+        </a:fontRef>
+      </dsp:style>
+    </dsp:sp>
+    <dsp:sp modelId="{F54E5BEB-F5C5-EC47-AA6F-1BAC0AA357E8}">
+      <dsp:nvSpPr>
+        <dsp:cNvPr id="0" name=""/>
+        <dsp:cNvSpPr/>
+      </dsp:nvSpPr>
+      <dsp:spPr>
+        <a:xfrm>
+          <a:off x="3660493" y="2472139"/>
+          <a:ext cx="1161428" cy="1648092"/>
+        </a:xfrm>
+        <a:prstGeom prst="rect">
+          <a:avLst/>
+        </a:prstGeom>
+        <a:noFill/>
+        <a:ln>
+          <a:noFill/>
+        </a:ln>
+        <a:effectLst/>
+      </dsp:spPr>
+      <dsp:style>
+        <a:lnRef idx="0">
+          <a:scrgbClr r="0" g="0" b="0"/>
+        </a:lnRef>
+        <a:fillRef idx="0">
+          <a:scrgbClr r="0" g="0" b="0"/>
+        </a:fillRef>
+        <a:effectRef idx="0">
+          <a:scrgbClr r="0" g="0" b="0"/>
+        </a:effectRef>
+        <a:fontRef idx="minor"/>
+      </dsp:style>
+      <dsp:txBody>
+        <a:bodyPr spcFirstLastPara="0" vert="horz" wrap="square" lIns="99568" tIns="99568" rIns="99568" bIns="99568" numCol="1" spcCol="1270" anchor="t" anchorCtr="0">
+          <a:noAutofit/>
+        </a:bodyPr>
+        <a:lstStyle/>
+        <a:p>
+          <a:pPr lvl="0" algn="ctr" defTabSz="622300">
+            <a:lnSpc>
+              <a:spcPct val="90000"/>
+            </a:lnSpc>
+            <a:spcBef>
+              <a:spcPct val="0"/>
+            </a:spcBef>
+            <a:spcAft>
+              <a:spcPct val="35000"/>
+            </a:spcAft>
+          </a:pPr>
+          <a:r>
+            <a:rPr lang="de-DE" sz="1400" b="0" kern="1200" dirty="0" err="1" smtClean="0"/>
+            <a:t>WebUi</a:t>
+          </a:r>
+          <a:endParaRPr lang="de-DE" sz="1400" b="0" kern="1200" dirty="0"/>
+        </a:p>
+      </dsp:txBody>
+      <dsp:txXfrm>
+        <a:off x="3660493" y="2472139"/>
+        <a:ext cx="1161428" cy="1648092"/>
+      </dsp:txXfrm>
+    </dsp:sp>
+    <dsp:sp modelId="{6508A2B0-20F7-F347-B896-9A4A68AAAA40}">
+      <dsp:nvSpPr>
+        <dsp:cNvPr id="0" name=""/>
+        <dsp:cNvSpPr/>
+      </dsp:nvSpPr>
+      <dsp:spPr>
+        <a:xfrm>
+          <a:off x="4035196" y="1854104"/>
+          <a:ext cx="412023" cy="412023"/>
+        </a:xfrm>
+        <a:prstGeom prst="ellipse">
+          <a:avLst/>
+        </a:prstGeom>
+        <a:gradFill flip="none" rotWithShape="1">
+          <a:gsLst>
+            <a:gs pos="0">
+              <a:schemeClr val="accent2">
+                <a:lumMod val="89000"/>
+              </a:schemeClr>
+            </a:gs>
+            <a:gs pos="23000">
+              <a:schemeClr val="accent2">
+                <a:lumMod val="89000"/>
+              </a:schemeClr>
+            </a:gs>
+            <a:gs pos="69000">
+              <a:schemeClr val="accent2">
+                <a:lumMod val="75000"/>
+              </a:schemeClr>
+            </a:gs>
+            <a:gs pos="97000">
+              <a:schemeClr val="accent2">
+                <a:lumMod val="70000"/>
+              </a:schemeClr>
+            </a:gs>
+          </a:gsLst>
+          <a:path path="circle">
+            <a:fillToRect l="50000" t="50000" r="50000" b="50000"/>
+          </a:path>
+          <a:tileRect/>
+        </a:gradFill>
+        <a:ln>
+          <a:noFill/>
+        </a:ln>
+        <a:effectLst>
+          <a:outerShdw blurRad="40000" dist="23000" dir="5400000" rotWithShape="0">
+            <a:srgbClr val="000000">
+              <a:alpha val="35000"/>
+            </a:srgbClr>
+          </a:outerShdw>
+        </a:effectLst>
+      </dsp:spPr>
+      <dsp:style>
+        <a:lnRef idx="0">
+          <a:scrgbClr r="0" g="0" b="0"/>
+        </a:lnRef>
+        <a:fillRef idx="3">
+          <a:scrgbClr r="0" g="0" b="0"/>
+        </a:fillRef>
+        <a:effectRef idx="2">
+          <a:scrgbClr r="0" g="0" b="0"/>
+        </a:effectRef>
+        <a:fontRef idx="minor">
+          <a:schemeClr val="lt1"/>
+        </a:fontRef>
+      </dsp:style>
+    </dsp:sp>
+    <dsp:sp modelId="{173DCD26-DAE0-F94D-9833-25F0AF36030D}">
+      <dsp:nvSpPr>
+        <dsp:cNvPr id="0" name=""/>
+        <dsp:cNvSpPr/>
+      </dsp:nvSpPr>
+      <dsp:spPr>
+        <a:xfrm>
+          <a:off x="4879993" y="0"/>
+          <a:ext cx="1161428" cy="1648092"/>
+        </a:xfrm>
+        <a:prstGeom prst="rect">
+          <a:avLst/>
+        </a:prstGeom>
+        <a:noFill/>
+        <a:ln>
+          <a:noFill/>
+        </a:ln>
+        <a:effectLst/>
+      </dsp:spPr>
+      <dsp:style>
+        <a:lnRef idx="0">
+          <a:scrgbClr r="0" g="0" b="0"/>
+        </a:lnRef>
+        <a:fillRef idx="0">
+          <a:scrgbClr r="0" g="0" b="0"/>
+        </a:fillRef>
+        <a:effectRef idx="0">
+          <a:scrgbClr r="0" g="0" b="0"/>
+        </a:effectRef>
+        <a:fontRef idx="minor"/>
+      </dsp:style>
+      <dsp:txBody>
+        <a:bodyPr spcFirstLastPara="0" vert="horz" wrap="square" lIns="99568" tIns="99568" rIns="99568" bIns="99568" numCol="1" spcCol="1270" anchor="b" anchorCtr="0">
+          <a:noAutofit/>
+        </a:bodyPr>
+        <a:lstStyle/>
+        <a:p>
+          <a:pPr lvl="0" algn="ctr" defTabSz="622300">
+            <a:lnSpc>
+              <a:spcPct val="90000"/>
+            </a:lnSpc>
+            <a:spcBef>
+              <a:spcPct val="0"/>
+            </a:spcBef>
+            <a:spcAft>
+              <a:spcPct val="35000"/>
+            </a:spcAft>
+          </a:pPr>
+          <a:r>
+            <a:rPr lang="de-DE" sz="1400" b="0" kern="1200" dirty="0" smtClean="0"/>
+            <a:t>Datenbank Import</a:t>
+          </a:r>
+          <a:endParaRPr lang="de-DE" sz="1400" b="0" kern="1200" dirty="0"/>
+        </a:p>
+      </dsp:txBody>
+      <dsp:txXfrm>
+        <a:off x="4879993" y="0"/>
+        <a:ext cx="1161428" cy="1648092"/>
+      </dsp:txXfrm>
+    </dsp:sp>
+    <dsp:sp modelId="{63928596-C1F8-C74B-BEA4-9818A84D491B}">
+      <dsp:nvSpPr>
+        <dsp:cNvPr id="0" name=""/>
+        <dsp:cNvSpPr/>
+      </dsp:nvSpPr>
+      <dsp:spPr>
+        <a:xfrm>
+          <a:off x="5254696" y="1854104"/>
+          <a:ext cx="412023" cy="412023"/>
+        </a:xfrm>
+        <a:prstGeom prst="ellipse">
+          <a:avLst/>
+        </a:prstGeom>
+        <a:gradFill flip="none" rotWithShape="1">
+          <a:gsLst>
+            <a:gs pos="0">
+              <a:schemeClr val="accent5">
+                <a:lumMod val="67000"/>
+              </a:schemeClr>
+            </a:gs>
+            <a:gs pos="48000">
+              <a:schemeClr val="accent5">
+                <a:lumMod val="97000"/>
+                <a:lumOff val="3000"/>
+              </a:schemeClr>
+            </a:gs>
+            <a:gs pos="100000">
+              <a:schemeClr val="accent5">
+                <a:lumMod val="60000"/>
+                <a:lumOff val="40000"/>
+              </a:schemeClr>
+            </a:gs>
+          </a:gsLst>
+          <a:lin ang="16200000" scaled="1"/>
+          <a:tileRect/>
+        </a:gradFill>
+        <a:ln>
+          <a:noFill/>
+        </a:ln>
+        <a:effectLst>
+          <a:outerShdw blurRad="40000" dist="23000" dir="5400000" rotWithShape="0">
+            <a:srgbClr val="000000">
+              <a:alpha val="35000"/>
+            </a:srgbClr>
+          </a:outerShdw>
+        </a:effectLst>
+      </dsp:spPr>
+      <dsp:style>
+        <a:lnRef idx="0">
+          <a:scrgbClr r="0" g="0" b="0"/>
+        </a:lnRef>
+        <a:fillRef idx="3">
+          <a:scrgbClr r="0" g="0" b="0"/>
+        </a:fillRef>
+        <a:effectRef idx="2">
+          <a:scrgbClr r="0" g="0" b="0"/>
+        </a:effectRef>
+        <a:fontRef idx="minor">
+          <a:schemeClr val="lt1"/>
+        </a:fontRef>
+      </dsp:style>
+    </dsp:sp>
+    <dsp:sp modelId="{66B7D786-19BA-794C-89EA-9950D8FC0836}">
+      <dsp:nvSpPr>
+        <dsp:cNvPr id="0" name=""/>
+        <dsp:cNvSpPr/>
+      </dsp:nvSpPr>
+      <dsp:spPr>
+        <a:xfrm>
+          <a:off x="6099493" y="2472139"/>
+          <a:ext cx="1161428" cy="1648092"/>
+        </a:xfrm>
+        <a:prstGeom prst="rect">
+          <a:avLst/>
+        </a:prstGeom>
+        <a:noFill/>
+        <a:ln>
+          <a:noFill/>
+        </a:ln>
+        <a:effectLst/>
+      </dsp:spPr>
+      <dsp:style>
+        <a:lnRef idx="0">
+          <a:scrgbClr r="0" g="0" b="0"/>
+        </a:lnRef>
+        <a:fillRef idx="0">
+          <a:scrgbClr r="0" g="0" b="0"/>
+        </a:fillRef>
+        <a:effectRef idx="0">
+          <a:scrgbClr r="0" g="0" b="0"/>
+        </a:effectRef>
+        <a:fontRef idx="minor"/>
+      </dsp:style>
+      <dsp:txBody>
+        <a:bodyPr spcFirstLastPara="0" vert="horz" wrap="square" lIns="99568" tIns="99568" rIns="99568" bIns="99568" numCol="1" spcCol="1270" anchor="t" anchorCtr="0">
+          <a:noAutofit/>
+        </a:bodyPr>
+        <a:lstStyle/>
+        <a:p>
+          <a:pPr lvl="0" algn="ctr" defTabSz="622300">
+            <a:lnSpc>
+              <a:spcPct val="90000"/>
+            </a:lnSpc>
+            <a:spcBef>
+              <a:spcPct val="0"/>
+            </a:spcBef>
+            <a:spcAft>
+              <a:spcPct val="35000"/>
+            </a:spcAft>
+          </a:pPr>
+          <a:r>
+            <a:rPr lang="de-DE" sz="1400" b="0" kern="1200" dirty="0" smtClean="0"/>
+            <a:t>Migration alter Datenbank</a:t>
+          </a:r>
+          <a:endParaRPr lang="de-DE" sz="1400" b="0" kern="1200" dirty="0"/>
+        </a:p>
+      </dsp:txBody>
+      <dsp:txXfrm>
+        <a:off x="6099493" y="2472139"/>
+        <a:ext cx="1161428" cy="1648092"/>
+      </dsp:txXfrm>
+    </dsp:sp>
+    <dsp:sp modelId="{0EE61F08-209B-E643-882E-20142195E3C6}">
+      <dsp:nvSpPr>
+        <dsp:cNvPr id="0" name=""/>
+        <dsp:cNvSpPr/>
+      </dsp:nvSpPr>
+      <dsp:spPr>
+        <a:xfrm>
+          <a:off x="6474195" y="1854104"/>
+          <a:ext cx="412023" cy="412023"/>
+        </a:xfrm>
+        <a:prstGeom prst="ellipse">
+          <a:avLst/>
+        </a:prstGeom>
+        <a:gradFill flip="none" rotWithShape="1">
+          <a:gsLst>
+            <a:gs pos="0">
+              <a:schemeClr val="accent5">
+                <a:lumMod val="67000"/>
+              </a:schemeClr>
+            </a:gs>
+            <a:gs pos="48000">
+              <a:schemeClr val="accent5">
+                <a:lumMod val="97000"/>
+                <a:lumOff val="3000"/>
+              </a:schemeClr>
+            </a:gs>
+            <a:gs pos="100000">
+              <a:schemeClr val="accent5">
+                <a:lumMod val="60000"/>
+                <a:lumOff val="40000"/>
+              </a:schemeClr>
+            </a:gs>
+          </a:gsLst>
+          <a:lin ang="16200000" scaled="1"/>
+          <a:tileRect/>
+        </a:gradFill>
+        <a:ln>
+          <a:noFill/>
+        </a:ln>
+        <a:effectLst>
+          <a:outerShdw blurRad="40000" dist="23000" dir="5400000" rotWithShape="0">
+            <a:srgbClr val="000000">
+              <a:alpha val="35000"/>
+            </a:srgbClr>
+          </a:outerShdw>
+        </a:effectLst>
+      </dsp:spPr>
+      <dsp:style>
+        <a:lnRef idx="0">
+          <a:scrgbClr r="0" g="0" b="0"/>
+        </a:lnRef>
+        <a:fillRef idx="3">
+          <a:scrgbClr r="0" g="0" b="0"/>
+        </a:fillRef>
+        <a:effectRef idx="2">
+          <a:scrgbClr r="0" g="0" b="0"/>
+        </a:effectRef>
+        <a:fontRef idx="minor">
+          <a:schemeClr val="lt1"/>
+        </a:fontRef>
+      </dsp:style>
+    </dsp:sp>
+  </dsp:spTree>
+</dsp:drawing>
+</file>
+
+<file path=ppt/diagrams/layout1.xml><?xml version="1.0" encoding="utf-8"?>
+<dgm:layoutDef xmlns:dgm="http://schemas.openxmlformats.org/drawingml/2006/diagram" xmlns:a="http://schemas.openxmlformats.org/drawingml/2006/main" uniqueId="urn:microsoft.com/office/officeart/2005/8/layout/hProcess11">
+  <dgm:title val=""/>
+  <dgm:desc val=""/>
+  <dgm:catLst>
+    <dgm:cat type="process" pri="8000"/>
+    <dgm:cat type="convert" pri="14000"/>
+  </dgm:catLst>
+  <dgm:sampData useDef="1">
+    <dgm:dataModel>
+      <dgm:ptLst/>
+      <dgm:bg/>
+      <dgm:whole/>
+    </dgm:dataModel>
+  </dgm:sampData>
+  <dgm:styleData>
+    <dgm:dataModel>
+      <dgm:ptLst>
+        <dgm:pt modelId="0" type="doc"/>
+        <dgm:pt modelId="1"/>
+        <dgm:pt modelId="2"/>
+      </dgm:ptLst>
+      <dgm:cxnLst>
+        <dgm:cxn modelId="4" srcId="0" destId="1" srcOrd="0" destOrd="0"/>
+        <dgm:cxn modelId="5" srcId="0" destId="2" srcOrd="1" destOrd="0"/>
+      </dgm:cxnLst>
+      <dgm:bg/>
+      <dgm:whole/>
+    </dgm:dataModel>
+  </dgm:styleData>
+  <dgm:clrData>
+    <dgm:dataModel>
+      <dgm:ptLst>
+        <dgm:pt modelId="0" type="doc"/>
+        <dgm:pt modelId="1"/>
+        <dgm:pt modelId="2"/>
+        <dgm:pt modelId="3"/>
+        <dgm:pt modelId="4"/>
+      </dgm:ptLst>
+      <dgm:cxnLst>
+        <dgm:cxn modelId="5" srcId="0" destId="1" srcOrd="0" destOrd="0"/>
+        <dgm:cxn modelId="6" srcId="0" destId="2" srcOrd="1" destOrd="0"/>
+        <dgm:cxn modelId="7" srcId="0" destId="3" srcOrd="2" destOrd="0"/>
+        <dgm:cxn modelId="8" srcId="0" destId="4" srcOrd="3" destOrd="0"/>
+      </dgm:cxnLst>
+      <dgm:bg/>
+      <dgm:whole/>
+    </dgm:dataModel>
+  </dgm:clrData>
+  <dgm:layoutNode name="Name0">
+    <dgm:varLst>
+      <dgm:dir/>
+      <dgm:resizeHandles val="exact"/>
+    </dgm:varLst>
+    <dgm:alg type="composite"/>
+    <dgm:shape xmlns:r="http://schemas.openxmlformats.org/officeDocument/2006/relationships" r:blip="">
+      <dgm:adjLst/>
+    </dgm:shape>
+    <dgm:presOf/>
+    <dgm:choose name="Name1">
+      <dgm:if name="Name2" func="var" arg="dir" op="equ" val="norm">
+        <dgm:constrLst>
+          <dgm:constr type="w" for="ch" forName="arrow" refType="w"/>
+          <dgm:constr type="h" for="ch" forName="arrow" refType="h" fact="0.4"/>
+          <dgm:constr type="ctrY" for="ch" forName="arrow" refType="h" fact="0.5"/>
+          <dgm:constr type="l" for="ch" forName="arrow"/>
+          <dgm:constr type="w" for="ch" forName="points" refType="w" fact="0.9"/>
+          <dgm:constr type="h" for="ch" forName="points" refType="h"/>
+          <dgm:constr type="t" for="ch" forName="points"/>
+          <dgm:constr type="l" for="ch" forName="points"/>
+        </dgm:constrLst>
+      </dgm:if>
+      <dgm:else name="Name3">
+        <dgm:constrLst>
+          <dgm:constr type="w" for="ch" forName="arrow" refType="w"/>
+          <dgm:constr type="h" for="ch" forName="arrow" refType="h" fact="0.4"/>
+          <dgm:constr type="ctrY" for="ch" forName="arrow" refType="h" fact="0.5"/>
+          <dgm:constr type="r" for="ch" forName="arrow" refType="w"/>
+          <dgm:constr type="w" for="ch" forName="points" refType="w" fact="0.9"/>
+          <dgm:constr type="h" for="ch" forName="points" refType="h"/>
+          <dgm:constr type="t" for="ch" forName="points"/>
+          <dgm:constr type="r" for="ch" forName="points" refType="w"/>
+        </dgm:constrLst>
+      </dgm:else>
+    </dgm:choose>
+    <dgm:ruleLst/>
+    <dgm:layoutNode name="arrow" styleLbl="bgShp">
+      <dgm:alg type="sp"/>
+      <dgm:choose name="Name4">
+        <dgm:if name="Name5" func="var" arg="dir" op="equ" val="norm">
+          <dgm:shape xmlns:r="http://schemas.openxmlformats.org/officeDocument/2006/relationships" type="notchedRightArrow" r:blip="">
+            <dgm:adjLst/>
+          </dgm:shape>
+        </dgm:if>
+        <dgm:else name="Name6">
+          <dgm:shape xmlns:r="http://schemas.openxmlformats.org/officeDocument/2006/relationships" rot="180" type="notchedRightArrow" r:blip="">
+            <dgm:adjLst/>
+          </dgm:shape>
+        </dgm:else>
+      </dgm:choose>
+      <dgm:presOf/>
+      <dgm:constrLst/>
+      <dgm:ruleLst/>
+    </dgm:layoutNode>
+    <dgm:layoutNode name="points">
+      <dgm:choose name="Name7">
+        <dgm:if name="Name8" func="var" arg="dir" op="equ" val="norm">
+          <dgm:alg type="lin">
+            <dgm:param type="linDir" val="fromL"/>
+          </dgm:alg>
+        </dgm:if>
+        <dgm:else name="Name9">
+          <dgm:alg type="lin">
+            <dgm:param type="linDir" val="fromR"/>
+          </dgm:alg>
+        </dgm:else>
+      </dgm:choose>
+      <dgm:shape xmlns:r="http://schemas.openxmlformats.org/officeDocument/2006/relationships" r:blip="">
+        <dgm:adjLst/>
+      </dgm:shape>
+      <dgm:presOf/>
+      <dgm:constrLst>
+        <dgm:constr type="w" for="ch" forName="compositeA" refType="w"/>
+        <dgm:constr type="h" for="ch" forName="compositeA" refType="h"/>
+        <dgm:constr type="w" for="ch" forName="compositeB" refType="w" refFor="ch" refForName="compositeA" op="equ"/>
+        <dgm:constr type="h" for="ch" forName="compositeB" refType="h" refFor="ch" refForName="compositeA" op="equ"/>
+        <dgm:constr type="primFontSz" for="des" ptType="node" op="equ" val="65"/>
+        <dgm:constr type="w" for="ch" forName="space" refType="w" refFor="ch" refForName="compositeA" op="equ" fact="0.05"/>
+      </dgm:constrLst>
+      <dgm:ruleLst/>
+      <dgm:forEach name="Name10" axis="ch" ptType="node">
+        <dgm:choose name="Name11">
+          <dgm:if name="Name12" axis="self" ptType="node" func="posOdd" op="equ" val="1">
+            <dgm:layoutNode name="compositeA">
+              <dgm:alg type="composite"/>
+              <dgm:shape xmlns:r="http://schemas.openxmlformats.org/officeDocument/2006/relationships" r:blip="">
+                <dgm:adjLst/>
+              </dgm:shape>
+              <dgm:presOf/>
+              <dgm:constrLst>
+                <dgm:constr type="w" for="ch" forName="textA" refType="w"/>
+                <dgm:constr type="h" for="ch" forName="textA" refType="h" fact="0.4"/>
+                <dgm:constr type="t" for="ch" forName="textA"/>
+                <dgm:constr type="l" for="ch" forName="textA"/>
+                <dgm:constr type="h" for="ch" forName="circleA" refType="h" fact="0.1"/>
+                <dgm:constr type="h" for="ch" forName="circleA" refType="w" op="lte"/>
+                <dgm:constr type="w" for="ch" forName="circleA" refType="h" refFor="ch" refForName="circleA" op="equ"/>
+                <dgm:constr type="ctrY" for="ch" forName="circleA" refType="h" fact="0.5"/>
+                <dgm:constr type="ctrX" for="ch" forName="circleA" refType="w" refFor="ch" refForName="textA" fact="0.5"/>
+                <dgm:constr type="w" for="ch" forName="spaceA" refType="w"/>
+                <dgm:constr type="h" for="ch" forName="spaceA" refType="h" fact="0.4"/>
+                <dgm:constr type="b" for="ch" forName="spaceA" refType="h"/>
+                <dgm:constr type="l" for="ch" forName="spaceA"/>
+              </dgm:constrLst>
+              <dgm:ruleLst/>
+              <dgm:layoutNode name="textA" styleLbl="revTx">
+                <dgm:varLst>
+                  <dgm:bulletEnabled val="1"/>
+                </dgm:varLst>
+                <dgm:alg type="tx">
+                  <dgm:param type="txAnchorVert" val="b"/>
+                  <dgm:param type="txAnchorVertCh" val="b"/>
+                  <dgm:param type="txAnchorHorzCh" val="ctr"/>
+                </dgm:alg>
+                <dgm:shape xmlns:r="http://schemas.openxmlformats.org/officeDocument/2006/relationships" type="rect" r:blip="">
+                  <dgm:adjLst/>
+                </dgm:shape>
+                <dgm:presOf axis="desOrSelf" ptType="node"/>
+                <dgm:constrLst/>
+                <dgm:ruleLst>
+                  <dgm:rule type="primFontSz" val="5" fact="NaN" max="NaN"/>
+                </dgm:ruleLst>
+              </dgm:layoutNode>
+              <dgm:layoutNode name="circleA">
+                <dgm:alg type="sp"/>
+                <dgm:shape xmlns:r="http://schemas.openxmlformats.org/officeDocument/2006/relationships" type="ellipse" r:blip="">
+                  <dgm:adjLst/>
+                </dgm:shape>
+                <dgm:presOf/>
+                <dgm:constrLst/>
+                <dgm:ruleLst/>
+              </dgm:layoutNode>
+              <dgm:layoutNode name="spaceA">
+                <dgm:alg type="sp"/>
+                <dgm:shape xmlns:r="http://schemas.openxmlformats.org/officeDocument/2006/relationships" r:blip="">
+                  <dgm:adjLst/>
+                </dgm:shape>
+                <dgm:presOf/>
+                <dgm:constrLst/>
+                <dgm:ruleLst/>
+              </dgm:layoutNode>
+            </dgm:layoutNode>
+          </dgm:if>
+          <dgm:else name="Name13">
+            <dgm:layoutNode name="compositeB">
+              <dgm:alg type="composite"/>
+              <dgm:shape xmlns:r="http://schemas.openxmlformats.org/officeDocument/2006/relationships" r:blip="">
+                <dgm:adjLst/>
+              </dgm:shape>
+              <dgm:presOf/>
+              <dgm:constrLst>
+                <dgm:constr type="w" for="ch" forName="textB" refType="w"/>
+                <dgm:constr type="h" for="ch" forName="textB" refType="h" fact="0.4"/>
+                <dgm:constr type="b" for="ch" forName="textB" refType="h"/>
+                <dgm:constr type="l" for="ch" forName="textB"/>
+                <dgm:constr type="h" for="ch" forName="circleB" refType="h" fact="0.1"/>
+                <dgm:constr type="w" for="ch" forName="circleB" refType="h" refFor="ch" refForName="circleB" op="equ"/>
+                <dgm:constr type="h" for="ch" forName="circleB" refType="w" op="lte"/>
+                <dgm:constr type="ctrY" for="ch" forName="circleB" refType="h" fact="0.5"/>
+                <dgm:constr type="ctrX" for="ch" forName="circleB" refType="w" refFor="ch" refForName="textB" fact="0.5"/>
+                <dgm:constr type="w" for="ch" forName="spaceB" refType="w"/>
+                <dgm:constr type="h" for="ch" forName="spaceB" refType="h" fact="0.4"/>
+                <dgm:constr type="t" for="ch" forName="spaceB"/>
+                <dgm:constr type="l" for="ch" forName="spaceB"/>
+              </dgm:constrLst>
+              <dgm:ruleLst/>
+              <dgm:layoutNode name="textB" styleLbl="revTx">
+                <dgm:varLst>
+                  <dgm:bulletEnabled val="1"/>
+                </dgm:varLst>
+                <dgm:alg type="tx">
+                  <dgm:param type="txAnchorVert" val="t"/>
+                  <dgm:param type="txAnchorVertCh" val="t"/>
+                  <dgm:param type="txAnchorHorzCh" val="ctr"/>
+                </dgm:alg>
+                <dgm:shape xmlns:r="http://schemas.openxmlformats.org/officeDocument/2006/relationships" type="rect" r:blip="">
+                  <dgm:adjLst/>
+                </dgm:shape>
+                <dgm:presOf axis="desOrSelf" ptType="node"/>
+                <dgm:constrLst/>
+                <dgm:ruleLst>
+                  <dgm:rule type="primFontSz" val="5" fact="NaN" max="NaN"/>
+                </dgm:ruleLst>
+              </dgm:layoutNode>
+              <dgm:layoutNode name="circleB">
+                <dgm:alg type="sp"/>
+                <dgm:shape xmlns:r="http://schemas.openxmlformats.org/officeDocument/2006/relationships" type="ellipse" r:blip="">
+                  <dgm:adjLst/>
+                </dgm:shape>
+                <dgm:presOf/>
+                <dgm:constrLst/>
+                <dgm:ruleLst/>
+              </dgm:layoutNode>
+              <dgm:layoutNode name="spaceB">
+                <dgm:alg type="sp"/>
+                <dgm:shape xmlns:r="http://schemas.openxmlformats.org/officeDocument/2006/relationships" r:blip="">
+                  <dgm:adjLst/>
+                </dgm:shape>
+                <dgm:presOf/>
+                <dgm:constrLst/>
+                <dgm:ruleLst/>
+              </dgm:layoutNode>
+            </dgm:layoutNode>
+          </dgm:else>
+        </dgm:choose>
+        <dgm:forEach name="Name14" axis="followSib" ptType="sibTrans" cnt="1">
+          <dgm:layoutNode name="space">
+            <dgm:alg type="sp"/>
+            <dgm:shape xmlns:r="http://schemas.openxmlformats.org/officeDocument/2006/relationships" r:blip="">
+              <dgm:adjLst/>
+            </dgm:shape>
+            <dgm:presOf/>
+            <dgm:constrLst/>
+            <dgm:ruleLst/>
+          </dgm:layoutNode>
+        </dgm:forEach>
+      </dgm:forEach>
+    </dgm:layoutNode>
+  </dgm:layoutNode>
+</dgm:layoutDef>
+</file>
+
+<file path=ppt/diagrams/quickStyle1.xml><?xml version="1.0" encoding="utf-8"?>
+<dgm:styleDef xmlns:dgm="http://schemas.openxmlformats.org/drawingml/2006/diagram" xmlns:a="http://schemas.openxmlformats.org/drawingml/2006/main" uniqueId="urn:microsoft.com/office/officeart/2005/8/quickstyle/simple4">
+  <dgm:title val=""/>
+  <dgm:desc val=""/>
+  <dgm:catLst>
+    <dgm:cat type="simple" pri="10400"/>
+  </dgm:catLst>
+  <dgm:scene3d>
+    <a:camera prst="orthographicFront"/>
+    <a:lightRig rig="threePt" dir="t"/>
+  </dgm:scene3d>
+  <dgm:styleLbl name="node0">
+    <dgm:scene3d>
+      <a:camera prst="orthographicFront"/>
+      <a:lightRig rig="threePt" dir="t"/>
+    </dgm:scene3d>
+    <dgm:sp3d/>
+    <dgm:txPr/>
+    <dgm:style>
+      <a:lnRef idx="0">
+        <a:scrgbClr r="0" g="0" b="0"/>
+      </a:lnRef>
+      <a:fillRef idx="3">
+        <a:scrgbClr r="0" g="0" b="0"/>
+      </a:fillRef>
+      <a:effectRef idx="2">
+        <a:scrgbClr r="0" g="0" b="0"/>
+      </a:effectRef>
+      <a:fontRef idx="minor">
+        <a:schemeClr val="lt1"/>
+      </a:fontRef>
+    </dgm:style>
+  </dgm:styleLbl>
+  <dgm:styleLbl name="lnNode1">
+    <dgm:scene3d>
+      <a:camera prst="orthographicFront"/>
+      <a:lightRig rig="threePt" dir="t"/>
+    </dgm:scene3d>
+    <dgm:sp3d/>
+    <dgm:txPr/>
+    <dgm:style>
+      <a:lnRef idx="1">
+        <a:scrgbClr r="0" g="0" b="0"/>
+      </a:lnRef>
+      <a:fillRef idx="3">
+        <a:scrgbClr r="0" g="0" b="0"/>
+      </a:fillRef>
+      <a:effectRef idx="2">
+        <a:scrgbClr r="0" g="0" b="0"/>
+      </a:effectRef>
+      <a:fontRef idx="minor">
+        <a:schemeClr val="lt1"/>
+      </a:fontRef>
+    </dgm:style>
+  </dgm:styleLbl>
+  <dgm:styleLbl name="vennNode1">
+    <dgm:scene3d>
+      <a:camera prst="orthographicFront"/>
+      <a:lightRig rig="threePt" dir="t"/>
+    </dgm:scene3d>
+    <dgm:sp3d/>
+    <dgm:txPr/>
+    <dgm:style>
+      <a:lnRef idx="0">
+        <a:scrgbClr r="0" g="0" b="0"/>
+      </a:lnRef>
+      <a:fillRef idx="3">
+        <a:scrgbClr r="0" g="0" b="0"/>
+      </a:fillRef>
+      <a:effectRef idx="0">
+        <a:scrgbClr r="0" g="0" b="0"/>
+      </a:effectRef>
+      <a:fontRef idx="minor">
+        <a:schemeClr val="tx1"/>
+      </a:fontRef>
+    </dgm:style>
+  </dgm:styleLbl>
+  <dgm:styleLbl name="alignNode1">
+    <dgm:scene3d>
+      <a:camera prst="orthographicFront"/>
+      <a:lightRig rig="threePt" dir="t"/>
+    </dgm:scene3d>
+    <dgm:sp3d/>
+    <dgm:txPr/>
+    <dgm:style>
+      <a:lnRef idx="1">
+        <a:scrgbClr r="0" g="0" b="0"/>
+      </a:lnRef>
+      <a:fillRef idx="3">
+        <a:scrgbClr r="0" g="0" b="0"/>
+      </a:fillRef>
+      <a:effectRef idx="2">
+        <a:scrgbClr r="0" g="0" b="0"/>
+      </a:effectRef>
+      <a:fontRef idx="minor">
+        <a:schemeClr val="lt1"/>
+      </a:fontRef>
+    </dgm:style>
+  </dgm:styleLbl>
+  <dgm:styleLbl name="node1">
+    <dgm:scene3d>
+      <a:camera prst="orthographicFront"/>
+      <a:lightRig rig="threePt" dir="t"/>
+    </dgm:scene3d>
+    <dgm:sp3d/>
+    <dgm:txPr/>
+    <dgm:style>
+      <a:lnRef idx="0">
+        <a:scrgbClr r="0" g="0" b="0"/>
+      </a:lnRef>
+      <a:fillRef idx="3">
+        <a:scrgbClr r="0" g="0" b="0"/>
+      </a:fillRef>
+      <a:effectRef idx="2">
+        <a:scrgbClr r="0" g="0" b="0"/>
+      </a:effectRef>
+      <a:fontRef idx="minor">
+        <a:schemeClr val="lt1"/>
+      </a:fontRef>
+    </dgm:style>
+  </dgm:styleLbl>
+  <dgm:styleLbl name="node2">
+    <dgm:scene3d>
+      <a:camera prst="orthographicFront"/>
+      <a:lightRig rig="threePt" dir="t"/>
+    </dgm:scene3d>
+    <dgm:sp3d/>
+    <dgm:txPr/>
+    <dgm:style>
+      <a:lnRef idx="0">
+        <a:scrgbClr r="0" g="0" b="0"/>
+      </a:lnRef>
+      <a:fillRef idx="3">
+        <a:scrgbClr r="0" g="0" b="0"/>
+      </a:fillRef>
+      <a:effectRef idx="2">
+        <a:scrgbClr r="0" g="0" b="0"/>
+      </a:effectRef>
+      <a:fontRef idx="minor">
+        <a:schemeClr val="lt1"/>
+      </a:fontRef>
+    </dgm:style>
+  </dgm:styleLbl>
+  <dgm:styleLbl name="node3">
+    <dgm:scene3d>
+      <a:camera prst="orthographicFront"/>
+      <a:lightRig rig="threePt" dir="t"/>
+    </dgm:scene3d>
+    <dgm:sp3d/>
+    <dgm:txPr/>
+    <dgm:style>
+      <a:lnRef idx="0">
+        <a:scrgbClr r="0" g="0" b="0"/>
+      </a:lnRef>
+      <a:fillRef idx="3">
+        <a:scrgbClr r="0" g="0" b="0"/>
+      </a:fillRef>
+      <a:effectRef idx="2">
+        <a:scrgbClr r="0" g="0" b="0"/>
+      </a:effectRef>
+      <a:fontRef idx="minor">
+        <a:schemeClr val="lt1"/>
+      </a:fontRef>
+    </dgm:style>
+  </dgm:styleLbl>
+  <dgm:styleLbl name="node4">
+    <dgm:scene3d>
+      <a:camera prst="orthographicFront"/>
+      <a:lightRig rig="threePt" dir="t"/>
+    </dgm:scene3d>
+    <dgm:sp3d/>
+    <dgm:txPr/>
+    <dgm:style>
+      <a:lnRef idx="0">
+        <a:scrgbClr r="0" g="0" b="0"/>
+      </a:lnRef>
+      <a:fillRef idx="3">
+        <a:scrgbClr r="0" g="0" b="0"/>
+      </a:fillRef>
+      <a:effectRef idx="2">
+        <a:scrgbClr r="0" g="0" b="0"/>
+      </a:effectRef>
+      <a:fontRef idx="minor">
+        <a:schemeClr val="lt1"/>
+      </a:fontRef>
+    </dgm:style>
+  </dgm:styleLbl>
+  <dgm:styleLbl name="fgImgPlace1">
+    <dgm:scene3d>
+      <a:camera prst="orthographicFront"/>
+      <a:lightRig rig="threePt" dir="t"/>
+    </dgm:scene3d>
+    <dgm:sp3d/>
+    <dgm:txPr/>
+    <dgm:style>
+      <a:lnRef idx="0">
+        <a:scrgbClr r="0" g="0" b="0"/>
+      </a:lnRef>
+      <a:fillRef idx="1">
+        <a:scrgbClr r="0" g="0" b="0"/>
+      </a:fillRef>
+      <a:effectRef idx="2">
+        <a:scrgbClr r="0" g="0" b="0"/>
+      </a:effectRef>
+      <a:fontRef idx="minor"/>
+    </dgm:style>
+  </dgm:styleLbl>
+  <dgm:styleLbl name="alignImgPlace1">
+    <dgm:scene3d>
+      <a:camera prst="orthographicFront"/>
+      <a:lightRig rig="threePt" dir="t"/>
+    </dgm:scene3d>
+    <dgm:sp3d/>
+    <dgm:txPr/>
+    <dgm:style>
+      <a:lnRef idx="0">
+        <a:scrgbClr r="0" g="0" b="0"/>
+      </a:lnRef>
+      <a:fillRef idx="1">
+        <a:scrgbClr r="0" g="0" b="0"/>
+      </a:fillRef>
+      <a:effectRef idx="2">
+        <a:scrgbClr r="0" g="0" b="0"/>
+      </a:effectRef>
+      <a:fontRef idx="minor"/>
+    </dgm:style>
+  </dgm:styleLbl>
+  <dgm:styleLbl name="bgImgPlace1">
+    <dgm:scene3d>
+      <a:camera prst="orthographicFront"/>
+      <a:lightRig rig="threePt" dir="t"/>
+    </dgm:scene3d>
+    <dgm:sp3d/>
+    <dgm:txPr/>
+    <dgm:style>
+      <a:lnRef idx="0">
+        <a:scrgbClr r="0" g="0" b="0"/>
+      </a:lnRef>
+      <a:fillRef idx="1">
+        <a:scrgbClr r="0" g="0" b="0"/>
+      </a:fillRef>
+      <a:effectRef idx="2">
+        <a:scrgbClr r="0" g="0" b="0"/>
+      </a:effectRef>
+      <a:fontRef idx="minor"/>
+    </dgm:style>
+  </dgm:styleLbl>
+  <dgm:styleLbl name="sibTrans2D1">
+    <dgm:scene3d>
+      <a:camera prst="orthographicFront"/>
+      <a:lightRig rig="threePt" dir="t"/>
+    </dgm:scene3d>
+    <dgm:sp3d/>
+    <dgm:txPr/>
+    <dgm:style>
+      <a:lnRef idx="0">
+        <a:scrgbClr r="0" g="0" b="0"/>
+      </a:lnRef>
+      <a:fillRef idx="3">
+        <a:scrgbClr r="0" g="0" b="0"/>
+      </a:fillRef>
+      <a:effectRef idx="2">
+        <a:scrgbClr r="0" g="0" b="0"/>
+      </a:effectRef>
+      <a:fontRef idx="minor">
+        <a:schemeClr val="lt1"/>
+      </a:fontRef>
+    </dgm:style>
+  </dgm:styleLbl>
+  <dgm:styleLbl name="fgSibTrans2D1">
+    <dgm:scene3d>
+      <a:camera prst="orthographicFront"/>
+      <a:lightRig rig="threePt" dir="t"/>
+    </dgm:scene3d>
+    <dgm:sp3d/>
+    <dgm:txPr/>
+    <dgm:style>
+      <a:lnRef idx="0">
+        <a:scrgbClr r="0" g="0" b="0"/>
+      </a:lnRef>
+      <a:fillRef idx="3">
+        <a:scrgbClr r="0" g="0" b="0"/>
+      </a:fillRef>
+      <a:effectRef idx="2">
+        <a:scrgbClr r="0" g="0" b="0"/>
+      </a:effectRef>
+      <a:fontRef idx="minor">
+        <a:schemeClr val="lt1"/>
+      </a:fontRef>
+    </dgm:style>
+  </dgm:styleLbl>
+  <dgm:styleLbl name="bgSibTrans2D1">
+    <dgm:scene3d>
+      <a:camera prst="orthographicFront"/>
+      <a:lightRig rig="threePt" dir="t"/>
+    </dgm:scene3d>
+    <dgm:sp3d/>
+    <dgm:txPr/>
+    <dgm:style>
+      <a:lnRef idx="0">
+        <a:scrgbClr r="0" g="0" b="0"/>
+      </a:lnRef>
+      <a:fillRef idx="3">
+        <a:scrgbClr r="0" g="0" b="0"/>
+      </a:fillRef>
+      <a:effectRef idx="2">
+        <a:scrgbClr r="0" g="0" b="0"/>
+      </a:effectRef>
+      <a:fontRef idx="minor">
+        <a:schemeClr val="lt1"/>
+      </a:fontRef>
+    </dgm:style>
+  </dgm:styleLbl>
+  <dgm:styleLbl name="sibTrans1D1">
+    <dgm:scene3d>
+      <a:camera prst="orthographicFront"/>
+      <a:lightRig rig="threePt" dir="t"/>
+    </dgm:scene3d>
+    <dgm:sp3d/>
+    <dgm:txPr/>
+    <dgm:style>
+      <a:lnRef idx="1">
+        <a:scrgbClr r="0" g="0" b="0"/>
+      </a:lnRef>
+      <a:fillRef idx="0">
+        <a:scrgbClr r="0" g="0" b="0"/>
+      </a:fillRef>
+      <a:effectRef idx="0">
+        <a:scrgbClr r="0" g="0" b="0"/>
+      </a:effectRef>
+      <a:fontRef idx="minor"/>
+    </dgm:style>
+  </dgm:styleLbl>
+  <dgm:styleLbl name="callout">
+    <dgm:scene3d>
+      <a:camera prst="orthographicFront"/>
+      <a:lightRig rig="threePt" dir="t"/>
+    </dgm:scene3d>
+    <dgm:sp3d/>
+    <dgm:txPr/>
+    <dgm:style>
+      <a:lnRef idx="2">
+        <a:scrgbClr r="0" g="0" b="0"/>
+      </a:lnRef>
+      <a:fillRef idx="1">
+        <a:scrgbClr r="0" g="0" b="0"/>
+      </a:fillRef>
+      <a:effectRef idx="1">
+        <a:scrgbClr r="0" g="0" b="0"/>
+      </a:effectRef>
+      <a:fontRef idx="minor"/>
+    </dgm:style>
+  </dgm:styleLbl>
+  <dgm:styleLbl name="asst0">
+    <dgm:scene3d>
+      <a:camera prst="orthographicFront"/>
+      <a:lightRig rig="threePt" dir="t"/>
+    </dgm:scene3d>
+    <dgm:sp3d/>
+    <dgm:txPr/>
+    <dgm:style>
+      <a:lnRef idx="0">
+        <a:scrgbClr r="0" g="0" b="0"/>
+      </a:lnRef>
+      <a:fillRef idx="3">
+        <a:scrgbClr r="0" g="0" b="0"/>
+      </a:fillRef>
+      <a:effectRef idx="2">
+        <a:scrgbClr r="0" g="0" b="0"/>
+      </a:effectRef>
+      <a:fontRef idx="minor">
+        <a:schemeClr val="lt1"/>
+      </a:fontRef>
+    </dgm:style>
+  </dgm:styleLbl>
+  <dgm:styleLbl name="asst1">
+    <dgm:scene3d>
+      <a:camera prst="orthographicFront"/>
+      <a:lightRig rig="threePt" dir="t"/>
+    </dgm:scene3d>
+    <dgm:sp3d/>
+    <dgm:txPr/>
+    <dgm:style>
+      <a:lnRef idx="0">
+        <a:scrgbClr r="0" g="0" b="0"/>
+      </a:lnRef>
+      <a:fillRef idx="3">
+        <a:scrgbClr r="0" g="0" b="0"/>
+      </a:fillRef>
+      <a:effectRef idx="2">
+        <a:scrgbClr r="0" g="0" b="0"/>
+      </a:effectRef>
+      <a:fontRef idx="minor">
+        <a:schemeClr val="lt1"/>
+      </a:fontRef>
+    </dgm:style>
+  </dgm:styleLbl>
+  <dgm:styleLbl name="asst2">
+    <dgm:scene3d>
+      <a:camera prst="orthographicFront"/>
+      <a:lightRig rig="threePt" dir="t"/>
+    </dgm:scene3d>
+    <dgm:sp3d/>
+    <dgm:txPr/>
+    <dgm:style>
+      <a:lnRef idx="0">
+        <a:scrgbClr r="0" g="0" b="0"/>
+      </a:lnRef>
+      <a:fillRef idx="3">
+        <a:scrgbClr r="0" g="0" b="0"/>
+      </a:fillRef>
+      <a:effectRef idx="2">
+        <a:scrgbClr r="0" g="0" b="0"/>
+      </a:effectRef>
+      <a:fontRef idx="minor">
+        <a:schemeClr val="lt1"/>
+      </a:fontRef>
+    </dgm:style>
+  </dgm:styleLbl>
+  <dgm:styleLbl name="asst3">
+    <dgm:scene3d>
+      <a:camera prst="orthographicFront"/>
+      <a:lightRig rig="threePt" dir="t"/>
+    </dgm:scene3d>
+    <dgm:sp3d/>
+    <dgm:txPr/>
+    <dgm:style>
+      <a:lnRef idx="0">
+        <a:scrgbClr r="0" g="0" b="0"/>
+      </a:lnRef>
+      <a:fillRef idx="3">
+        <a:scrgbClr r="0" g="0" b="0"/>
+      </a:fillRef>
+      <a:effectRef idx="2">
+        <a:scrgbClr r="0" g="0" b="0"/>
+      </a:effectRef>
+      <a:fontRef idx="minor">
+        <a:schemeClr val="lt1"/>
+      </a:fontRef>
+    </dgm:style>
+  </dgm:styleLbl>
+  <dgm:styleLbl name="asst4">
+    <dgm:scene3d>
+      <a:camera prst="orthographicFront"/>
+      <a:lightRig rig="threePt" dir="t"/>
+    </dgm:scene3d>
+    <dgm:sp3d/>
+    <dgm:txPr/>
+    <dgm:style>
+      <a:lnRef idx="0">
+        <a:scrgbClr r="0" g="0" b="0"/>
+      </a:lnRef>
+      <a:fillRef idx="3">
+        <a:scrgbClr r="0" g="0" b="0"/>
+      </a:fillRef>
+      <a:effectRef idx="2">
+        <a:scrgbClr r="0" g="0" b="0"/>
+      </a:effectRef>
+      <a:fontRef idx="minor">
+        <a:schemeClr val="lt1"/>
+      </a:fontRef>
+    </dgm:style>
+  </dgm:styleLbl>
+  <dgm:styleLbl name="parChTrans2D1">
+    <dgm:scene3d>
+      <a:camera prst="orthographicFront"/>
+      <a:lightRig rig="threePt" dir="t"/>
+    </dgm:scene3d>
+    <dgm:sp3d/>
+    <dgm:txPr/>
+    <dgm:style>
+      <a:lnRef idx="0">
+        <a:scrgbClr r="0" g="0" b="0"/>
+      </a:lnRef>
+      <a:fillRef idx="3">
+        <a:scrgbClr r="0" g="0" b="0"/>
+      </a:fillRef>
+      <a:effectRef idx="2">
+        <a:scrgbClr r="0" g="0" b="0"/>
+      </a:effectRef>
+      <a:fontRef idx="minor">
+        <a:schemeClr val="lt1"/>
+      </a:fontRef>
+    </dgm:style>
+  </dgm:styleLbl>
+  <dgm:styleLbl name="parChTrans2D2">
+    <dgm:scene3d>
+      <a:camera prst="orthographicFront"/>
+      <a:lightRig rig="threePt" dir="t"/>
+    </dgm:scene3d>
+    <dgm:sp3d/>
+    <dgm:txPr/>
+    <dgm:style>
+      <a:lnRef idx="0">
+        <a:scrgbClr r="0" g="0" b="0"/>
+      </a:lnRef>
+      <a:fillRef idx="3">
+        <a:scrgbClr r="0" g="0" b="0"/>
+      </a:fillRef>
+      <a:effectRef idx="2">
+        <a:scrgbClr r="0" g="0" b="0"/>
+      </a:effectRef>
+      <a:fontRef idx="minor">
+        <a:schemeClr val="lt1"/>
+      </a:fontRef>
+    </dgm:style>
+  </dgm:styleLbl>
+  <dgm:styleLbl name="parChTrans2D3">
+    <dgm:scene3d>
+      <a:camera prst="orthographicFront"/>
+      <a:lightRig rig="threePt" dir="t"/>
+    </dgm:scene3d>
+    <dgm:sp3d/>
+    <dgm:txPr/>
+    <dgm:style>
+      <a:lnRef idx="1">
+        <a:scrgbClr r="0" g="0" b="0"/>
+      </a:lnRef>
+      <a:fillRef idx="3">
+        <a:scrgbClr r="0" g="0" b="0"/>
+      </a:fillRef>
+      <a:effectRef idx="2">
+        <a:scrgbClr r="0" g="0" b="0"/>
+      </a:effectRef>
+      <a:fontRef idx="minor">
+        <a:schemeClr val="lt1"/>
+      </a:fontRef>
+    </dgm:style>
+  </dgm:styleLbl>
+  <dgm:styleLbl name="parChTrans2D4">
+    <dgm:scene3d>
+      <a:camera prst="orthographicFront"/>
+      <a:lightRig rig="threePt" dir="t"/>
+    </dgm:scene3d>
+    <dgm:sp3d/>
+    <dgm:txPr/>
+    <dgm:style>
+      <a:lnRef idx="1">
+        <a:scrgbClr r="0" g="0" b="0"/>
+      </a:lnRef>
+      <a:fillRef idx="3">
+        <a:scrgbClr r="0" g="0" b="0"/>
+      </a:fillRef>
+      <a:effectRef idx="2">
+        <a:scrgbClr r="0" g="0" b="0"/>
+      </a:effectRef>
+      <a:fontRef idx="minor">
+        <a:schemeClr val="lt1"/>
+      </a:fontRef>
+    </dgm:style>
+  </dgm:styleLbl>
+  <dgm:styleLbl name="parChTrans1D1">
+    <dgm:scene3d>
+      <a:camera prst="orthographicFront"/>
+      <a:lightRig rig="threePt" dir="t"/>
+    </dgm:scene3d>
+    <dgm:sp3d/>
+    <dgm:txPr/>
+    <dgm:style>
+      <a:lnRef idx="1">
+        <a:scrgbClr r="0" g="0" b="0"/>
+      </a:lnRef>
+      <a:fillRef idx="0">
+        <a:scrgbClr r="0" g="0" b="0"/>
+      </a:fillRef>
+      <a:effectRef idx="0">
+        <a:scrgbClr r="0" g="0" b="0"/>
+      </a:effectRef>
+      <a:fontRef idx="minor"/>
+    </dgm:style>
+  </dgm:styleLbl>
+  <dgm:styleLbl name="parChTrans1D2">
+    <dgm:scene3d>
+      <a:camera prst="orthographicFront"/>
+      <a:lightRig rig="threePt" dir="t"/>
+    </dgm:scene3d>
+    <dgm:sp3d/>
+    <dgm:txPr/>
+    <dgm:style>
+      <a:lnRef idx="1">
+        <a:scrgbClr r="0" g="0" b="0"/>
+      </a:lnRef>
+      <a:fillRef idx="0">
+        <a:scrgbClr r="0" g="0" b="0"/>
+      </a:fillRef>
+      <a:effectRef idx="0">
+        <a:scrgbClr r="0" g="0" b="0"/>
+      </a:effectRef>
+      <a:fontRef idx="minor"/>
+    </dgm:style>
+  </dgm:styleLbl>
+  <dgm:styleLbl name="parChTrans1D3">
+    <dgm:scene3d>
+      <a:camera prst="orthographicFront"/>
+      <a:lightRig rig="threePt" dir="t"/>
+    </dgm:scene3d>
+    <dgm:sp3d/>
+    <dgm:txPr/>
+    <dgm:style>
+      <a:lnRef idx="1">
+        <a:scrgbClr r="0" g="0" b="0"/>
+      </a:lnRef>
+      <a:fillRef idx="0">
+        <a:scrgbClr r="0" g="0" b="0"/>
+      </a:fillRef>
+      <a:effectRef idx="0">
+        <a:scrgbClr r="0" g="0" b="0"/>
+      </a:effectRef>
+      <a:fontRef idx="minor"/>
+    </dgm:style>
+  </dgm:styleLbl>
+  <dgm:styleLbl name="parChTrans1D4">
+    <dgm:scene3d>
+      <a:camera prst="orthographicFront"/>
+      <a:lightRig rig="threePt" dir="t"/>
+    </dgm:scene3d>
+    <dgm:sp3d/>
+    <dgm:txPr/>
+    <dgm:style>
+      <a:lnRef idx="1">
+        <a:scrgbClr r="0" g="0" b="0"/>
+      </a:lnRef>
+      <a:fillRef idx="0">
+        <a:scrgbClr r="0" g="0" b="0"/>
+      </a:fillRef>
+      <a:effectRef idx="0">
+        <a:scrgbClr r="0" g="0" b="0"/>
+      </a:effectRef>
+      <a:fontRef idx="minor"/>
+    </dgm:style>
+  </dgm:styleLbl>
+  <dgm:styleLbl name="fgAcc1">
+    <dgm:scene3d>
+      <a:camera prst="orthographicFront"/>
+      <a:lightRig rig="threePt" dir="t"/>
+    </dgm:scene3d>
+    <dgm:sp3d/>
+    <dgm:txPr/>
+    <dgm:style>
+      <a:lnRef idx="1">
+        <a:scrgbClr r="0" g="0" b="0"/>
+      </a:lnRef>
+      <a:fillRef idx="1">
+        <a:scrgbClr r="0" g="0" b="0"/>
+      </a:fillRef>
+      <a:effectRef idx="0">
+        <a:scrgbClr r="0" g="0" b="0"/>
+      </a:effectRef>
+      <a:fontRef idx="minor"/>
+    </dgm:style>
+  </dgm:styleLbl>
+  <dgm:styleLbl name="conFgAcc1">
+    <dgm:scene3d>
+      <a:camera prst="orthographicFront"/>
+      <a:lightRig rig="threePt" dir="t"/>
+    </dgm:scene3d>
+    <dgm:sp3d/>
+    <dgm:txPr/>
+    <dgm:style>
+      <a:lnRef idx="1">
+        <a:scrgbClr r="0" g="0" b="0"/>
+      </a:lnRef>
+      <a:fillRef idx="1">
+        <a:scrgbClr r="0" g="0" b="0"/>
+      </a:fillRef>
+      <a:effectRef idx="0">
+        <a:scrgbClr r="0" g="0" b="0"/>
+      </a:effectRef>
+      <a:fontRef idx="minor"/>
+    </dgm:style>
+  </dgm:styleLbl>
+  <dgm:styleLbl name="alignAcc1">
+    <dgm:scene3d>
+      <a:camera prst="orthographicFront"/>
+      <a:lightRig rig="threePt" dir="t"/>
+    </dgm:scene3d>
+    <dgm:sp3d/>
+    <dgm:txPr/>
+    <dgm:style>
+      <a:lnRef idx="1">
+        <a:scrgbClr r="0" g="0" b="0"/>
+      </a:lnRef>
+      <a:fillRef idx="1">
+        <a:scrgbClr r="0" g="0" b="0"/>
+      </a:fillRef>
+      <a:effectRef idx="0">
+        <a:scrgbClr r="0" g="0" b="0"/>
+      </a:effectRef>
+      <a:fontRef idx="minor"/>
+    </dgm:style>
+  </dgm:styleLbl>
+  <dgm:styleLbl name="trAlignAcc1">
+    <dgm:scene3d>
+      <a:camera prst="orthographicFront"/>
+      <a:lightRig rig="threePt" dir="t"/>
+    </dgm:scene3d>
+    <dgm:sp3d/>
+    <dgm:txPr/>
+    <dgm:style>
+      <a:lnRef idx="1">
+        <a:scrgbClr r="0" g="0" b="0"/>
+      </a:lnRef>
+      <a:fillRef idx="1">
+        <a:scrgbClr r="0" g="0" b="0"/>
+      </a:fillRef>
+      <a:effectRef idx="0">
+        <a:scrgbClr r="0" g="0" b="0"/>
+      </a:effectRef>
+      <a:fontRef idx="minor"/>
+    </dgm:style>
+  </dgm:styleLbl>
+  <dgm:styleLbl name="bgAcc1">
+    <dgm:scene3d>
+      <a:camera prst="orthographicFront"/>
+      <a:lightRig rig="threePt" dir="t"/>
+    </dgm:scene3d>
+    <dgm:sp3d/>
+    <dgm:txPr/>
+    <dgm:style>
+      <a:lnRef idx="1">
+        <a:scrgbClr r="0" g="0" b="0"/>
+      </a:lnRef>
+      <a:fillRef idx="1">
+        <a:scrgbClr r="0" g="0" b="0"/>
+      </a:fillRef>
+      <a:effectRef idx="0">
+        <a:scrgbClr r="0" g="0" b="0"/>
+      </a:effectRef>
+      <a:fontRef idx="minor"/>
+    </dgm:style>
+  </dgm:styleLbl>
+  <dgm:styleLbl name="solidFgAcc1">
+    <dgm:scene3d>
+      <a:camera prst="orthographicFront"/>
+      <a:lightRig rig="threePt" dir="t"/>
+    </dgm:scene3d>
+    <dgm:sp3d/>
+    <dgm:txPr/>
+    <dgm:style>
+      <a:lnRef idx="1">
+        <a:scrgbClr r="0" g="0" b="0"/>
+      </a:lnRef>
+      <a:fillRef idx="1">
+        <a:scrgbClr r="0" g="0" b="0"/>
+      </a:fillRef>
+      <a:effectRef idx="0">
+        <a:scrgbClr r="0" g="0" b="0"/>
+      </a:effectRef>
+      <a:fontRef idx="minor"/>
+    </dgm:style>
+  </dgm:styleLbl>
+  <dgm:styleLbl name="solidAlignAcc1">
+    <dgm:scene3d>
+      <a:camera prst="orthographicFront"/>
+      <a:lightRig rig="threePt" dir="t"/>
+    </dgm:scene3d>
+    <dgm:sp3d/>
+    <dgm:txPr/>
+    <dgm:style>
+      <a:lnRef idx="1">
+        <a:scrgbClr r="0" g="0" b="0"/>
+      </a:lnRef>
+      <a:fillRef idx="1">
+        <a:scrgbClr r="0" g="0" b="0"/>
+      </a:fillRef>
+      <a:effectRef idx="0">
+        <a:scrgbClr r="0" g="0" b="0"/>
+      </a:effectRef>
+      <a:fontRef idx="minor"/>
+    </dgm:style>
+  </dgm:styleLbl>
+  <dgm:styleLbl name="solidBgAcc1">
+    <dgm:scene3d>
+      <a:camera prst="orthographicFront"/>
+      <a:lightRig rig="threePt" dir="t"/>
+    </dgm:scene3d>
+    <dgm:sp3d/>
+    <dgm:txPr/>
+    <dgm:style>
+      <a:lnRef idx="1">
+        <a:scrgbClr r="0" g="0" b="0"/>
+      </a:lnRef>
+      <a:fillRef idx="1">
+        <a:scrgbClr r="0" g="0" b="0"/>
+      </a:fillRef>
+      <a:effectRef idx="0">
+        <a:scrgbClr r="0" g="0" b="0"/>
+      </a:effectRef>
+      <a:fontRef idx="minor"/>
+    </dgm:style>
+  </dgm:styleLbl>
+  <dgm:styleLbl name="fgAccFollowNode1">
+    <dgm:scene3d>
+      <a:camera prst="orthographicFront"/>
+      <a:lightRig rig="threePt" dir="t"/>
+    </dgm:scene3d>
+    <dgm:sp3d/>
+    <dgm:txPr/>
+    <dgm:style>
+      <a:lnRef idx="1">
+        <a:scrgbClr r="0" g="0" b="0"/>
+      </a:lnRef>
+      <a:fillRef idx="1">
+        <a:scrgbClr r="0" g="0" b="0"/>
+      </a:fillRef>
+      <a:effectRef idx="0">
+        <a:scrgbClr r="0" g="0" b="0"/>
+      </a:effectRef>
+      <a:fontRef idx="minor"/>
+    </dgm:style>
+  </dgm:styleLbl>
+  <dgm:styleLbl name="alignAccFollowNode1">
+    <dgm:scene3d>
+      <a:camera prst="orthographicFront"/>
+      <a:lightRig rig="threePt" dir="t"/>
+    </dgm:scene3d>
+    <dgm:sp3d/>
+    <dgm:txPr/>
+    <dgm:style>
+      <a:lnRef idx="1">
+        <a:scrgbClr r="0" g="0" b="0"/>
+      </a:lnRef>
+      <a:fillRef idx="1">
+        <a:scrgbClr r="0" g="0" b="0"/>
+      </a:fillRef>
+      <a:effectRef idx="0">
+        <a:scrgbClr r="0" g="0" b="0"/>
+      </a:effectRef>
+      <a:fontRef idx="minor"/>
+    </dgm:style>
+  </dgm:styleLbl>
+  <dgm:styleLbl name="bgAccFollowNode1">
+    <dgm:scene3d>
+      <a:camera prst="orthographicFront"/>
+      <a:lightRig rig="threePt" dir="t"/>
+    </dgm:scene3d>
+    <dgm:sp3d/>
+    <dgm:txPr/>
+    <dgm:style>
+      <a:lnRef idx="1">
+        <a:scrgbClr r="0" g="0" b="0"/>
+      </a:lnRef>
+      <a:fillRef idx="1">
+        <a:scrgbClr r="0" g="0" b="0"/>
+      </a:fillRef>
+      <a:effectRef idx="0">
+        <a:scrgbClr r="0" g="0" b="0"/>
+      </a:effectRef>
+      <a:fontRef idx="minor"/>
+    </dgm:style>
+  </dgm:styleLbl>
+  <dgm:styleLbl name="fgAcc0">
+    <dgm:scene3d>
+      <a:camera prst="orthographicFront"/>
+      <a:lightRig rig="threePt" dir="t"/>
+    </dgm:scene3d>
+    <dgm:sp3d/>
+    <dgm:txPr/>
+    <dgm:style>
+      <a:lnRef idx="1">
+        <a:scrgbClr r="0" g="0" b="0"/>
+      </a:lnRef>
+      <a:fillRef idx="1">
+        <a:scrgbClr r="0" g="0" b="0"/>
+      </a:fillRef>
+      <a:effectRef idx="0">
+        <a:scrgbClr r="0" g="0" b="0"/>
+      </a:effectRef>
+      <a:fontRef idx="minor"/>
+    </dgm:style>
+  </dgm:styleLbl>
+  <dgm:styleLbl name="fgAcc2">
+    <dgm:scene3d>
+      <a:camera prst="orthographicFront"/>
+      <a:lightRig rig="threePt" dir="t"/>
+    </dgm:scene3d>
+    <dgm:sp3d/>
+    <dgm:txPr/>
+    <dgm:style>
+      <a:lnRef idx="1">
+        <a:scrgbClr r="0" g="0" b="0"/>
+      </a:lnRef>
+      <a:fillRef idx="1">
+        <a:scrgbClr r="0" g="0" b="0"/>
+      </a:fillRef>
+      <a:effectRef idx="0">
+        <a:scrgbClr r="0" g="0" b="0"/>
+      </a:effectRef>
+      <a:fontRef idx="minor"/>
+    </dgm:style>
+  </dgm:styleLbl>
+  <dgm:styleLbl name="fgAcc3">
+    <dgm:scene3d>
+      <a:camera prst="orthographicFront"/>
+      <a:lightRig rig="threePt" dir="t"/>
+    </dgm:scene3d>
+    <dgm:sp3d/>
+    <dgm:txPr/>
+    <dgm:style>
+      <a:lnRef idx="1">
+        <a:scrgbClr r="0" g="0" b="0"/>
+      </a:lnRef>
+      <a:fillRef idx="1">
+        <a:scrgbClr r="0" g="0" b="0"/>
+      </a:fillRef>
+      <a:effectRef idx="0">
+        <a:scrgbClr r="0" g="0" b="0"/>
+      </a:effectRef>
+      <a:fontRef idx="minor"/>
+    </dgm:style>
+  </dgm:styleLbl>
+  <dgm:styleLbl name="fgAcc4">
+    <dgm:scene3d>
+      <a:camera prst="orthographicFront"/>
+      <a:lightRig rig="threePt" dir="t"/>
+    </dgm:scene3d>
+    <dgm:sp3d/>
+    <dgm:txPr/>
+    <dgm:style>
+      <a:lnRef idx="1">
+        <a:scrgbClr r="0" g="0" b="0"/>
+      </a:lnRef>
+      <a:fillRef idx="1">
+        <a:scrgbClr r="0" g="0" b="0"/>
+      </a:fillRef>
+      <a:effectRef idx="0">
+        <a:scrgbClr r="0" g="0" b="0"/>
+      </a:effectRef>
+      <a:fontRef idx="minor"/>
+    </dgm:style>
+  </dgm:styleLbl>
+  <dgm:styleLbl name="bgShp">
+    <dgm:scene3d>
+      <a:camera prst="orthographicFront"/>
+      <a:lightRig rig="threePt" dir="t"/>
+    </dgm:scene3d>
+    <dgm:sp3d/>
+    <dgm:txPr/>
+    <dgm:style>
+      <a:lnRef idx="0">
+        <a:scrgbClr r="0" g="0" b="0"/>
+      </a:lnRef>
+      <a:fillRef idx="1">
+        <a:scrgbClr r="0" g="0" b="0"/>
+      </a:fillRef>
+      <a:effectRef idx="2">
+        <a:scrgbClr r="0" g="0" b="0"/>
+      </a:effectRef>
+      <a:fontRef idx="minor"/>
+    </dgm:style>
+  </dgm:styleLbl>
+  <dgm:styleLbl name="dkBgShp">
+    <dgm:scene3d>
+      <a:camera prst="orthographicFront"/>
+      <a:lightRig rig="threePt" dir="t"/>
+    </dgm:scene3d>
+    <dgm:sp3d/>
+    <dgm:txPr/>
+    <dgm:style>
+      <a:lnRef idx="0">
+        <a:scrgbClr r="0" g="0" b="0"/>
+      </a:lnRef>
+      <a:fillRef idx="1">
+        <a:scrgbClr r="0" g="0" b="0"/>
+      </a:fillRef>
+      <a:effectRef idx="2">
+        <a:scrgbClr r="0" g="0" b="0"/>
+      </a:effectRef>
+      <a:fontRef idx="minor"/>
+    </dgm:style>
+  </dgm:styleLbl>
+  <dgm:styleLbl name="trBgShp">
+    <dgm:scene3d>
+      <a:camera prst="orthographicFront"/>
+      <a:lightRig rig="threePt" dir="t"/>
+    </dgm:scene3d>
+    <dgm:sp3d/>
+    <dgm:txPr/>
+    <dgm:style>
+      <a:lnRef idx="0">
+        <a:scrgbClr r="0" g="0" b="0"/>
+      </a:lnRef>
+      <a:fillRef idx="1">
+        <a:scrgbClr r="0" g="0" b="0"/>
+      </a:fillRef>
+      <a:effectRef idx="0">
+        <a:scrgbClr r="0" g="0" b="0"/>
+      </a:effectRef>
+      <a:fontRef idx="minor"/>
+    </dgm:style>
+  </dgm:styleLbl>
+  <dgm:styleLbl name="fgShp">
+    <dgm:scene3d>
+      <a:camera prst="orthographicFront"/>
+      <a:lightRig rig="threePt" dir="t"/>
+    </dgm:scene3d>
+    <dgm:sp3d/>
+    <dgm:txPr/>
+    <dgm:style>
+      <a:lnRef idx="0">
+        <a:scrgbClr r="0" g="0" b="0"/>
+      </a:lnRef>
+      <a:fillRef idx="3">
+        <a:scrgbClr r="0" g="0" b="0"/>
+      </a:fillRef>
+      <a:effectRef idx="2">
+        <a:scrgbClr r="0" g="0" b="0"/>
+      </a:effectRef>
+      <a:fontRef idx="minor"/>
+    </dgm:style>
+  </dgm:styleLbl>
+  <dgm:styleLbl name="revTx">
+    <dgm:scene3d>
+      <a:camera prst="orthographicFront"/>
+      <a:lightRig rig="threePt" dir="t"/>
+    </dgm:scene3d>
+    <dgm:sp3d/>
+    <dgm:txPr/>
+    <dgm:style>
+      <a:lnRef idx="0">
+        <a:scrgbClr r="0" g="0" b="0"/>
+      </a:lnRef>
+      <a:fillRef idx="0">
+        <a:scrgbClr r="0" g="0" b="0"/>
+      </a:fillRef>
+      <a:effectRef idx="0">
+        <a:scrgbClr r="0" g="0" b="0"/>
+      </a:effectRef>
+      <a:fontRef idx="minor"/>
+    </dgm:style>
+  </dgm:styleLbl>
+</dgm:styleDef>
+</file>
+
 <file path=ppt/handoutMasters/handoutMaster1.xml><?xml version="1.0" encoding="utf-8"?>
 <p:handoutMaster xmlns:a="http://schemas.openxmlformats.org/drawingml/2006/main" xmlns:r="http://schemas.openxmlformats.org/officeDocument/2006/relationships" xmlns:p="http://schemas.openxmlformats.org/presentationml/2006/main">
   <p:cSld>
@@ -424,14 +3884,14 @@
           </a:ln>
           <a:extLst>
             <a:ext uri="{909E8E84-426E-40dd-AFC4-6F175D3DCCD1}">
-              <a14:hiddenFill xmlns:a14="http://schemas.microsoft.com/office/drawing/2010/main" xmlns="">
+              <a14:hiddenFill xmlns="" xmlns:a14="http://schemas.microsoft.com/office/drawing/2010/main">
                 <a:solidFill>
                   <a:srgbClr val="FFFFFF"/>
                 </a:solidFill>
               </a14:hiddenFill>
             </a:ext>
             <a:ext uri="{91240B29-F687-4f45-9708-019B960494DF}">
-              <a14:hiddenLine xmlns:a14="http://schemas.microsoft.com/office/drawing/2010/main" xmlns="" w="9525">
+              <a14:hiddenLine xmlns="" xmlns:a14="http://schemas.microsoft.com/office/drawing/2010/main" w="9525">
                 <a:solidFill>
                   <a:srgbClr val="000000"/>
                 </a:solidFill>
@@ -605,7 +4065,7 @@
           </a:ln>
           <a:extLst>
             <a:ext uri="{909E8E84-426E-40dd-AFC4-6F175D3DCCD1}">
-              <a14:hiddenFill xmlns:a14="http://schemas.microsoft.com/office/drawing/2010/main" xmlns="">
+              <a14:hiddenFill xmlns="" xmlns:a14="http://schemas.microsoft.com/office/drawing/2010/main">
                 <a:solidFill>
                   <a:srgbClr val="FFFFFF"/>
                 </a:solidFill>
@@ -1110,16 +4570,17 @@
           <a:lstStyle/>
           <a:p>
             <a:r>
-              <a:rPr lang="de-DE" altLang="de-DE"/>
+              <a:rPr lang="de-DE" altLang="de-DE" smtClean="0"/>
               <a:t>Prof. Dr. Max Mustermann | </a:t>
             </a:r>
             <a:br>
-              <a:rPr lang="de-DE" altLang="de-DE"/>
+              <a:rPr lang="de-DE" altLang="de-DE" smtClean="0"/>
             </a:br>
             <a:r>
-              <a:rPr lang="de-DE" altLang="de-DE"/>
+              <a:rPr lang="de-DE" altLang="de-DE" smtClean="0"/>
               <a:t>Name of Faculty</a:t>
             </a:r>
+            <a:endParaRPr lang="de-DE" altLang="de-DE"/>
           </a:p>
         </p:txBody>
       </p:sp>
@@ -1146,7 +4607,126 @@
               <a:pPr>
                 <a:defRPr/>
               </a:pPr>
-              <a:t>3</a:t>
+              <a:t>4</a:t>
+            </a:fld>
+            <a:endParaRPr lang="de-DE"/>
+          </a:p>
+        </p:txBody>
+      </p:sp>
+    </p:spTree>
+    <p:extLst>
+      <p:ext uri="{BB962C8B-B14F-4D97-AF65-F5344CB8AC3E}">
+        <p14:creationId xmlns:p14="http://schemas.microsoft.com/office/powerpoint/2010/main" val="90534297"/>
+      </p:ext>
+    </p:extLst>
+  </p:cSld>
+  <p:clrMapOvr>
+    <a:masterClrMapping/>
+  </p:clrMapOvr>
+</p:notes>
+</file>
+
+<file path=ppt/notesSlides/notesSlide3.xml><?xml version="1.0" encoding="utf-8"?>
+<p:notes xmlns:a="http://schemas.openxmlformats.org/drawingml/2006/main" xmlns:r="http://schemas.openxmlformats.org/officeDocument/2006/relationships" xmlns:p="http://schemas.openxmlformats.org/presentationml/2006/main">
+  <p:cSld>
+    <p:spTree>
+      <p:nvGrpSpPr>
+        <p:cNvPr id="1" name=""/>
+        <p:cNvGrpSpPr/>
+        <p:nvPr/>
+      </p:nvGrpSpPr>
+      <p:grpSpPr>
+        <a:xfrm>
+          <a:off x="0" y="0"/>
+          <a:ext cx="0" cy="0"/>
+          <a:chOff x="0" y="0"/>
+          <a:chExt cx="0" cy="0"/>
+        </a:xfrm>
+      </p:grpSpPr>
+      <p:sp>
+        <p:nvSpPr>
+          <p:cNvPr id="2" name="Folienbildplatzhalter 1"/>
+          <p:cNvSpPr>
+            <a:spLocks noGrp="1" noRot="1" noChangeAspect="1"/>
+          </p:cNvSpPr>
+          <p:nvPr>
+            <p:ph type="sldImg"/>
+          </p:nvPr>
+        </p:nvSpPr>
+        <p:spPr/>
+      </p:sp>
+      <p:sp>
+        <p:nvSpPr>
+          <p:cNvPr id="3" name="Notizenplatzhalter 2"/>
+          <p:cNvSpPr>
+            <a:spLocks noGrp="1"/>
+          </p:cNvSpPr>
+          <p:nvPr>
+            <p:ph type="body" idx="1"/>
+          </p:nvPr>
+        </p:nvSpPr>
+        <p:spPr/>
+        <p:txBody>
+          <a:bodyPr/>
+          <a:lstStyle/>
+          <a:p>
+            <a:endParaRPr lang="de-DE" dirty="0"/>
+          </a:p>
+        </p:txBody>
+      </p:sp>
+      <p:sp>
+        <p:nvSpPr>
+          <p:cNvPr id="4" name="Fußzeilenplatzhalter 3"/>
+          <p:cNvSpPr>
+            <a:spLocks noGrp="1"/>
+          </p:cNvSpPr>
+          <p:nvPr>
+            <p:ph type="ftr" sz="quarter" idx="10"/>
+          </p:nvPr>
+        </p:nvSpPr>
+        <p:spPr/>
+        <p:txBody>
+          <a:bodyPr/>
+          <a:lstStyle/>
+          <a:p>
+            <a:r>
+              <a:rPr lang="de-DE" altLang="de-DE"/>
+              <a:t>Prof. Dr. Max Mustermann | </a:t>
+            </a:r>
+            <a:br>
+              <a:rPr lang="de-DE" altLang="de-DE"/>
+            </a:br>
+            <a:r>
+              <a:rPr lang="de-DE" altLang="de-DE"/>
+              <a:t>Name of Faculty</a:t>
+            </a:r>
+          </a:p>
+        </p:txBody>
+      </p:sp>
+      <p:sp>
+        <p:nvSpPr>
+          <p:cNvPr id="5" name="Foliennummernplatzhalter 4"/>
+          <p:cNvSpPr>
+            <a:spLocks noGrp="1"/>
+          </p:cNvSpPr>
+          <p:nvPr>
+            <p:ph type="sldNum" sz="quarter" idx="11"/>
+          </p:nvPr>
+        </p:nvSpPr>
+        <p:spPr/>
+        <p:txBody>
+          <a:bodyPr/>
+          <a:lstStyle/>
+          <a:p>
+            <a:pPr>
+              <a:defRPr/>
+            </a:pPr>
+            <a:fld id="{5970BCF3-701C-4E03-9023-30B550218318}" type="slidenum">
+              <a:rPr lang="de-DE" smtClean="0"/>
+              <a:pPr>
+                <a:defRPr/>
+              </a:pPr>
+              <a:t>5</a:t>
             </a:fld>
             <a:endParaRPr lang="de-DE"/>
           </a:p>
@@ -1156,6 +4736,126 @@
     <p:extLst>
       <p:ext uri="{BB962C8B-B14F-4D97-AF65-F5344CB8AC3E}">
         <p14:creationId xmlns:p14="http://schemas.microsoft.com/office/powerpoint/2010/main" val="1356761557"/>
+      </p:ext>
+    </p:extLst>
+  </p:cSld>
+  <p:clrMapOvr>
+    <a:masterClrMapping/>
+  </p:clrMapOvr>
+</p:notes>
+</file>
+
+<file path=ppt/notesSlides/notesSlide4.xml><?xml version="1.0" encoding="utf-8"?>
+<p:notes xmlns:a="http://schemas.openxmlformats.org/drawingml/2006/main" xmlns:r="http://schemas.openxmlformats.org/officeDocument/2006/relationships" xmlns:p="http://schemas.openxmlformats.org/presentationml/2006/main">
+  <p:cSld>
+    <p:spTree>
+      <p:nvGrpSpPr>
+        <p:cNvPr id="1" name=""/>
+        <p:cNvGrpSpPr/>
+        <p:nvPr/>
+      </p:nvGrpSpPr>
+      <p:grpSpPr>
+        <a:xfrm>
+          <a:off x="0" y="0"/>
+          <a:ext cx="0" cy="0"/>
+          <a:chOff x="0" y="0"/>
+          <a:chExt cx="0" cy="0"/>
+        </a:xfrm>
+      </p:grpSpPr>
+      <p:sp>
+        <p:nvSpPr>
+          <p:cNvPr id="2" name="Folienbildplatzhalter 1"/>
+          <p:cNvSpPr>
+            <a:spLocks noGrp="1" noRot="1" noChangeAspect="1"/>
+          </p:cNvSpPr>
+          <p:nvPr>
+            <p:ph type="sldImg"/>
+          </p:nvPr>
+        </p:nvSpPr>
+        <p:spPr/>
+      </p:sp>
+      <p:sp>
+        <p:nvSpPr>
+          <p:cNvPr id="3" name="Notizenplatzhalter 2"/>
+          <p:cNvSpPr>
+            <a:spLocks noGrp="1"/>
+          </p:cNvSpPr>
+          <p:nvPr>
+            <p:ph type="body" idx="1"/>
+          </p:nvPr>
+        </p:nvSpPr>
+        <p:spPr/>
+        <p:txBody>
+          <a:bodyPr/>
+          <a:lstStyle/>
+          <a:p>
+            <a:endParaRPr lang="de-DE" dirty="0"/>
+          </a:p>
+        </p:txBody>
+      </p:sp>
+      <p:sp>
+        <p:nvSpPr>
+          <p:cNvPr id="4" name="Fußzeilenplatzhalter 3"/>
+          <p:cNvSpPr>
+            <a:spLocks noGrp="1"/>
+          </p:cNvSpPr>
+          <p:nvPr>
+            <p:ph type="ftr" sz="quarter" idx="10"/>
+          </p:nvPr>
+        </p:nvSpPr>
+        <p:spPr/>
+        <p:txBody>
+          <a:bodyPr/>
+          <a:lstStyle/>
+          <a:p>
+            <a:r>
+              <a:rPr lang="de-DE" altLang="de-DE" smtClean="0"/>
+              <a:t>Prof. Dr. Max Mustermann | </a:t>
+            </a:r>
+            <a:br>
+              <a:rPr lang="de-DE" altLang="de-DE" smtClean="0"/>
+            </a:br>
+            <a:r>
+              <a:rPr lang="de-DE" altLang="de-DE" smtClean="0"/>
+              <a:t>Name of Faculty</a:t>
+            </a:r>
+            <a:endParaRPr lang="de-DE" altLang="de-DE"/>
+          </a:p>
+        </p:txBody>
+      </p:sp>
+      <p:sp>
+        <p:nvSpPr>
+          <p:cNvPr id="5" name="Foliennummernplatzhalter 4"/>
+          <p:cNvSpPr>
+            <a:spLocks noGrp="1"/>
+          </p:cNvSpPr>
+          <p:nvPr>
+            <p:ph type="sldNum" sz="quarter" idx="11"/>
+          </p:nvPr>
+        </p:nvSpPr>
+        <p:spPr/>
+        <p:txBody>
+          <a:bodyPr/>
+          <a:lstStyle/>
+          <a:p>
+            <a:pPr>
+              <a:defRPr/>
+            </a:pPr>
+            <a:fld id="{5970BCF3-701C-4E03-9023-30B550218318}" type="slidenum">
+              <a:rPr lang="de-DE" smtClean="0"/>
+              <a:pPr>
+                <a:defRPr/>
+              </a:pPr>
+              <a:t>7</a:t>
+            </a:fld>
+            <a:endParaRPr lang="de-DE"/>
+          </a:p>
+        </p:txBody>
+      </p:sp>
+    </p:spTree>
+    <p:extLst>
+      <p:ext uri="{BB962C8B-B14F-4D97-AF65-F5344CB8AC3E}">
+        <p14:creationId xmlns:p14="http://schemas.microsoft.com/office/powerpoint/2010/main" val="1572790951"/>
       </p:ext>
     </p:extLst>
   </p:cSld>
@@ -1241,14 +4941,14 @@
           </a:ln>
           <a:extLst>
             <a:ext uri="{909E8E84-426E-40dd-AFC4-6F175D3DCCD1}">
-              <a14:hiddenFill xmlns:a14="http://schemas.microsoft.com/office/drawing/2010/main" xmlns="">
+              <a14:hiddenFill xmlns="" xmlns:a14="http://schemas.microsoft.com/office/drawing/2010/main">
                 <a:solidFill>
                   <a:srgbClr val="FFFFFF"/>
                 </a:solidFill>
               </a14:hiddenFill>
             </a:ext>
             <a:ext uri="{91240B29-F687-4f45-9708-019B960494DF}">
-              <a14:hiddenLine xmlns:a14="http://schemas.microsoft.com/office/drawing/2010/main" xmlns="" w="9525">
+              <a14:hiddenLine xmlns="" xmlns:a14="http://schemas.microsoft.com/office/drawing/2010/main" w="9525">
                 <a:solidFill>
                   <a:srgbClr val="000000"/>
                 </a:solidFill>
@@ -1420,14 +5120,14 @@
           </a:ln>
           <a:extLst>
             <a:ext uri="{909E8E84-426E-40dd-AFC4-6F175D3DCCD1}">
-              <a14:hiddenFill xmlns:a14="http://schemas.microsoft.com/office/drawing/2010/main" xmlns="">
+              <a14:hiddenFill xmlns="" xmlns:a14="http://schemas.microsoft.com/office/drawing/2010/main">
                 <a:solidFill>
                   <a:srgbClr val="FFFFFF"/>
                 </a:solidFill>
               </a14:hiddenFill>
             </a:ext>
             <a:ext uri="{91240B29-F687-4f45-9708-019B960494DF}">
-              <a14:hiddenLine xmlns:a14="http://schemas.microsoft.com/office/drawing/2010/main" xmlns="" w="9525">
+              <a14:hiddenLine xmlns="" xmlns:a14="http://schemas.microsoft.com/office/drawing/2010/main" w="9525">
                 <a:solidFill>
                   <a:srgbClr val="000000"/>
                 </a:solidFill>
@@ -1577,14 +5277,14 @@
           </a:ln>
           <a:extLst>
             <a:ext uri="{909E8E84-426E-40dd-AFC4-6F175D3DCCD1}">
-              <a14:hiddenFill xmlns:a14="http://schemas.microsoft.com/office/drawing/2010/main" xmlns="">
+              <a14:hiddenFill xmlns="" xmlns:a14="http://schemas.microsoft.com/office/drawing/2010/main">
                 <a:solidFill>
                   <a:srgbClr val="FFFFFF"/>
                 </a:solidFill>
               </a14:hiddenFill>
             </a:ext>
             <a:ext uri="{91240B29-F687-4f45-9708-019B960494DF}">
-              <a14:hiddenLine xmlns:a14="http://schemas.microsoft.com/office/drawing/2010/main" xmlns="" w="9525">
+              <a14:hiddenLine xmlns="" xmlns:a14="http://schemas.microsoft.com/office/drawing/2010/main" w="9525">
                 <a:solidFill>
                   <a:srgbClr val="000000"/>
                 </a:solidFill>
@@ -1747,14 +5447,14 @@
           </a:ln>
           <a:extLst>
             <a:ext uri="{909E8E84-426E-40dd-AFC4-6F175D3DCCD1}">
-              <a14:hiddenFill xmlns:a14="http://schemas.microsoft.com/office/drawing/2010/main" xmlns="">
+              <a14:hiddenFill xmlns="" xmlns:a14="http://schemas.microsoft.com/office/drawing/2010/main">
                 <a:solidFill>
                   <a:srgbClr val="FFFFFF"/>
                 </a:solidFill>
               </a14:hiddenFill>
             </a:ext>
             <a:ext uri="{91240B29-F687-4f45-9708-019B960494DF}">
-              <a14:hiddenLine xmlns:a14="http://schemas.microsoft.com/office/drawing/2010/main" xmlns="" w="9525">
+              <a14:hiddenLine xmlns="" xmlns:a14="http://schemas.microsoft.com/office/drawing/2010/main" w="9525">
                 <a:solidFill>
                   <a:srgbClr val="000000"/>
                 </a:solidFill>
@@ -1801,14 +5501,14 @@
           </a:ln>
           <a:extLst>
             <a:ext uri="{909E8E84-426E-40dd-AFC4-6F175D3DCCD1}">
-              <a14:hiddenFill xmlns:a14="http://schemas.microsoft.com/office/drawing/2010/main" xmlns="">
+              <a14:hiddenFill xmlns="" xmlns:a14="http://schemas.microsoft.com/office/drawing/2010/main">
                 <a:solidFill>
                   <a:srgbClr val="FFFFFF"/>
                 </a:solidFill>
               </a14:hiddenFill>
             </a:ext>
             <a:ext uri="{91240B29-F687-4f45-9708-019B960494DF}">
-              <a14:hiddenLine xmlns:a14="http://schemas.microsoft.com/office/drawing/2010/main" xmlns="" w="9525">
+              <a14:hiddenLine xmlns="" xmlns:a14="http://schemas.microsoft.com/office/drawing/2010/main" w="9525">
                 <a:solidFill>
                   <a:srgbClr val="000000"/>
                 </a:solidFill>
@@ -4166,14 +7866,14 @@
           </a:ln>
           <a:extLst>
             <a:ext uri="{909E8E84-426E-40dd-AFC4-6F175D3DCCD1}">
-              <a14:hiddenFill xmlns:a14="http://schemas.microsoft.com/office/drawing/2010/main" xmlns="">
+              <a14:hiddenFill xmlns="" xmlns:a14="http://schemas.microsoft.com/office/drawing/2010/main">
                 <a:solidFill>
                   <a:srgbClr val="FFFFFF"/>
                 </a:solidFill>
               </a14:hiddenFill>
             </a:ext>
             <a:ext uri="{91240B29-F687-4f45-9708-019B960494DF}">
-              <a14:hiddenLine xmlns:a14="http://schemas.microsoft.com/office/drawing/2010/main" xmlns="" w="9525">
+              <a14:hiddenLine xmlns="" xmlns:a14="http://schemas.microsoft.com/office/drawing/2010/main" w="9525">
                 <a:solidFill>
                   <a:srgbClr val="000000"/>
                 </a:solidFill>
@@ -4209,14 +7909,14 @@
           </a:ln>
           <a:extLst>
             <a:ext uri="{909E8E84-426E-40dd-AFC4-6F175D3DCCD1}">
-              <a14:hiddenFill xmlns:a14="http://schemas.microsoft.com/office/drawing/2010/main" xmlns="">
+              <a14:hiddenFill xmlns="" xmlns:a14="http://schemas.microsoft.com/office/drawing/2010/main">
                 <a:solidFill>
                   <a:srgbClr val="FFFFFF"/>
                 </a:solidFill>
               </a14:hiddenFill>
             </a:ext>
             <a:ext uri="{91240B29-F687-4f45-9708-019B960494DF}">
-              <a14:hiddenLine xmlns:a14="http://schemas.microsoft.com/office/drawing/2010/main" xmlns="" w="9525">
+              <a14:hiddenLine xmlns="" xmlns:a14="http://schemas.microsoft.com/office/drawing/2010/main" w="9525">
                 <a:solidFill>
                   <a:srgbClr val="000000"/>
                 </a:solidFill>
@@ -4267,14 +7967,14 @@
           </a:ln>
           <a:extLst>
             <a:ext uri="{909E8E84-426E-40dd-AFC4-6F175D3DCCD1}">
-              <a14:hiddenFill xmlns:a14="http://schemas.microsoft.com/office/drawing/2010/main" xmlns="">
+              <a14:hiddenFill xmlns="" xmlns:a14="http://schemas.microsoft.com/office/drawing/2010/main">
                 <a:solidFill>
                   <a:srgbClr val="FFFFFF"/>
                 </a:solidFill>
               </a14:hiddenFill>
             </a:ext>
             <a:ext uri="{91240B29-F687-4f45-9708-019B960494DF}">
-              <a14:hiddenLine xmlns:a14="http://schemas.microsoft.com/office/drawing/2010/main" xmlns="" w="9525">
+              <a14:hiddenLine xmlns="" xmlns:a14="http://schemas.microsoft.com/office/drawing/2010/main" w="9525">
                 <a:solidFill>
                   <a:srgbClr val="000000"/>
                 </a:solidFill>
@@ -4545,14 +8245,14 @@
           <a:effectLst/>
           <a:extLst>
             <a:ext uri="{909E8E84-426E-40dd-AFC4-6F175D3DCCD1}">
-              <a14:hiddenFill xmlns:a14="http://schemas.microsoft.com/office/drawing/2010/main" xmlns="">
+              <a14:hiddenFill xmlns="" xmlns:a14="http://schemas.microsoft.com/office/drawing/2010/main">
                 <a:solidFill>
                   <a:schemeClr val="accent1"/>
                 </a:solidFill>
               </a14:hiddenFill>
             </a:ext>
             <a:ext uri="{91240B29-F687-4f45-9708-019B960494DF}">
-              <a14:hiddenLine xmlns:a14="http://schemas.microsoft.com/office/drawing/2010/main" xmlns="" w="9525">
+              <a14:hiddenLine xmlns="" xmlns:a14="http://schemas.microsoft.com/office/drawing/2010/main" w="9525">
                 <a:solidFill>
                   <a:schemeClr val="tx1"/>
                 </a:solidFill>
@@ -4562,7 +8262,7 @@
               </a14:hiddenLine>
             </a:ext>
             <a:ext uri="{AF507438-7753-43e0-B8FC-AC1667EBCBE1}">
-              <a14:hiddenEffects xmlns:a14="http://schemas.microsoft.com/office/drawing/2010/main" xmlns="">
+              <a14:hiddenEffects xmlns="" xmlns:a14="http://schemas.microsoft.com/office/drawing/2010/main">
                 <a:effectLst>
                   <a:outerShdw dist="35921" dir="2700000" algn="ctr" rotWithShape="0">
                     <a:schemeClr val="bg2"/>
@@ -4627,14 +8327,14 @@
           </a:ln>
           <a:extLst>
             <a:ext uri="{909E8E84-426E-40dd-AFC4-6F175D3DCCD1}">
-              <a14:hiddenFill xmlns:a14="http://schemas.microsoft.com/office/drawing/2010/main" xmlns="">
+              <a14:hiddenFill xmlns="" xmlns:a14="http://schemas.microsoft.com/office/drawing/2010/main">
                 <a:solidFill>
                   <a:srgbClr val="FFFFFF"/>
                 </a:solidFill>
               </a14:hiddenFill>
             </a:ext>
             <a:ext uri="{91240B29-F687-4f45-9708-019B960494DF}">
-              <a14:hiddenLine xmlns:a14="http://schemas.microsoft.com/office/drawing/2010/main" xmlns="" w="9525">
+              <a14:hiddenLine xmlns="" xmlns:a14="http://schemas.microsoft.com/office/drawing/2010/main" w="9525">
                 <a:solidFill>
                   <a:srgbClr val="000000"/>
                 </a:solidFill>
@@ -5138,14 +8838,14 @@
           </a:ln>
           <a:extLst>
             <a:ext uri="{909E8E84-426E-40dd-AFC4-6F175D3DCCD1}">
-              <a14:hiddenFill xmlns:a14="http://schemas.microsoft.com/office/drawing/2010/main" xmlns="">
+              <a14:hiddenFill xmlns="" xmlns:a14="http://schemas.microsoft.com/office/drawing/2010/main">
                 <a:solidFill>
                   <a:srgbClr val="FFFFFF"/>
                 </a:solidFill>
               </a14:hiddenFill>
             </a:ext>
             <a:ext uri="{91240B29-F687-4f45-9708-019B960494DF}">
-              <a14:hiddenLine xmlns:a14="http://schemas.microsoft.com/office/drawing/2010/main" xmlns="" w="9525">
+              <a14:hiddenLine xmlns="" xmlns:a14="http://schemas.microsoft.com/office/drawing/2010/main" w="9525">
                 <a:solidFill>
                   <a:srgbClr val="000000"/>
                 </a:solidFill>
@@ -5299,14 +8999,14 @@
           </a:ln>
           <a:extLst>
             <a:ext uri="{909E8E84-426E-40dd-AFC4-6F175D3DCCD1}">
-              <a14:hiddenFill xmlns:a14="http://schemas.microsoft.com/office/drawing/2010/main" xmlns="">
+              <a14:hiddenFill xmlns="" xmlns:a14="http://schemas.microsoft.com/office/drawing/2010/main">
                 <a:solidFill>
                   <a:srgbClr val="FFFFFF"/>
                 </a:solidFill>
               </a14:hiddenFill>
             </a:ext>
             <a:ext uri="{91240B29-F687-4f45-9708-019B960494DF}">
-              <a14:hiddenLine xmlns:a14="http://schemas.microsoft.com/office/drawing/2010/main" xmlns="" w="9525">
+              <a14:hiddenLine xmlns="" xmlns:a14="http://schemas.microsoft.com/office/drawing/2010/main" w="9525">
                 <a:solidFill>
                   <a:srgbClr val="000000"/>
                 </a:solidFill>
@@ -5457,6 +9157,273 @@
 </p:sld>
 </file>
 
+<file path=ppt/slides/slide10.xml><?xml version="1.0" encoding="utf-8"?>
+<p:sld xmlns:a="http://schemas.openxmlformats.org/drawingml/2006/main" xmlns:r="http://schemas.openxmlformats.org/officeDocument/2006/relationships" xmlns:p="http://schemas.openxmlformats.org/presentationml/2006/main">
+  <p:cSld>
+    <p:spTree>
+      <p:nvGrpSpPr>
+        <p:cNvPr id="1" name=""/>
+        <p:cNvGrpSpPr/>
+        <p:nvPr/>
+      </p:nvGrpSpPr>
+      <p:grpSpPr>
+        <a:xfrm>
+          <a:off x="0" y="0"/>
+          <a:ext cx="0" cy="0"/>
+          <a:chOff x="0" y="0"/>
+          <a:chExt cx="0" cy="0"/>
+        </a:xfrm>
+      </p:grpSpPr>
+      <p:sp>
+        <p:nvSpPr>
+          <p:cNvPr id="5" name="Titel 4"/>
+          <p:cNvSpPr>
+            <a:spLocks noGrp="1"/>
+          </p:cNvSpPr>
+          <p:nvPr>
+            <p:ph type="ctrTitle"/>
+          </p:nvPr>
+        </p:nvSpPr>
+        <p:spPr/>
+        <p:txBody>
+          <a:bodyPr/>
+          <a:lstStyle/>
+          <a:p>
+            <a:pPr algn="ctr"/>
+            <a:r>
+              <a:rPr lang="de-DE" dirty="0" smtClean="0"/>
+              <a:t>Vielen Dank für ihre Aufmerksamkeit</a:t>
+            </a:r>
+            <a:endParaRPr lang="de-DE" dirty="0"/>
+          </a:p>
+        </p:txBody>
+      </p:sp>
+      <p:sp>
+        <p:nvSpPr>
+          <p:cNvPr id="6" name="Untertitel 5"/>
+          <p:cNvSpPr>
+            <a:spLocks noGrp="1"/>
+          </p:cNvSpPr>
+          <p:nvPr>
+            <p:ph type="subTitle" idx="1"/>
+          </p:nvPr>
+        </p:nvSpPr>
+        <p:spPr/>
+        <p:txBody>
+          <a:bodyPr/>
+          <a:lstStyle/>
+          <a:p>
+            <a:r>
+              <a:rPr lang="de-DE" dirty="0" smtClean="0"/>
+              <a:t>Fragen?</a:t>
+            </a:r>
+          </a:p>
+          <a:p>
+            <a:endParaRPr lang="de-DE" dirty="0"/>
+          </a:p>
+          <a:p>
+            <a:r>
+              <a:rPr lang="de-DE" dirty="0"/>
+              <a:t>https://</a:t>
+            </a:r>
+            <a:r>
+              <a:rPr lang="de-DE" dirty="0" err="1"/>
+              <a:t>github.com</a:t>
+            </a:r>
+            <a:r>
+              <a:rPr lang="de-DE" dirty="0"/>
+              <a:t>/</a:t>
+            </a:r>
+            <a:r>
+              <a:rPr lang="de-DE" dirty="0" err="1"/>
+              <a:t>RaphaelManke</a:t>
+            </a:r>
+            <a:r>
+              <a:rPr lang="de-DE" dirty="0"/>
+              <a:t>/</a:t>
+            </a:r>
+            <a:r>
+              <a:rPr lang="de-DE" dirty="0" err="1"/>
+              <a:t>smw-docker.git</a:t>
+            </a:r>
+            <a:endParaRPr lang="de-DE" dirty="0"/>
+          </a:p>
+        </p:txBody>
+      </p:sp>
+      <p:sp>
+        <p:nvSpPr>
+          <p:cNvPr id="4" name="Fußzeilenplatzhalter 3"/>
+          <p:cNvSpPr>
+            <a:spLocks noGrp="1"/>
+          </p:cNvSpPr>
+          <p:nvPr>
+            <p:ph type="ftr" sz="quarter" idx="4294967295"/>
+          </p:nvPr>
+        </p:nvSpPr>
+        <p:spPr>
+          <a:xfrm>
+            <a:off x="0" y="6445250"/>
+            <a:ext cx="4248150" cy="360363"/>
+          </a:xfrm>
+        </p:spPr>
+        <p:txBody>
+          <a:bodyPr/>
+          <a:lstStyle/>
+          <a:p>
+            <a:r>
+              <a:rPr lang="en-US" altLang="de-DE" smtClean="0"/>
+              <a:t>Semantic MediaWiki Seminar – WS 17/18</a:t>
+            </a:r>
+            <a:endParaRPr lang="en-US" altLang="de-DE" dirty="0"/>
+          </a:p>
+        </p:txBody>
+      </p:sp>
+    </p:spTree>
+    <p:extLst>
+      <p:ext uri="{BB962C8B-B14F-4D97-AF65-F5344CB8AC3E}">
+        <p14:creationId xmlns:p14="http://schemas.microsoft.com/office/powerpoint/2010/main" val="1605587539"/>
+      </p:ext>
+    </p:extLst>
+  </p:cSld>
+  <p:clrMapOvr>
+    <a:masterClrMapping/>
+  </p:clrMapOvr>
+</p:sld>
+</file>
+
+<file path=ppt/slides/slide11.xml><?xml version="1.0" encoding="utf-8"?>
+<p:sld xmlns:a="http://schemas.openxmlformats.org/drawingml/2006/main" xmlns:r="http://schemas.openxmlformats.org/officeDocument/2006/relationships" xmlns:p="http://schemas.openxmlformats.org/presentationml/2006/main">
+  <p:cSld>
+    <p:spTree>
+      <p:nvGrpSpPr>
+        <p:cNvPr id="1" name=""/>
+        <p:cNvGrpSpPr/>
+        <p:nvPr/>
+      </p:nvGrpSpPr>
+      <p:grpSpPr>
+        <a:xfrm>
+          <a:off x="0" y="0"/>
+          <a:ext cx="0" cy="0"/>
+          <a:chOff x="0" y="0"/>
+          <a:chExt cx="0" cy="0"/>
+        </a:xfrm>
+      </p:grpSpPr>
+      <p:sp>
+        <p:nvSpPr>
+          <p:cNvPr id="2" name="Titel 1">
+            <a:extLst>
+              <a:ext uri="{FF2B5EF4-FFF2-40B4-BE49-F238E27FC236}">
+                <a16:creationId xmlns:a16="http://schemas.microsoft.com/office/drawing/2014/main" xmlns="" id="{5F1439E6-5777-49CD-B7EA-49B1E2AAA9DC}"/>
+              </a:ext>
+            </a:extLst>
+          </p:cNvPr>
+          <p:cNvSpPr>
+            <a:spLocks noGrp="1"/>
+          </p:cNvSpPr>
+          <p:nvPr>
+            <p:ph type="title"/>
+          </p:nvPr>
+        </p:nvSpPr>
+        <p:spPr/>
+        <p:txBody>
+          <a:bodyPr/>
+          <a:lstStyle/>
+          <a:p>
+            <a:r>
+              <a:rPr lang="de-DE" dirty="0"/>
+              <a:t>Was ist noch geplant?</a:t>
+            </a:r>
+          </a:p>
+        </p:txBody>
+      </p:sp>
+      <p:sp>
+        <p:nvSpPr>
+          <p:cNvPr id="3" name="Inhaltsplatzhalter 2">
+            <a:extLst>
+              <a:ext uri="{FF2B5EF4-FFF2-40B4-BE49-F238E27FC236}">
+                <a16:creationId xmlns:a16="http://schemas.microsoft.com/office/drawing/2014/main" xmlns="" id="{8F7CD21C-CBF7-45DC-A13A-36FF2602BCAA}"/>
+              </a:ext>
+            </a:extLst>
+          </p:cNvPr>
+          <p:cNvSpPr>
+            <a:spLocks noGrp="1"/>
+          </p:cNvSpPr>
+          <p:nvPr>
+            <p:ph idx="1"/>
+          </p:nvPr>
+        </p:nvSpPr>
+        <p:spPr/>
+        <p:txBody>
+          <a:bodyPr/>
+          <a:lstStyle/>
+          <a:p>
+            <a:r>
+              <a:rPr lang="de-DE" dirty="0"/>
+              <a:t>Node.js Container für UI ist noch nicht eingebunden</a:t>
+            </a:r>
+          </a:p>
+          <a:p>
+            <a:r>
+              <a:rPr lang="de-DE" dirty="0"/>
+              <a:t>Momentan muss </a:t>
+            </a:r>
+          </a:p>
+          <a:p>
+            <a:r>
+              <a:rPr lang="de-DE" dirty="0"/>
+              <a:t>Schwierig herauszufinden, welche Erweiterungen unterstützt werden können</a:t>
+            </a:r>
+          </a:p>
+          <a:p>
+            <a:pPr marL="0" indent="0">
+              <a:buNone/>
+            </a:pPr>
+            <a:endParaRPr lang="de-DE" dirty="0"/>
+          </a:p>
+        </p:txBody>
+      </p:sp>
+      <p:sp>
+        <p:nvSpPr>
+          <p:cNvPr id="4" name="Fußzeilenplatzhalter 3">
+            <a:extLst>
+              <a:ext uri="{FF2B5EF4-FFF2-40B4-BE49-F238E27FC236}">
+                <a16:creationId xmlns:a16="http://schemas.microsoft.com/office/drawing/2014/main" xmlns="" id="{425EEF06-7C69-4A4F-905A-7C8285B77A63}"/>
+              </a:ext>
+            </a:extLst>
+          </p:cNvPr>
+          <p:cNvSpPr>
+            <a:spLocks noGrp="1"/>
+          </p:cNvSpPr>
+          <p:nvPr>
+            <p:ph type="ftr" sz="quarter" idx="10"/>
+          </p:nvPr>
+        </p:nvSpPr>
+        <p:spPr/>
+        <p:txBody>
+          <a:bodyPr/>
+          <a:lstStyle/>
+          <a:p>
+            <a:r>
+              <a:rPr lang="en-US" altLang="de-DE"/>
+              <a:t>Semantic MediaWiki Seminar – WS 17/18</a:t>
+            </a:r>
+            <a:endParaRPr lang="en-US" altLang="de-DE" dirty="0"/>
+          </a:p>
+        </p:txBody>
+      </p:sp>
+    </p:spTree>
+    <p:extLst>
+      <p:ext uri="{BB962C8B-B14F-4D97-AF65-F5344CB8AC3E}">
+        <p14:creationId xmlns:p14="http://schemas.microsoft.com/office/powerpoint/2010/main" val="2757866602"/>
+      </p:ext>
+    </p:extLst>
+  </p:cSld>
+  <p:clrMapOvr>
+    <a:masterClrMapping/>
+  </p:clrMapOvr>
+</p:sld>
+</file>
+
 <file path=ppt/slides/slide2.xml><?xml version="1.0" encoding="utf-8"?>
 <p:sld xmlns:a="http://schemas.openxmlformats.org/drawingml/2006/main" xmlns:r="http://schemas.openxmlformats.org/officeDocument/2006/relationships" xmlns:p="http://schemas.openxmlformats.org/presentationml/2006/main">
   <p:cSld>
@@ -5479,7 +9446,7 @@
           <p:cNvPr id="2" name="Titel 1">
             <a:extLst>
               <a:ext uri="{FF2B5EF4-FFF2-40B4-BE49-F238E27FC236}">
-                <a16:creationId xmlns:a16="http://schemas.microsoft.com/office/drawing/2014/main" id="{454F2507-07A9-4426-870A-3BB4F9F5B6DE}"/>
+                <a16:creationId xmlns:a16="http://schemas.microsoft.com/office/drawing/2014/main" xmlns="" id="{454F2507-07A9-4426-870A-3BB4F9F5B6DE}"/>
               </a:ext>
             </a:extLst>
           </p:cNvPr>
@@ -5507,7 +9474,7 @@
           <p:cNvPr id="3" name="Inhaltsplatzhalter 2">
             <a:extLst>
               <a:ext uri="{FF2B5EF4-FFF2-40B4-BE49-F238E27FC236}">
-                <a16:creationId xmlns:a16="http://schemas.microsoft.com/office/drawing/2014/main" id="{F8D40B9A-76C5-4210-A775-47E9E102BDC4}"/>
+                <a16:creationId xmlns:a16="http://schemas.microsoft.com/office/drawing/2014/main" xmlns="" id="{F8D40B9A-76C5-4210-A775-47E9E102BDC4}"/>
               </a:ext>
             </a:extLst>
           </p:cNvPr>
@@ -5571,7 +9538,7 @@
           <p:cNvPr id="4" name="Fußzeilenplatzhalter 3">
             <a:extLst>
               <a:ext uri="{FF2B5EF4-FFF2-40B4-BE49-F238E27FC236}">
-                <a16:creationId xmlns:a16="http://schemas.microsoft.com/office/drawing/2014/main" id="{FE4D2771-6427-4B2B-BDF5-B7D9C1B2785A}"/>
+                <a16:creationId xmlns:a16="http://schemas.microsoft.com/office/drawing/2014/main" xmlns="" id="{FE4D2771-6427-4B2B-BDF5-B7D9C1B2785A}"/>
               </a:ext>
             </a:extLst>
           </p:cNvPr>
@@ -5600,7 +9567,7 @@
           <p:cNvPr id="5" name="Grafik 4">
             <a:extLst>
               <a:ext uri="{FF2B5EF4-FFF2-40B4-BE49-F238E27FC236}">
-                <a16:creationId xmlns:a16="http://schemas.microsoft.com/office/drawing/2014/main" id="{4CFA691A-4425-48C6-8C6C-C09C89E8D6CA}"/>
+                <a16:creationId xmlns:a16="http://schemas.microsoft.com/office/drawing/2014/main" xmlns="" id="{4CFA691A-4425-48C6-8C6C-C09C89E8D6CA}"/>
               </a:ext>
             </a:extLst>
           </p:cNvPr>
@@ -5657,10 +9624,1844 @@
       </p:grpSpPr>
       <p:sp>
         <p:nvSpPr>
+          <p:cNvPr id="2" name="Titel 1"/>
+          <p:cNvSpPr>
+            <a:spLocks noGrp="1"/>
+          </p:cNvSpPr>
+          <p:nvPr>
+            <p:ph type="title"/>
+          </p:nvPr>
+        </p:nvSpPr>
+        <p:spPr/>
+        <p:txBody>
+          <a:bodyPr/>
+          <a:lstStyle/>
+          <a:p>
+            <a:r>
+              <a:rPr lang="de-DE" dirty="0" smtClean="0"/>
+              <a:t>Ziele</a:t>
+            </a:r>
+            <a:endParaRPr lang="de-DE" dirty="0"/>
+          </a:p>
+        </p:txBody>
+      </p:sp>
+      <p:sp>
+        <p:nvSpPr>
+          <p:cNvPr id="3" name="Inhaltsplatzhalter 2"/>
+          <p:cNvSpPr>
+            <a:spLocks noGrp="1"/>
+          </p:cNvSpPr>
+          <p:nvPr>
+            <p:ph idx="1"/>
+          </p:nvPr>
+        </p:nvSpPr>
+        <p:spPr/>
+        <p:txBody>
+          <a:bodyPr/>
+          <a:lstStyle/>
+          <a:p>
+            <a:r>
+              <a:rPr lang="de-DE" dirty="0" smtClean="0"/>
+              <a:t>einfache Möglichkeit ein Semantik </a:t>
+            </a:r>
+            <a:r>
+              <a:rPr lang="de-DE" dirty="0" err="1" smtClean="0"/>
+              <a:t>MediaWiki</a:t>
+            </a:r>
+            <a:r>
+              <a:rPr lang="de-DE" dirty="0" smtClean="0"/>
+              <a:t> aufzusetzen </a:t>
+            </a:r>
+          </a:p>
+          <a:p>
+            <a:pPr lvl="1"/>
+            <a:r>
+              <a:rPr lang="de-DE" dirty="0" smtClean="0"/>
+              <a:t>zum Testen / Ausprobieren</a:t>
+            </a:r>
+          </a:p>
+          <a:p>
+            <a:pPr lvl="1"/>
+            <a:r>
+              <a:rPr lang="de-DE" dirty="0" smtClean="0"/>
+              <a:t>Demonstrationen</a:t>
+            </a:r>
+          </a:p>
+          <a:p>
+            <a:pPr lvl="1"/>
+            <a:r>
+              <a:rPr lang="de-DE" dirty="0" smtClean="0"/>
+              <a:t>Entwicklungsumgebung</a:t>
+            </a:r>
+          </a:p>
+          <a:p>
+            <a:pPr lvl="1"/>
+            <a:r>
+              <a:rPr lang="de-DE" dirty="0" err="1" smtClean="0"/>
+              <a:t>Deployment</a:t>
+            </a:r>
+            <a:endParaRPr lang="de-DE" dirty="0" smtClean="0"/>
+          </a:p>
+          <a:p>
+            <a:r>
+              <a:rPr lang="de-DE" dirty="0" smtClean="0"/>
+              <a:t>„Baukastensystem“ für den Benutzer</a:t>
+            </a:r>
+          </a:p>
+          <a:p>
+            <a:pPr lvl="1"/>
+            <a:r>
+              <a:rPr lang="de-DE" dirty="0" smtClean="0"/>
+              <a:t>Oberfläche zum konfigurieren </a:t>
+            </a:r>
+          </a:p>
+          <a:p>
+            <a:pPr lvl="1"/>
+            <a:r>
+              <a:rPr lang="de-DE" dirty="0" err="1" smtClean="0"/>
+              <a:t>click</a:t>
+            </a:r>
+            <a:r>
+              <a:rPr lang="de-DE" dirty="0" smtClean="0"/>
+              <a:t> &amp; </a:t>
+            </a:r>
+            <a:r>
+              <a:rPr lang="de-DE" dirty="0" err="1" smtClean="0"/>
+              <a:t>run</a:t>
+            </a:r>
+            <a:endParaRPr lang="de-DE" dirty="0" smtClean="0"/>
+          </a:p>
+          <a:p>
+            <a:r>
+              <a:rPr lang="de-DE" dirty="0" smtClean="0"/>
+              <a:t>Migration „alter“ Semantik Media Wikis</a:t>
+            </a:r>
+          </a:p>
+          <a:p>
+            <a:pPr lvl="1"/>
+            <a:r>
+              <a:rPr lang="de-DE" dirty="0" smtClean="0"/>
+              <a:t>einspielen einer Datenbank</a:t>
+            </a:r>
+          </a:p>
+          <a:p>
+            <a:pPr lvl="1"/>
+            <a:r>
+              <a:rPr lang="de-DE" dirty="0" smtClean="0"/>
+              <a:t>Update auf neuste Version</a:t>
+            </a:r>
+            <a:endParaRPr lang="de-DE" dirty="0"/>
+          </a:p>
+        </p:txBody>
+      </p:sp>
+      <p:sp>
+        <p:nvSpPr>
+          <p:cNvPr id="4" name="Fußzeilenplatzhalter 3"/>
+          <p:cNvSpPr>
+            <a:spLocks noGrp="1"/>
+          </p:cNvSpPr>
+          <p:nvPr>
+            <p:ph type="ftr" sz="quarter" idx="10"/>
+          </p:nvPr>
+        </p:nvSpPr>
+        <p:spPr/>
+        <p:txBody>
+          <a:bodyPr/>
+          <a:lstStyle/>
+          <a:p>
+            <a:r>
+              <a:rPr lang="en-US" altLang="de-DE" smtClean="0"/>
+              <a:t>Semantic MediaWiki Seminar – WS 17/18</a:t>
+            </a:r>
+            <a:endParaRPr lang="en-US" altLang="de-DE" dirty="0"/>
+          </a:p>
+        </p:txBody>
+      </p:sp>
+    </p:spTree>
+    <p:extLst>
+      <p:ext uri="{BB962C8B-B14F-4D97-AF65-F5344CB8AC3E}">
+        <p14:creationId xmlns:p14="http://schemas.microsoft.com/office/powerpoint/2010/main" val="1055777963"/>
+      </p:ext>
+    </p:extLst>
+  </p:cSld>
+  <p:clrMapOvr>
+    <a:masterClrMapping/>
+  </p:clrMapOvr>
+</p:sld>
+</file>
+
+<file path=ppt/slides/slide4.xml><?xml version="1.0" encoding="utf-8"?>
+<p:sld xmlns:a="http://schemas.openxmlformats.org/drawingml/2006/main" xmlns:r="http://schemas.openxmlformats.org/officeDocument/2006/relationships" xmlns:p="http://schemas.openxmlformats.org/presentationml/2006/main">
+  <p:cSld>
+    <p:spTree>
+      <p:nvGrpSpPr>
+        <p:cNvPr id="1" name=""/>
+        <p:cNvGrpSpPr/>
+        <p:nvPr/>
+      </p:nvGrpSpPr>
+      <p:grpSpPr>
+        <a:xfrm>
+          <a:off x="0" y="0"/>
+          <a:ext cx="0" cy="0"/>
+          <a:chOff x="0" y="0"/>
+          <a:chExt cx="0" cy="0"/>
+        </a:xfrm>
+      </p:grpSpPr>
+      <p:sp>
+        <p:nvSpPr>
+          <p:cNvPr id="2" name="Titel 1"/>
+          <p:cNvSpPr>
+            <a:spLocks noGrp="1"/>
+          </p:cNvSpPr>
+          <p:nvPr>
+            <p:ph type="title"/>
+          </p:nvPr>
+        </p:nvSpPr>
+        <p:spPr/>
+        <p:txBody>
+          <a:bodyPr/>
+          <a:lstStyle/>
+          <a:p>
+            <a:r>
+              <a:rPr lang="de-DE" dirty="0" smtClean="0"/>
+              <a:t>Bare </a:t>
+            </a:r>
+            <a:r>
+              <a:rPr lang="de-DE" dirty="0" err="1" smtClean="0"/>
+              <a:t>Metal</a:t>
+            </a:r>
+            <a:r>
+              <a:rPr lang="de-DE" dirty="0" smtClean="0"/>
+              <a:t> vs. VM vs. Docker</a:t>
+            </a:r>
+            <a:endParaRPr lang="de-DE" dirty="0"/>
+          </a:p>
+        </p:txBody>
+      </p:sp>
+      <p:sp>
+        <p:nvSpPr>
+          <p:cNvPr id="4" name="Fußzeilenplatzhalter 3"/>
+          <p:cNvSpPr>
+            <a:spLocks noGrp="1"/>
+          </p:cNvSpPr>
+          <p:nvPr>
+            <p:ph type="ftr" sz="quarter" idx="10"/>
+          </p:nvPr>
+        </p:nvSpPr>
+        <p:spPr/>
+        <p:txBody>
+          <a:bodyPr/>
+          <a:lstStyle/>
+          <a:p>
+            <a:r>
+              <a:rPr lang="en-US" altLang="de-DE" smtClean="0"/>
+              <a:t>Semantic MediaWiki Seminar – WS 17/18</a:t>
+            </a:r>
+            <a:endParaRPr lang="en-US" altLang="de-DE" dirty="0"/>
+          </a:p>
+        </p:txBody>
+      </p:sp>
+      <p:sp>
+        <p:nvSpPr>
+          <p:cNvPr id="6" name="Abgerundetes Rechteck 5"/>
+          <p:cNvSpPr/>
+          <p:nvPr/>
+        </p:nvSpPr>
+        <p:spPr>
+          <a:xfrm>
+            <a:off x="390525" y="1268760"/>
+            <a:ext cx="1229147" cy="1080120"/>
+          </a:xfrm>
+          <a:prstGeom prst="roundRect">
+            <a:avLst/>
+          </a:prstGeom>
+        </p:spPr>
+        <p:style>
+          <a:lnRef idx="2">
+            <a:schemeClr val="accent1">
+              <a:shade val="50000"/>
+            </a:schemeClr>
+          </a:lnRef>
+          <a:fillRef idx="1">
+            <a:schemeClr val="accent1"/>
+          </a:fillRef>
+          <a:effectRef idx="0">
+            <a:schemeClr val="accent1"/>
+          </a:effectRef>
+          <a:fontRef idx="minor">
+            <a:schemeClr val="lt1"/>
+          </a:fontRef>
+        </p:style>
+        <p:txBody>
+          <a:bodyPr rtlCol="0" anchor="ctr"/>
+          <a:lstStyle/>
+          <a:p>
+            <a:pPr algn="ctr"/>
+            <a:endParaRPr lang="de-DE"/>
+          </a:p>
+        </p:txBody>
+      </p:sp>
+      <p:sp>
+        <p:nvSpPr>
+          <p:cNvPr id="7" name="Textfeld 6"/>
+          <p:cNvSpPr txBox="1"/>
+          <p:nvPr/>
+        </p:nvSpPr>
+        <p:spPr>
+          <a:xfrm>
+            <a:off x="390524" y="2492896"/>
+            <a:ext cx="2309267" cy="1446550"/>
+          </a:xfrm>
+          <a:prstGeom prst="rect">
+            <a:avLst/>
+          </a:prstGeom>
+          <a:noFill/>
+        </p:spPr>
+        <p:txBody>
+          <a:bodyPr wrap="square" rtlCol="0">
+            <a:spAutoFit/>
+          </a:bodyPr>
+          <a:lstStyle/>
+          <a:p>
+            <a:pPr algn="ctr"/>
+            <a:r>
+              <a:rPr lang="de-DE" dirty="0" smtClean="0"/>
+              <a:t>physischer Server</a:t>
+            </a:r>
+          </a:p>
+          <a:p>
+            <a:pPr marL="285750" indent="-285750">
+              <a:buFontTx/>
+              <a:buChar char="-"/>
+            </a:pPr>
+            <a:r>
+              <a:rPr lang="de-DE" sz="1400" dirty="0" smtClean="0"/>
+              <a:t>hohe Betriebskosten</a:t>
+            </a:r>
+          </a:p>
+          <a:p>
+            <a:pPr marL="285750" indent="-285750">
+              <a:buFontTx/>
+              <a:buChar char="-"/>
+            </a:pPr>
+            <a:r>
+              <a:rPr lang="de-DE" sz="1400" dirty="0" smtClean="0"/>
+              <a:t>ineffiziente </a:t>
+            </a:r>
+            <a:r>
+              <a:rPr lang="de-DE" sz="1400" dirty="0" err="1" smtClean="0"/>
+              <a:t>Ressourecen</a:t>
+            </a:r>
+            <a:r>
+              <a:rPr lang="de-DE" sz="1400" dirty="0" smtClean="0"/>
+              <a:t>-auslastung</a:t>
+            </a:r>
+          </a:p>
+          <a:p>
+            <a:pPr marL="285750" indent="-285750">
+              <a:buFontTx/>
+              <a:buChar char="-"/>
+            </a:pPr>
+            <a:r>
+              <a:rPr lang="de-DE" sz="1400" dirty="0" smtClean="0"/>
+              <a:t>schlecht zu skalieren</a:t>
+            </a:r>
+            <a:endParaRPr lang="de-DE" sz="1400" dirty="0"/>
+          </a:p>
+        </p:txBody>
+      </p:sp>
+      <p:sp>
+        <p:nvSpPr>
+          <p:cNvPr id="8" name="Abgerundetes Rechteck 7"/>
+          <p:cNvSpPr/>
+          <p:nvPr/>
+        </p:nvSpPr>
+        <p:spPr>
+          <a:xfrm>
+            <a:off x="562995" y="1916832"/>
+            <a:ext cx="894956" cy="337538"/>
+          </a:xfrm>
+          <a:prstGeom prst="roundRect">
+            <a:avLst/>
+          </a:prstGeom>
+          <a:ln>
+            <a:solidFill>
+              <a:schemeClr val="accent2"/>
+            </a:solidFill>
+          </a:ln>
+        </p:spPr>
+        <p:style>
+          <a:lnRef idx="2">
+            <a:schemeClr val="accent1">
+              <a:shade val="50000"/>
+            </a:schemeClr>
+          </a:lnRef>
+          <a:fillRef idx="1">
+            <a:schemeClr val="accent1"/>
+          </a:fillRef>
+          <a:effectRef idx="0">
+            <a:schemeClr val="accent1"/>
+          </a:effectRef>
+          <a:fontRef idx="minor">
+            <a:schemeClr val="lt1"/>
+          </a:fontRef>
+        </p:style>
+        <p:txBody>
+          <a:bodyPr rtlCol="0" anchor="ctr"/>
+          <a:lstStyle/>
+          <a:p>
+            <a:pPr algn="ctr"/>
+            <a:r>
+              <a:rPr lang="de-DE" dirty="0" smtClean="0"/>
+              <a:t>OS</a:t>
+            </a:r>
+            <a:endParaRPr lang="de-DE" dirty="0"/>
+          </a:p>
+        </p:txBody>
+      </p:sp>
+      <p:sp>
+        <p:nvSpPr>
+          <p:cNvPr id="9" name="Abgerundetes Rechteck 8"/>
+          <p:cNvSpPr/>
+          <p:nvPr/>
+        </p:nvSpPr>
+        <p:spPr>
+          <a:xfrm>
+            <a:off x="562995" y="1412776"/>
+            <a:ext cx="894954" cy="405045"/>
+          </a:xfrm>
+          <a:prstGeom prst="roundRect">
+            <a:avLst/>
+          </a:prstGeom>
+          <a:ln>
+            <a:solidFill>
+              <a:srgbClr val="C00000"/>
+            </a:solidFill>
+          </a:ln>
+        </p:spPr>
+        <p:style>
+          <a:lnRef idx="2">
+            <a:schemeClr val="accent1">
+              <a:shade val="50000"/>
+            </a:schemeClr>
+          </a:lnRef>
+          <a:fillRef idx="1">
+            <a:schemeClr val="accent1"/>
+          </a:fillRef>
+          <a:effectRef idx="0">
+            <a:schemeClr val="accent1"/>
+          </a:effectRef>
+          <a:fontRef idx="minor">
+            <a:schemeClr val="lt1"/>
+          </a:fontRef>
+        </p:style>
+        <p:txBody>
+          <a:bodyPr rtlCol="0" anchor="ctr"/>
+          <a:lstStyle/>
+          <a:p>
+            <a:pPr algn="ctr"/>
+            <a:r>
+              <a:rPr lang="de-DE" dirty="0" smtClean="0"/>
+              <a:t>App A</a:t>
+            </a:r>
+            <a:endParaRPr lang="de-DE" dirty="0"/>
+          </a:p>
+        </p:txBody>
+      </p:sp>
+      <p:sp>
+        <p:nvSpPr>
+          <p:cNvPr id="14" name="Abgerundetes Rechteck 13"/>
+          <p:cNvSpPr/>
+          <p:nvPr/>
+        </p:nvSpPr>
+        <p:spPr>
+          <a:xfrm>
+            <a:off x="2815354" y="2313166"/>
+            <a:ext cx="2548734" cy="1980540"/>
+          </a:xfrm>
+          <a:prstGeom prst="roundRect">
+            <a:avLst/>
+          </a:prstGeom>
+        </p:spPr>
+        <p:style>
+          <a:lnRef idx="2">
+            <a:schemeClr val="accent1">
+              <a:shade val="50000"/>
+            </a:schemeClr>
+          </a:lnRef>
+          <a:fillRef idx="1">
+            <a:schemeClr val="accent1"/>
+          </a:fillRef>
+          <a:effectRef idx="0">
+            <a:schemeClr val="accent1"/>
+          </a:effectRef>
+          <a:fontRef idx="minor">
+            <a:schemeClr val="lt1"/>
+          </a:fontRef>
+        </p:style>
+        <p:txBody>
+          <a:bodyPr rtlCol="0" anchor="ctr"/>
+          <a:lstStyle/>
+          <a:p>
+            <a:pPr algn="ctr"/>
+            <a:endParaRPr lang="de-DE"/>
+          </a:p>
+        </p:txBody>
+      </p:sp>
+      <p:sp>
+        <p:nvSpPr>
+          <p:cNvPr id="15" name="Textfeld 14"/>
+          <p:cNvSpPr txBox="1"/>
+          <p:nvPr/>
+        </p:nvSpPr>
+        <p:spPr>
+          <a:xfrm>
+            <a:off x="2815353" y="4293706"/>
+            <a:ext cx="2309267" cy="1877437"/>
+          </a:xfrm>
+          <a:prstGeom prst="rect">
+            <a:avLst/>
+          </a:prstGeom>
+          <a:noFill/>
+        </p:spPr>
+        <p:txBody>
+          <a:bodyPr wrap="square" rtlCol="0">
+            <a:spAutoFit/>
+          </a:bodyPr>
+          <a:lstStyle/>
+          <a:p>
+            <a:pPr algn="ctr"/>
+            <a:r>
+              <a:rPr lang="de-DE" dirty="0" smtClean="0"/>
+              <a:t>VM Server</a:t>
+            </a:r>
+          </a:p>
+          <a:p>
+            <a:pPr marL="285750" indent="-285750">
+              <a:buFontTx/>
+              <a:buChar char="-"/>
+            </a:pPr>
+            <a:r>
+              <a:rPr lang="de-DE" sz="1400" dirty="0" smtClean="0"/>
+              <a:t>mehrere Anwendungen parallel </a:t>
+            </a:r>
+          </a:p>
+          <a:p>
+            <a:pPr marL="285750" indent="-285750">
+              <a:buFontTx/>
+              <a:buChar char="-"/>
+            </a:pPr>
+            <a:r>
+              <a:rPr lang="de-DE" sz="1400" dirty="0" smtClean="0"/>
+              <a:t>leichtere Verteilung</a:t>
+            </a:r>
+          </a:p>
+          <a:p>
+            <a:pPr marL="285750" indent="-285750">
+              <a:buFontTx/>
+              <a:buChar char="-"/>
+            </a:pPr>
+            <a:r>
+              <a:rPr lang="de-DE" sz="1400" dirty="0" smtClean="0"/>
+              <a:t>fixe Ressourcen-Verteilung</a:t>
+            </a:r>
+          </a:p>
+          <a:p>
+            <a:pPr marL="285750" indent="-285750">
+              <a:buFontTx/>
+              <a:buChar char="-"/>
+            </a:pPr>
+            <a:r>
+              <a:rPr lang="de-DE" sz="1400" dirty="0" smtClean="0"/>
+              <a:t>Gast OS notwendig</a:t>
+            </a:r>
+          </a:p>
+          <a:p>
+            <a:pPr marL="285750" indent="-285750">
+              <a:buFontTx/>
+              <a:buChar char="-"/>
+            </a:pPr>
+            <a:endParaRPr lang="de-DE" sz="1400" dirty="0"/>
+          </a:p>
+        </p:txBody>
+      </p:sp>
+      <p:sp>
+        <p:nvSpPr>
+          <p:cNvPr id="16" name="Abgerundetes Rechteck 15"/>
+          <p:cNvSpPr/>
+          <p:nvPr/>
+        </p:nvSpPr>
+        <p:spPr>
+          <a:xfrm>
+            <a:off x="2987824" y="3890758"/>
+            <a:ext cx="2039922" cy="337538"/>
+          </a:xfrm>
+          <a:prstGeom prst="roundRect">
+            <a:avLst/>
+          </a:prstGeom>
+          <a:ln>
+            <a:solidFill>
+              <a:schemeClr val="accent2"/>
+            </a:solidFill>
+          </a:ln>
+        </p:spPr>
+        <p:style>
+          <a:lnRef idx="2">
+            <a:schemeClr val="accent1">
+              <a:shade val="50000"/>
+            </a:schemeClr>
+          </a:lnRef>
+          <a:fillRef idx="1">
+            <a:schemeClr val="accent1"/>
+          </a:fillRef>
+          <a:effectRef idx="0">
+            <a:schemeClr val="accent1"/>
+          </a:effectRef>
+          <a:fontRef idx="minor">
+            <a:schemeClr val="lt1"/>
+          </a:fontRef>
+        </p:style>
+        <p:txBody>
+          <a:bodyPr rtlCol="0" anchor="ctr"/>
+          <a:lstStyle/>
+          <a:p>
+            <a:pPr algn="ctr"/>
+            <a:r>
+              <a:rPr lang="de-DE" dirty="0" smtClean="0"/>
+              <a:t>  Betriebssystem</a:t>
+            </a:r>
+            <a:endParaRPr lang="de-DE" dirty="0"/>
+          </a:p>
+        </p:txBody>
+      </p:sp>
+      <p:sp>
+        <p:nvSpPr>
+          <p:cNvPr id="17" name="Abgerundetes Rechteck 16"/>
+          <p:cNvSpPr/>
+          <p:nvPr/>
+        </p:nvSpPr>
+        <p:spPr>
+          <a:xfrm>
+            <a:off x="2951820" y="2457183"/>
+            <a:ext cx="648072" cy="899809"/>
+          </a:xfrm>
+          <a:prstGeom prst="roundRect">
+            <a:avLst/>
+          </a:prstGeom>
+          <a:ln>
+            <a:solidFill>
+              <a:srgbClr val="C00000"/>
+            </a:solidFill>
+          </a:ln>
+        </p:spPr>
+        <p:style>
+          <a:lnRef idx="2">
+            <a:schemeClr val="accent1">
+              <a:shade val="50000"/>
+            </a:schemeClr>
+          </a:lnRef>
+          <a:fillRef idx="1">
+            <a:schemeClr val="accent1"/>
+          </a:fillRef>
+          <a:effectRef idx="0">
+            <a:schemeClr val="accent1"/>
+          </a:effectRef>
+          <a:fontRef idx="minor">
+            <a:schemeClr val="lt1"/>
+          </a:fontRef>
+        </p:style>
+        <p:txBody>
+          <a:bodyPr lIns="0" rIns="0" rtlCol="0" anchor="ctr"/>
+          <a:lstStyle/>
+          <a:p>
+            <a:pPr algn="ctr"/>
+            <a:r>
+              <a:rPr lang="de-DE" dirty="0" smtClean="0"/>
+              <a:t>App A</a:t>
+            </a:r>
+            <a:endParaRPr lang="de-DE" dirty="0"/>
+          </a:p>
+        </p:txBody>
+      </p:sp>
+      <p:sp>
+        <p:nvSpPr>
+          <p:cNvPr id="18" name="Abgerundetes Rechteck 17"/>
+          <p:cNvSpPr/>
+          <p:nvPr/>
+        </p:nvSpPr>
+        <p:spPr>
+          <a:xfrm>
+            <a:off x="3743551" y="2457183"/>
+            <a:ext cx="648072" cy="899809"/>
+          </a:xfrm>
+          <a:prstGeom prst="roundRect">
+            <a:avLst/>
+          </a:prstGeom>
+          <a:ln>
+            <a:solidFill>
+              <a:srgbClr val="C00000"/>
+            </a:solidFill>
+          </a:ln>
+        </p:spPr>
+        <p:style>
+          <a:lnRef idx="2">
+            <a:schemeClr val="accent1">
+              <a:shade val="50000"/>
+            </a:schemeClr>
+          </a:lnRef>
+          <a:fillRef idx="1">
+            <a:schemeClr val="accent1"/>
+          </a:fillRef>
+          <a:effectRef idx="0">
+            <a:schemeClr val="accent1"/>
+          </a:effectRef>
+          <a:fontRef idx="minor">
+            <a:schemeClr val="lt1"/>
+          </a:fontRef>
+        </p:style>
+        <p:txBody>
+          <a:bodyPr lIns="0" rIns="0" rtlCol="0" anchor="ctr"/>
+          <a:lstStyle/>
+          <a:p>
+            <a:pPr algn="ctr"/>
+            <a:r>
+              <a:rPr lang="de-DE" dirty="0" smtClean="0"/>
+              <a:t>App B</a:t>
+            </a:r>
+            <a:endParaRPr lang="de-DE" dirty="0"/>
+          </a:p>
+        </p:txBody>
+      </p:sp>
+      <p:sp>
+        <p:nvSpPr>
+          <p:cNvPr id="19" name="Abgerundetes Rechteck 18"/>
+          <p:cNvSpPr/>
+          <p:nvPr/>
+        </p:nvSpPr>
+        <p:spPr>
+          <a:xfrm>
+            <a:off x="4548302" y="2457183"/>
+            <a:ext cx="648072" cy="899809"/>
+          </a:xfrm>
+          <a:prstGeom prst="roundRect">
+            <a:avLst/>
+          </a:prstGeom>
+          <a:ln>
+            <a:solidFill>
+              <a:srgbClr val="C00000"/>
+            </a:solidFill>
+          </a:ln>
+        </p:spPr>
+        <p:style>
+          <a:lnRef idx="2">
+            <a:schemeClr val="accent1">
+              <a:shade val="50000"/>
+            </a:schemeClr>
+          </a:lnRef>
+          <a:fillRef idx="1">
+            <a:schemeClr val="accent1"/>
+          </a:fillRef>
+          <a:effectRef idx="0">
+            <a:schemeClr val="accent1"/>
+          </a:effectRef>
+          <a:fontRef idx="minor">
+            <a:schemeClr val="lt1"/>
+          </a:fontRef>
+        </p:style>
+        <p:txBody>
+          <a:bodyPr lIns="0" rIns="0" rtlCol="0" anchor="ctr"/>
+          <a:lstStyle/>
+          <a:p>
+            <a:pPr algn="ctr"/>
+            <a:r>
+              <a:rPr lang="de-DE" dirty="0" smtClean="0"/>
+              <a:t>App C</a:t>
+            </a:r>
+            <a:endParaRPr lang="de-DE" dirty="0"/>
+          </a:p>
+        </p:txBody>
+      </p:sp>
+      <p:sp>
+        <p:nvSpPr>
+          <p:cNvPr id="20" name="Abgerundetes Rechteck 19"/>
+          <p:cNvSpPr/>
+          <p:nvPr/>
+        </p:nvSpPr>
+        <p:spPr>
+          <a:xfrm>
+            <a:off x="2915816" y="2348880"/>
+            <a:ext cx="720080" cy="1440160"/>
+          </a:xfrm>
+          <a:prstGeom prst="roundRect">
+            <a:avLst/>
+          </a:prstGeom>
+          <a:noFill/>
+          <a:ln>
+            <a:solidFill>
+              <a:srgbClr val="82BE3C"/>
+            </a:solidFill>
+          </a:ln>
+        </p:spPr>
+        <p:style>
+          <a:lnRef idx="2">
+            <a:schemeClr val="accent1"/>
+          </a:lnRef>
+          <a:fillRef idx="1">
+            <a:schemeClr val="lt1"/>
+          </a:fillRef>
+          <a:effectRef idx="0">
+            <a:schemeClr val="accent1"/>
+          </a:effectRef>
+          <a:fontRef idx="minor">
+            <a:schemeClr val="dk1"/>
+          </a:fontRef>
+        </p:style>
+        <p:txBody>
+          <a:bodyPr rtlCol="0" anchor="b"/>
+          <a:lstStyle/>
+          <a:p>
+            <a:pPr algn="ctr"/>
+            <a:r>
+              <a:rPr lang="de-DE" dirty="0" smtClean="0">
+                <a:solidFill>
+                  <a:schemeClr val="bg1"/>
+                </a:solidFill>
+              </a:rPr>
+              <a:t>OS</a:t>
+            </a:r>
+            <a:endParaRPr lang="de-DE" dirty="0">
+              <a:solidFill>
+                <a:schemeClr val="bg1"/>
+              </a:solidFill>
+            </a:endParaRPr>
+          </a:p>
+        </p:txBody>
+      </p:sp>
+      <p:sp>
+        <p:nvSpPr>
+          <p:cNvPr id="21" name="Abgerundetes Rechteck 20"/>
+          <p:cNvSpPr/>
+          <p:nvPr/>
+        </p:nvSpPr>
+        <p:spPr>
+          <a:xfrm>
+            <a:off x="3683748" y="2348880"/>
+            <a:ext cx="767679" cy="1440160"/>
+          </a:xfrm>
+          <a:prstGeom prst="roundRect">
+            <a:avLst/>
+          </a:prstGeom>
+          <a:noFill/>
+          <a:ln>
+            <a:solidFill>
+              <a:srgbClr val="82BE3C"/>
+            </a:solidFill>
+          </a:ln>
+        </p:spPr>
+        <p:style>
+          <a:lnRef idx="2">
+            <a:schemeClr val="accent1"/>
+          </a:lnRef>
+          <a:fillRef idx="1">
+            <a:schemeClr val="lt1"/>
+          </a:fillRef>
+          <a:effectRef idx="0">
+            <a:schemeClr val="accent1"/>
+          </a:effectRef>
+          <a:fontRef idx="minor">
+            <a:schemeClr val="dk1"/>
+          </a:fontRef>
+        </p:style>
+        <p:txBody>
+          <a:bodyPr rtlCol="0" anchor="b"/>
+          <a:lstStyle/>
+          <a:p>
+            <a:pPr algn="ctr"/>
+            <a:r>
+              <a:rPr lang="de-DE" dirty="0" smtClean="0">
+                <a:solidFill>
+                  <a:schemeClr val="bg1"/>
+                </a:solidFill>
+              </a:rPr>
+              <a:t>OS</a:t>
+            </a:r>
+            <a:endParaRPr lang="de-DE" dirty="0">
+              <a:solidFill>
+                <a:schemeClr val="bg1"/>
+              </a:solidFill>
+            </a:endParaRPr>
+          </a:p>
+        </p:txBody>
+      </p:sp>
+      <p:sp>
+        <p:nvSpPr>
+          <p:cNvPr id="22" name="Abgerundetes Rechteck 21"/>
+          <p:cNvSpPr/>
+          <p:nvPr/>
+        </p:nvSpPr>
+        <p:spPr>
+          <a:xfrm>
+            <a:off x="4499992" y="2359949"/>
+            <a:ext cx="744946" cy="1440160"/>
+          </a:xfrm>
+          <a:prstGeom prst="roundRect">
+            <a:avLst/>
+          </a:prstGeom>
+          <a:noFill/>
+          <a:ln>
+            <a:solidFill>
+              <a:srgbClr val="82BE3C"/>
+            </a:solidFill>
+          </a:ln>
+        </p:spPr>
+        <p:style>
+          <a:lnRef idx="2">
+            <a:schemeClr val="accent1"/>
+          </a:lnRef>
+          <a:fillRef idx="1">
+            <a:schemeClr val="lt1"/>
+          </a:fillRef>
+          <a:effectRef idx="0">
+            <a:schemeClr val="accent1"/>
+          </a:effectRef>
+          <a:fontRef idx="minor">
+            <a:schemeClr val="dk1"/>
+          </a:fontRef>
+        </p:style>
+        <p:txBody>
+          <a:bodyPr rtlCol="0" anchor="b"/>
+          <a:lstStyle/>
+          <a:p>
+            <a:pPr algn="ctr"/>
+            <a:r>
+              <a:rPr lang="de-DE" dirty="0" smtClean="0">
+                <a:solidFill>
+                  <a:schemeClr val="bg1"/>
+                </a:solidFill>
+              </a:rPr>
+              <a:t>OS</a:t>
+            </a:r>
+            <a:endParaRPr lang="de-DE" dirty="0">
+              <a:solidFill>
+                <a:schemeClr val="bg1"/>
+              </a:solidFill>
+            </a:endParaRPr>
+          </a:p>
+        </p:txBody>
+      </p:sp>
+      <p:sp>
+        <p:nvSpPr>
+          <p:cNvPr id="23" name="Abgerundetes Rechteck 22"/>
+          <p:cNvSpPr/>
+          <p:nvPr/>
+        </p:nvSpPr>
+        <p:spPr>
+          <a:xfrm>
+            <a:off x="6156176" y="3501008"/>
+            <a:ext cx="2548734" cy="2774500"/>
+          </a:xfrm>
+          <a:prstGeom prst="roundRect">
+            <a:avLst/>
+          </a:prstGeom>
+        </p:spPr>
+        <p:style>
+          <a:lnRef idx="2">
+            <a:schemeClr val="accent1">
+              <a:shade val="50000"/>
+            </a:schemeClr>
+          </a:lnRef>
+          <a:fillRef idx="1">
+            <a:schemeClr val="accent1"/>
+          </a:fillRef>
+          <a:effectRef idx="0">
+            <a:schemeClr val="accent1"/>
+          </a:effectRef>
+          <a:fontRef idx="minor">
+            <a:schemeClr val="lt1"/>
+          </a:fontRef>
+        </p:style>
+        <p:txBody>
+          <a:bodyPr rtlCol="0" anchor="ctr"/>
+          <a:lstStyle/>
+          <a:p>
+            <a:pPr algn="ctr"/>
+            <a:endParaRPr lang="de-DE"/>
+          </a:p>
+        </p:txBody>
+      </p:sp>
+      <p:sp>
+        <p:nvSpPr>
+          <p:cNvPr id="24" name="Abgerundetes Rechteck 23"/>
+          <p:cNvSpPr/>
+          <p:nvPr/>
+        </p:nvSpPr>
+        <p:spPr>
+          <a:xfrm>
+            <a:off x="6410582" y="5882629"/>
+            <a:ext cx="2039922" cy="337538"/>
+          </a:xfrm>
+          <a:prstGeom prst="roundRect">
+            <a:avLst/>
+          </a:prstGeom>
+          <a:ln>
+            <a:solidFill>
+              <a:schemeClr val="accent2"/>
+            </a:solidFill>
+          </a:ln>
+        </p:spPr>
+        <p:style>
+          <a:lnRef idx="2">
+            <a:schemeClr val="accent1">
+              <a:shade val="50000"/>
+            </a:schemeClr>
+          </a:lnRef>
+          <a:fillRef idx="1">
+            <a:schemeClr val="accent1"/>
+          </a:fillRef>
+          <a:effectRef idx="0">
+            <a:schemeClr val="accent1"/>
+          </a:effectRef>
+          <a:fontRef idx="minor">
+            <a:schemeClr val="lt1"/>
+          </a:fontRef>
+        </p:style>
+        <p:txBody>
+          <a:bodyPr rtlCol="0" anchor="ctr"/>
+          <a:lstStyle/>
+          <a:p>
+            <a:pPr algn="ctr"/>
+            <a:r>
+              <a:rPr lang="de-DE" dirty="0" smtClean="0"/>
+              <a:t>  Betriebssystem</a:t>
+            </a:r>
+            <a:endParaRPr lang="de-DE" dirty="0"/>
+          </a:p>
+        </p:txBody>
+      </p:sp>
+      <p:sp>
+        <p:nvSpPr>
+          <p:cNvPr id="25" name="Abgerundetes Rechteck 24"/>
+          <p:cNvSpPr/>
+          <p:nvPr/>
+        </p:nvSpPr>
+        <p:spPr>
+          <a:xfrm>
+            <a:off x="6292642" y="3645025"/>
+            <a:ext cx="648072" cy="899809"/>
+          </a:xfrm>
+          <a:prstGeom prst="roundRect">
+            <a:avLst/>
+          </a:prstGeom>
+          <a:ln>
+            <a:solidFill>
+              <a:srgbClr val="C00000"/>
+            </a:solidFill>
+          </a:ln>
+        </p:spPr>
+        <p:style>
+          <a:lnRef idx="2">
+            <a:schemeClr val="accent1">
+              <a:shade val="50000"/>
+            </a:schemeClr>
+          </a:lnRef>
+          <a:fillRef idx="1">
+            <a:schemeClr val="accent1"/>
+          </a:fillRef>
+          <a:effectRef idx="0">
+            <a:schemeClr val="accent1"/>
+          </a:effectRef>
+          <a:fontRef idx="minor">
+            <a:schemeClr val="lt1"/>
+          </a:fontRef>
+        </p:style>
+        <p:txBody>
+          <a:bodyPr lIns="0" rIns="0" rtlCol="0" anchor="ctr"/>
+          <a:lstStyle/>
+          <a:p>
+            <a:pPr algn="ctr"/>
+            <a:r>
+              <a:rPr lang="de-DE" dirty="0" smtClean="0"/>
+              <a:t>App A</a:t>
+            </a:r>
+            <a:endParaRPr lang="de-DE" dirty="0"/>
+          </a:p>
+        </p:txBody>
+      </p:sp>
+      <p:sp>
+        <p:nvSpPr>
+          <p:cNvPr id="26" name="Abgerundetes Rechteck 25"/>
+          <p:cNvSpPr/>
+          <p:nvPr/>
+        </p:nvSpPr>
+        <p:spPr>
+          <a:xfrm>
+            <a:off x="7084373" y="3645025"/>
+            <a:ext cx="648072" cy="899809"/>
+          </a:xfrm>
+          <a:prstGeom prst="roundRect">
+            <a:avLst/>
+          </a:prstGeom>
+          <a:ln>
+            <a:solidFill>
+              <a:srgbClr val="C00000"/>
+            </a:solidFill>
+          </a:ln>
+        </p:spPr>
+        <p:style>
+          <a:lnRef idx="2">
+            <a:schemeClr val="accent1">
+              <a:shade val="50000"/>
+            </a:schemeClr>
+          </a:lnRef>
+          <a:fillRef idx="1">
+            <a:schemeClr val="accent1"/>
+          </a:fillRef>
+          <a:effectRef idx="0">
+            <a:schemeClr val="accent1"/>
+          </a:effectRef>
+          <a:fontRef idx="minor">
+            <a:schemeClr val="lt1"/>
+          </a:fontRef>
+        </p:style>
+        <p:txBody>
+          <a:bodyPr lIns="0" rIns="0" rtlCol="0" anchor="ctr"/>
+          <a:lstStyle/>
+          <a:p>
+            <a:pPr algn="ctr"/>
+            <a:r>
+              <a:rPr lang="de-DE" dirty="0" smtClean="0"/>
+              <a:t>App B</a:t>
+            </a:r>
+            <a:endParaRPr lang="de-DE" dirty="0"/>
+          </a:p>
+        </p:txBody>
+      </p:sp>
+      <p:sp>
+        <p:nvSpPr>
+          <p:cNvPr id="27" name="Abgerundetes Rechteck 26"/>
+          <p:cNvSpPr/>
+          <p:nvPr/>
+        </p:nvSpPr>
+        <p:spPr>
+          <a:xfrm>
+            <a:off x="7889124" y="3645025"/>
+            <a:ext cx="648072" cy="899809"/>
+          </a:xfrm>
+          <a:prstGeom prst="roundRect">
+            <a:avLst/>
+          </a:prstGeom>
+          <a:ln>
+            <a:solidFill>
+              <a:srgbClr val="C00000"/>
+            </a:solidFill>
+          </a:ln>
+        </p:spPr>
+        <p:style>
+          <a:lnRef idx="2">
+            <a:schemeClr val="accent1">
+              <a:shade val="50000"/>
+            </a:schemeClr>
+          </a:lnRef>
+          <a:fillRef idx="1">
+            <a:schemeClr val="accent1"/>
+          </a:fillRef>
+          <a:effectRef idx="0">
+            <a:schemeClr val="accent1"/>
+          </a:effectRef>
+          <a:fontRef idx="minor">
+            <a:schemeClr val="lt1"/>
+          </a:fontRef>
+        </p:style>
+        <p:txBody>
+          <a:bodyPr lIns="0" rIns="0" rtlCol="0" anchor="ctr"/>
+          <a:lstStyle/>
+          <a:p>
+            <a:pPr algn="ctr"/>
+            <a:r>
+              <a:rPr lang="de-DE" dirty="0" smtClean="0"/>
+              <a:t>App</a:t>
+            </a:r>
+            <a:br>
+              <a:rPr lang="de-DE" dirty="0" smtClean="0"/>
+            </a:br>
+            <a:r>
+              <a:rPr lang="de-DE" dirty="0" smtClean="0"/>
+              <a:t>C</a:t>
+            </a:r>
+            <a:endParaRPr lang="de-DE" dirty="0"/>
+          </a:p>
+        </p:txBody>
+      </p:sp>
+      <p:sp>
+        <p:nvSpPr>
+          <p:cNvPr id="28" name="Abgerundetes Rechteck 27"/>
+          <p:cNvSpPr/>
+          <p:nvPr/>
+        </p:nvSpPr>
+        <p:spPr>
+          <a:xfrm>
+            <a:off x="6256638" y="3536721"/>
+            <a:ext cx="720080" cy="1797211"/>
+          </a:xfrm>
+          <a:prstGeom prst="roundRect">
+            <a:avLst/>
+          </a:prstGeom>
+          <a:noFill/>
+          <a:ln>
+            <a:solidFill>
+              <a:srgbClr val="82BE3C"/>
+            </a:solidFill>
+          </a:ln>
+        </p:spPr>
+        <p:style>
+          <a:lnRef idx="2">
+            <a:schemeClr val="accent1"/>
+          </a:lnRef>
+          <a:fillRef idx="1">
+            <a:schemeClr val="lt1"/>
+          </a:fillRef>
+          <a:effectRef idx="0">
+            <a:schemeClr val="accent1"/>
+          </a:effectRef>
+          <a:fontRef idx="minor">
+            <a:schemeClr val="dk1"/>
+          </a:fontRef>
+        </p:style>
+        <p:txBody>
+          <a:bodyPr rtlCol="0" anchor="b"/>
+          <a:lstStyle/>
+          <a:p>
+            <a:pPr algn="ctr"/>
+            <a:r>
+              <a:rPr lang="de-DE" dirty="0" err="1" smtClean="0">
+                <a:solidFill>
+                  <a:schemeClr val="bg1"/>
+                </a:solidFill>
+              </a:rPr>
+              <a:t>Con</a:t>
+            </a:r>
+            <a:endParaRPr lang="de-DE" dirty="0">
+              <a:solidFill>
+                <a:schemeClr val="bg1"/>
+              </a:solidFill>
+            </a:endParaRPr>
+          </a:p>
+        </p:txBody>
+      </p:sp>
+      <p:sp>
+        <p:nvSpPr>
+          <p:cNvPr id="29" name="Abgerundetes Rechteck 28"/>
+          <p:cNvSpPr/>
+          <p:nvPr/>
+        </p:nvSpPr>
+        <p:spPr>
+          <a:xfrm>
+            <a:off x="7024570" y="3536722"/>
+            <a:ext cx="767679" cy="1797210"/>
+          </a:xfrm>
+          <a:prstGeom prst="roundRect">
+            <a:avLst/>
+          </a:prstGeom>
+          <a:noFill/>
+          <a:ln>
+            <a:solidFill>
+              <a:srgbClr val="82BE3C"/>
+            </a:solidFill>
+          </a:ln>
+        </p:spPr>
+        <p:style>
+          <a:lnRef idx="2">
+            <a:schemeClr val="accent1"/>
+          </a:lnRef>
+          <a:fillRef idx="1">
+            <a:schemeClr val="lt1"/>
+          </a:fillRef>
+          <a:effectRef idx="0">
+            <a:schemeClr val="accent1"/>
+          </a:effectRef>
+          <a:fontRef idx="minor">
+            <a:schemeClr val="dk1"/>
+          </a:fontRef>
+        </p:style>
+        <p:txBody>
+          <a:bodyPr rtlCol="0" anchor="b"/>
+          <a:lstStyle/>
+          <a:p>
+            <a:pPr algn="ctr"/>
+            <a:r>
+              <a:rPr lang="de-DE" dirty="0" err="1" smtClean="0">
+                <a:solidFill>
+                  <a:schemeClr val="bg1"/>
+                </a:solidFill>
+              </a:rPr>
+              <a:t>Con</a:t>
+            </a:r>
+            <a:endParaRPr lang="de-DE" dirty="0">
+              <a:solidFill>
+                <a:schemeClr val="bg1"/>
+              </a:solidFill>
+            </a:endParaRPr>
+          </a:p>
+        </p:txBody>
+      </p:sp>
+      <p:sp>
+        <p:nvSpPr>
+          <p:cNvPr id="30" name="Abgerundetes Rechteck 29"/>
+          <p:cNvSpPr/>
+          <p:nvPr/>
+        </p:nvSpPr>
+        <p:spPr>
+          <a:xfrm>
+            <a:off x="7840814" y="3547790"/>
+            <a:ext cx="744946" cy="1786141"/>
+          </a:xfrm>
+          <a:prstGeom prst="roundRect">
+            <a:avLst/>
+          </a:prstGeom>
+          <a:noFill/>
+          <a:ln>
+            <a:solidFill>
+              <a:srgbClr val="82BE3C"/>
+            </a:solidFill>
+          </a:ln>
+        </p:spPr>
+        <p:style>
+          <a:lnRef idx="2">
+            <a:schemeClr val="accent1"/>
+          </a:lnRef>
+          <a:fillRef idx="1">
+            <a:schemeClr val="lt1"/>
+          </a:fillRef>
+          <a:effectRef idx="0">
+            <a:schemeClr val="accent1"/>
+          </a:effectRef>
+          <a:fontRef idx="minor">
+            <a:schemeClr val="dk1"/>
+          </a:fontRef>
+        </p:style>
+        <p:txBody>
+          <a:bodyPr rtlCol="0" anchor="b"/>
+          <a:lstStyle/>
+          <a:p>
+            <a:pPr algn="ctr"/>
+            <a:r>
+              <a:rPr lang="de-DE" dirty="0" err="1" smtClean="0">
+                <a:solidFill>
+                  <a:schemeClr val="bg1"/>
+                </a:solidFill>
+              </a:rPr>
+              <a:t>Con</a:t>
+            </a:r>
+            <a:endParaRPr lang="de-DE" dirty="0">
+              <a:solidFill>
+                <a:schemeClr val="bg1"/>
+              </a:solidFill>
+            </a:endParaRPr>
+          </a:p>
+        </p:txBody>
+      </p:sp>
+      <p:sp>
+        <p:nvSpPr>
+          <p:cNvPr id="31" name="Textfeld 30"/>
+          <p:cNvSpPr txBox="1"/>
+          <p:nvPr/>
+        </p:nvSpPr>
+        <p:spPr>
+          <a:xfrm>
+            <a:off x="6056359" y="1729132"/>
+            <a:ext cx="2502608" cy="1015663"/>
+          </a:xfrm>
+          <a:prstGeom prst="rect">
+            <a:avLst/>
+          </a:prstGeom>
+          <a:noFill/>
+        </p:spPr>
+        <p:txBody>
+          <a:bodyPr wrap="none" rtlCol="0">
+            <a:spAutoFit/>
+          </a:bodyPr>
+          <a:lstStyle/>
+          <a:p>
+            <a:r>
+              <a:rPr lang="de-DE" dirty="0" smtClean="0"/>
+              <a:t>Docker Server</a:t>
+            </a:r>
+          </a:p>
+          <a:p>
+            <a:pPr marL="285750" indent="-285750">
+              <a:buFontTx/>
+              <a:buChar char="-"/>
+            </a:pPr>
+            <a:r>
+              <a:rPr lang="de-DE" sz="1400" dirty="0" smtClean="0"/>
+              <a:t>gemeinsame Ressourcen</a:t>
+            </a:r>
+          </a:p>
+          <a:p>
+            <a:pPr marL="285750" indent="-285750">
+              <a:buFontTx/>
+              <a:buChar char="-"/>
+            </a:pPr>
+            <a:r>
+              <a:rPr lang="de-DE" sz="1400" dirty="0" smtClean="0"/>
+              <a:t>kein OS zu starten</a:t>
+            </a:r>
+          </a:p>
+          <a:p>
+            <a:pPr marL="285750" indent="-285750">
+              <a:buFontTx/>
+              <a:buChar char="-"/>
+            </a:pPr>
+            <a:r>
+              <a:rPr lang="de-DE" sz="1400" dirty="0" smtClean="0"/>
+              <a:t>starke Portabilität</a:t>
+            </a:r>
+          </a:p>
+        </p:txBody>
+      </p:sp>
+      <p:sp>
+        <p:nvSpPr>
+          <p:cNvPr id="32" name="Abgerundetes Rechteck 31"/>
+          <p:cNvSpPr/>
+          <p:nvPr/>
+        </p:nvSpPr>
+        <p:spPr>
+          <a:xfrm>
+            <a:off x="6410582" y="5439512"/>
+            <a:ext cx="2039922" cy="337538"/>
+          </a:xfrm>
+          <a:prstGeom prst="roundRect">
+            <a:avLst/>
+          </a:prstGeom>
+          <a:ln>
+            <a:solidFill>
+              <a:schemeClr val="accent2"/>
+            </a:solidFill>
+          </a:ln>
+        </p:spPr>
+        <p:style>
+          <a:lnRef idx="2">
+            <a:schemeClr val="accent1">
+              <a:shade val="50000"/>
+            </a:schemeClr>
+          </a:lnRef>
+          <a:fillRef idx="1">
+            <a:schemeClr val="accent1"/>
+          </a:fillRef>
+          <a:effectRef idx="0">
+            <a:schemeClr val="accent1"/>
+          </a:effectRef>
+          <a:fontRef idx="minor">
+            <a:schemeClr val="lt1"/>
+          </a:fontRef>
+        </p:style>
+        <p:txBody>
+          <a:bodyPr rtlCol="0" anchor="ctr"/>
+          <a:lstStyle/>
+          <a:p>
+            <a:pPr algn="ctr"/>
+            <a:r>
+              <a:rPr lang="de-DE" dirty="0" smtClean="0"/>
+              <a:t>Docker</a:t>
+            </a:r>
+            <a:endParaRPr lang="de-DE" dirty="0"/>
+          </a:p>
+        </p:txBody>
+      </p:sp>
+      <p:sp>
+        <p:nvSpPr>
+          <p:cNvPr id="34" name="Abgerundetes Rechteck 33"/>
+          <p:cNvSpPr/>
+          <p:nvPr/>
+        </p:nvSpPr>
+        <p:spPr>
+          <a:xfrm>
+            <a:off x="1701800" y="1292321"/>
+            <a:ext cx="1229147" cy="1080120"/>
+          </a:xfrm>
+          <a:prstGeom prst="roundRect">
+            <a:avLst/>
+          </a:prstGeom>
+        </p:spPr>
+        <p:style>
+          <a:lnRef idx="2">
+            <a:schemeClr val="accent1">
+              <a:shade val="50000"/>
+            </a:schemeClr>
+          </a:lnRef>
+          <a:fillRef idx="1">
+            <a:schemeClr val="accent1"/>
+          </a:fillRef>
+          <a:effectRef idx="0">
+            <a:schemeClr val="accent1"/>
+          </a:effectRef>
+          <a:fontRef idx="minor">
+            <a:schemeClr val="lt1"/>
+          </a:fontRef>
+        </p:style>
+        <p:txBody>
+          <a:bodyPr rtlCol="0" anchor="ctr"/>
+          <a:lstStyle/>
+          <a:p>
+            <a:pPr algn="ctr"/>
+            <a:endParaRPr lang="de-DE"/>
+          </a:p>
+        </p:txBody>
+      </p:sp>
+      <p:sp>
+        <p:nvSpPr>
+          <p:cNvPr id="35" name="Abgerundetes Rechteck 34"/>
+          <p:cNvSpPr/>
+          <p:nvPr/>
+        </p:nvSpPr>
+        <p:spPr>
+          <a:xfrm>
+            <a:off x="1874270" y="1940393"/>
+            <a:ext cx="894956" cy="337538"/>
+          </a:xfrm>
+          <a:prstGeom prst="roundRect">
+            <a:avLst/>
+          </a:prstGeom>
+          <a:ln>
+            <a:solidFill>
+              <a:schemeClr val="accent2"/>
+            </a:solidFill>
+          </a:ln>
+        </p:spPr>
+        <p:style>
+          <a:lnRef idx="2">
+            <a:schemeClr val="accent1">
+              <a:shade val="50000"/>
+            </a:schemeClr>
+          </a:lnRef>
+          <a:fillRef idx="1">
+            <a:schemeClr val="accent1"/>
+          </a:fillRef>
+          <a:effectRef idx="0">
+            <a:schemeClr val="accent1"/>
+          </a:effectRef>
+          <a:fontRef idx="minor">
+            <a:schemeClr val="lt1"/>
+          </a:fontRef>
+        </p:style>
+        <p:txBody>
+          <a:bodyPr rtlCol="0" anchor="ctr"/>
+          <a:lstStyle/>
+          <a:p>
+            <a:pPr algn="ctr"/>
+            <a:r>
+              <a:rPr lang="de-DE" dirty="0" smtClean="0"/>
+              <a:t>OS</a:t>
+            </a:r>
+            <a:endParaRPr lang="de-DE" dirty="0"/>
+          </a:p>
+        </p:txBody>
+      </p:sp>
+      <p:sp>
+        <p:nvSpPr>
+          <p:cNvPr id="36" name="Abgerundetes Rechteck 35"/>
+          <p:cNvSpPr/>
+          <p:nvPr/>
+        </p:nvSpPr>
+        <p:spPr>
+          <a:xfrm>
+            <a:off x="1874270" y="1436337"/>
+            <a:ext cx="894954" cy="405045"/>
+          </a:xfrm>
+          <a:prstGeom prst="roundRect">
+            <a:avLst/>
+          </a:prstGeom>
+          <a:ln>
+            <a:solidFill>
+              <a:srgbClr val="C00000"/>
+            </a:solidFill>
+          </a:ln>
+        </p:spPr>
+        <p:style>
+          <a:lnRef idx="2">
+            <a:schemeClr val="accent1">
+              <a:shade val="50000"/>
+            </a:schemeClr>
+          </a:lnRef>
+          <a:fillRef idx="1">
+            <a:schemeClr val="accent1"/>
+          </a:fillRef>
+          <a:effectRef idx="0">
+            <a:schemeClr val="accent1"/>
+          </a:effectRef>
+          <a:fontRef idx="minor">
+            <a:schemeClr val="lt1"/>
+          </a:fontRef>
+        </p:style>
+        <p:txBody>
+          <a:bodyPr rtlCol="0" anchor="ctr"/>
+          <a:lstStyle/>
+          <a:p>
+            <a:pPr algn="ctr"/>
+            <a:r>
+              <a:rPr lang="de-DE" dirty="0" smtClean="0"/>
+              <a:t>App B</a:t>
+            </a:r>
+            <a:endParaRPr lang="de-DE" dirty="0"/>
+          </a:p>
+        </p:txBody>
+      </p:sp>
+      <p:sp>
+        <p:nvSpPr>
+          <p:cNvPr id="37" name="Abgerundetes Rechteck 36"/>
+          <p:cNvSpPr/>
+          <p:nvPr/>
+        </p:nvSpPr>
+        <p:spPr>
+          <a:xfrm>
+            <a:off x="6292642" y="4650412"/>
+            <a:ext cx="648072" cy="328951"/>
+          </a:xfrm>
+          <a:prstGeom prst="roundRect">
+            <a:avLst/>
+          </a:prstGeom>
+        </p:spPr>
+        <p:style>
+          <a:lnRef idx="2">
+            <a:schemeClr val="accent1">
+              <a:shade val="50000"/>
+            </a:schemeClr>
+          </a:lnRef>
+          <a:fillRef idx="1">
+            <a:schemeClr val="accent1"/>
+          </a:fillRef>
+          <a:effectRef idx="0">
+            <a:schemeClr val="accent1"/>
+          </a:effectRef>
+          <a:fontRef idx="minor">
+            <a:schemeClr val="lt1"/>
+          </a:fontRef>
+        </p:style>
+        <p:txBody>
+          <a:bodyPr rtlCol="0" anchor="ctr"/>
+          <a:lstStyle/>
+          <a:p>
+            <a:pPr algn="ctr"/>
+            <a:r>
+              <a:rPr lang="de-DE" sz="1600" dirty="0" smtClean="0"/>
+              <a:t>CTX</a:t>
+            </a:r>
+            <a:endParaRPr lang="de-DE" sz="1600" dirty="0"/>
+          </a:p>
+        </p:txBody>
+      </p:sp>
+      <p:sp>
+        <p:nvSpPr>
+          <p:cNvPr id="38" name="Abgerundetes Rechteck 37"/>
+          <p:cNvSpPr/>
+          <p:nvPr/>
+        </p:nvSpPr>
+        <p:spPr>
+          <a:xfrm>
+            <a:off x="7103269" y="4650412"/>
+            <a:ext cx="648072" cy="328951"/>
+          </a:xfrm>
+          <a:prstGeom prst="roundRect">
+            <a:avLst/>
+          </a:prstGeom>
+        </p:spPr>
+        <p:style>
+          <a:lnRef idx="2">
+            <a:schemeClr val="accent1">
+              <a:shade val="50000"/>
+            </a:schemeClr>
+          </a:lnRef>
+          <a:fillRef idx="1">
+            <a:schemeClr val="accent1"/>
+          </a:fillRef>
+          <a:effectRef idx="0">
+            <a:schemeClr val="accent1"/>
+          </a:effectRef>
+          <a:fontRef idx="minor">
+            <a:schemeClr val="lt1"/>
+          </a:fontRef>
+        </p:style>
+        <p:txBody>
+          <a:bodyPr rtlCol="0" anchor="ctr"/>
+          <a:lstStyle/>
+          <a:p>
+            <a:pPr algn="ctr"/>
+            <a:r>
+              <a:rPr lang="de-DE" sz="1600" dirty="0" smtClean="0"/>
+              <a:t>CTX</a:t>
+            </a:r>
+            <a:endParaRPr lang="de-DE" sz="1600" dirty="0"/>
+          </a:p>
+        </p:txBody>
+      </p:sp>
+      <p:sp>
+        <p:nvSpPr>
+          <p:cNvPr id="39" name="Abgerundetes Rechteck 38"/>
+          <p:cNvSpPr/>
+          <p:nvPr/>
+        </p:nvSpPr>
+        <p:spPr>
+          <a:xfrm>
+            <a:off x="7907007" y="4650412"/>
+            <a:ext cx="648072" cy="328951"/>
+          </a:xfrm>
+          <a:prstGeom prst="roundRect">
+            <a:avLst/>
+          </a:prstGeom>
+        </p:spPr>
+        <p:style>
+          <a:lnRef idx="2">
+            <a:schemeClr val="accent1">
+              <a:shade val="50000"/>
+            </a:schemeClr>
+          </a:lnRef>
+          <a:fillRef idx="1">
+            <a:schemeClr val="accent1"/>
+          </a:fillRef>
+          <a:effectRef idx="0">
+            <a:schemeClr val="accent1"/>
+          </a:effectRef>
+          <a:fontRef idx="minor">
+            <a:schemeClr val="lt1"/>
+          </a:fontRef>
+        </p:style>
+        <p:txBody>
+          <a:bodyPr rtlCol="0" anchor="ctr"/>
+          <a:lstStyle/>
+          <a:p>
+            <a:pPr algn="ctr"/>
+            <a:r>
+              <a:rPr lang="de-DE" sz="1600" dirty="0" smtClean="0"/>
+              <a:t>CTX</a:t>
+            </a:r>
+            <a:endParaRPr lang="de-DE" sz="1600" dirty="0"/>
+          </a:p>
+        </p:txBody>
+      </p:sp>
+      <p:sp>
+        <p:nvSpPr>
+          <p:cNvPr id="40" name="Rechteckiger Pfeil 39"/>
+          <p:cNvSpPr/>
+          <p:nvPr/>
+        </p:nvSpPr>
+        <p:spPr>
+          <a:xfrm rot="5400000">
+            <a:off x="3275856" y="1615298"/>
+            <a:ext cx="694130" cy="493864"/>
+          </a:xfrm>
+          <a:prstGeom prst="bentArrow">
+            <a:avLst/>
+          </a:prstGeom>
+        </p:spPr>
+        <p:style>
+          <a:lnRef idx="2">
+            <a:schemeClr val="accent1">
+              <a:shade val="50000"/>
+            </a:schemeClr>
+          </a:lnRef>
+          <a:fillRef idx="1">
+            <a:schemeClr val="accent1"/>
+          </a:fillRef>
+          <a:effectRef idx="0">
+            <a:schemeClr val="accent1"/>
+          </a:effectRef>
+          <a:fontRef idx="minor">
+            <a:schemeClr val="lt1"/>
+          </a:fontRef>
+        </p:style>
+        <p:txBody>
+          <a:bodyPr rtlCol="0" anchor="ctr"/>
+          <a:lstStyle/>
+          <a:p>
+            <a:pPr algn="ctr"/>
+            <a:endParaRPr lang="de-DE">
+              <a:solidFill>
+                <a:schemeClr val="tx1"/>
+              </a:solidFill>
+            </a:endParaRPr>
+          </a:p>
+        </p:txBody>
+      </p:sp>
+      <p:sp>
+        <p:nvSpPr>
+          <p:cNvPr id="41" name="Rechteckiger Pfeil 40"/>
+          <p:cNvSpPr/>
+          <p:nvPr/>
+        </p:nvSpPr>
+        <p:spPr>
+          <a:xfrm rot="5400000">
+            <a:off x="6270504" y="2234552"/>
+            <a:ext cx="521913" cy="1902698"/>
+          </a:xfrm>
+          <a:prstGeom prst="bentArrow">
+            <a:avLst/>
+          </a:prstGeom>
+        </p:spPr>
+        <p:style>
+          <a:lnRef idx="2">
+            <a:schemeClr val="accent1">
+              <a:shade val="50000"/>
+            </a:schemeClr>
+          </a:lnRef>
+          <a:fillRef idx="1">
+            <a:schemeClr val="accent1"/>
+          </a:fillRef>
+          <a:effectRef idx="0">
+            <a:schemeClr val="accent1"/>
+          </a:effectRef>
+          <a:fontRef idx="minor">
+            <a:schemeClr val="lt1"/>
+          </a:fontRef>
+        </p:style>
+        <p:txBody>
+          <a:bodyPr rtlCol="0" anchor="ctr"/>
+          <a:lstStyle/>
+          <a:p>
+            <a:pPr algn="ctr"/>
+            <a:endParaRPr lang="de-DE">
+              <a:solidFill>
+                <a:schemeClr val="tx1"/>
+              </a:solidFill>
+            </a:endParaRPr>
+          </a:p>
+        </p:txBody>
+      </p:sp>
+    </p:spTree>
+    <p:extLst>
+      <p:ext uri="{BB962C8B-B14F-4D97-AF65-F5344CB8AC3E}">
+        <p14:creationId xmlns:p14="http://schemas.microsoft.com/office/powerpoint/2010/main" val="1944813490"/>
+      </p:ext>
+    </p:extLst>
+  </p:cSld>
+  <p:clrMapOvr>
+    <a:masterClrMapping/>
+  </p:clrMapOvr>
+</p:sld>
+</file>
+
+<file path=ppt/slides/slide5.xml><?xml version="1.0" encoding="utf-8"?>
+<p:sld xmlns:a="http://schemas.openxmlformats.org/drawingml/2006/main" xmlns:r="http://schemas.openxmlformats.org/officeDocument/2006/relationships" xmlns:p="http://schemas.openxmlformats.org/presentationml/2006/main">
+  <p:cSld>
+    <p:spTree>
+      <p:nvGrpSpPr>
+        <p:cNvPr id="1" name=""/>
+        <p:cNvGrpSpPr/>
+        <p:nvPr/>
+      </p:nvGrpSpPr>
+      <p:grpSpPr>
+        <a:xfrm>
+          <a:off x="0" y="0"/>
+          <a:ext cx="0" cy="0"/>
+          <a:chOff x="0" y="0"/>
+          <a:chExt cx="0" cy="0"/>
+        </a:xfrm>
+      </p:grpSpPr>
+      <p:sp>
+        <p:nvSpPr>
           <p:cNvPr id="2" name="Titel 1">
             <a:extLst>
               <a:ext uri="{FF2B5EF4-FFF2-40B4-BE49-F238E27FC236}">
-                <a16:creationId xmlns:a16="http://schemas.microsoft.com/office/drawing/2014/main" id="{EA98C246-6308-4F3B-9BD1-D808D8CADE56}"/>
+                <a16:creationId xmlns:a16="http://schemas.microsoft.com/office/drawing/2014/main" xmlns="" id="{EA98C246-6308-4F3B-9BD1-D808D8CADE56}"/>
               </a:ext>
             </a:extLst>
           </p:cNvPr>
@@ -5688,7 +11489,7 @@
           <p:cNvPr id="3" name="Inhaltsplatzhalter 2">
             <a:extLst>
               <a:ext uri="{FF2B5EF4-FFF2-40B4-BE49-F238E27FC236}">
-                <a16:creationId xmlns:a16="http://schemas.microsoft.com/office/drawing/2014/main" id="{C4AF5F24-2074-40A2-AB43-F091BF477F03}"/>
+                <a16:creationId xmlns:a16="http://schemas.microsoft.com/office/drawing/2014/main" xmlns="" id="{C4AF5F24-2074-40A2-AB43-F091BF477F03}"/>
               </a:ext>
             </a:extLst>
           </p:cNvPr>
@@ -5711,8 +11512,27 @@
           <a:p>
             <a:r>
               <a:rPr lang="de-DE" dirty="0"/>
-              <a:t>Docker ist eine Containerplattform die es erlaubt Anwendungen in Containern auszuführen</a:t>
-            </a:r>
+              <a:t>Docker ist eine Containerplattform die es erlaubt Anwendungen in Containern </a:t>
+            </a:r>
+            <a:r>
+              <a:rPr lang="de-DE" dirty="0" smtClean="0"/>
+              <a:t>auszuführen</a:t>
+            </a:r>
+          </a:p>
+          <a:p>
+            <a:pPr lvl="1"/>
+            <a:r>
+              <a:rPr lang="de-DE" dirty="0" smtClean="0"/>
+              <a:t>Container = Anwendung + minimaler Ausführungskontext</a:t>
+            </a:r>
+          </a:p>
+          <a:p>
+            <a:pPr lvl="1"/>
+            <a:r>
+              <a:rPr lang="de-DE" dirty="0" smtClean="0"/>
+              <a:t>Verteilung der Anwendung in viele kleine „Container“</a:t>
+            </a:r>
+            <a:endParaRPr lang="de-DE" dirty="0"/>
           </a:p>
           <a:p>
             <a:r>
@@ -5727,7 +11547,7 @@
           <p:cNvPr id="4" name="Fußzeilenplatzhalter 3">
             <a:extLst>
               <a:ext uri="{FF2B5EF4-FFF2-40B4-BE49-F238E27FC236}">
-                <a16:creationId xmlns:a16="http://schemas.microsoft.com/office/drawing/2014/main" id="{FB5B06C7-55B2-4BEE-AA6C-9EBD17344907}"/>
+                <a16:creationId xmlns:a16="http://schemas.microsoft.com/office/drawing/2014/main" xmlns="" id="{FB5B06C7-55B2-4BEE-AA6C-9EBD17344907}"/>
               </a:ext>
             </a:extLst>
           </p:cNvPr>
@@ -5756,7 +11576,7 @@
           <p:cNvPr id="1028" name="Picture 4" descr="https://www.docker.com/sites/default/files/Whale%20Logo332_5.png">
             <a:extLst>
               <a:ext uri="{FF2B5EF4-FFF2-40B4-BE49-F238E27FC236}">
-                <a16:creationId xmlns:a16="http://schemas.microsoft.com/office/drawing/2014/main" id="{FE7D94CA-F894-4B51-9F80-B99F38B528AC}"/>
+                <a16:creationId xmlns:a16="http://schemas.microsoft.com/office/drawing/2014/main" xmlns="" id="{FE7D94CA-F894-4B51-9F80-B99F38B528AC}"/>
               </a:ext>
             </a:extLst>
           </p:cNvPr>
@@ -5811,7 +11631,7 @@
 </p:sld>
 </file>
 
-<file path=ppt/slides/slide4.xml><?xml version="1.0" encoding="utf-8"?>
+<file path=ppt/slides/slide6.xml><?xml version="1.0" encoding="utf-8"?>
 <p:sld xmlns:a="http://schemas.openxmlformats.org/drawingml/2006/main" xmlns:r="http://schemas.openxmlformats.org/officeDocument/2006/relationships" xmlns:p="http://schemas.openxmlformats.org/presentationml/2006/main">
   <p:cSld>
     <p:spTree>
@@ -5833,7 +11653,7 @@
           <p:cNvPr id="2" name="Titel 1">
             <a:extLst>
               <a:ext uri="{FF2B5EF4-FFF2-40B4-BE49-F238E27FC236}">
-                <a16:creationId xmlns:a16="http://schemas.microsoft.com/office/drawing/2014/main" id="{E12A5623-11E8-4B9C-8AAE-4EDE5CEE5C19}"/>
+                <a16:creationId xmlns:a16="http://schemas.microsoft.com/office/drawing/2014/main" xmlns="" id="{E12A5623-11E8-4B9C-8AAE-4EDE5CEE5C19}"/>
               </a:ext>
             </a:extLst>
           </p:cNvPr>
@@ -5861,7 +11681,7 @@
           <p:cNvPr id="4" name="Fußzeilenplatzhalter 3">
             <a:extLst>
               <a:ext uri="{FF2B5EF4-FFF2-40B4-BE49-F238E27FC236}">
-                <a16:creationId xmlns:a16="http://schemas.microsoft.com/office/drawing/2014/main" id="{202A1F94-0F98-4AE1-BA71-EBC527D07146}"/>
+                <a16:creationId xmlns:a16="http://schemas.microsoft.com/office/drawing/2014/main" xmlns="" id="{202A1F94-0F98-4AE1-BA71-EBC527D07146}"/>
               </a:ext>
             </a:extLst>
           </p:cNvPr>
@@ -5890,7 +11710,7 @@
           <p:cNvPr id="8" name="Rechteck: abgerundete Ecken 7">
             <a:extLst>
               <a:ext uri="{FF2B5EF4-FFF2-40B4-BE49-F238E27FC236}">
-                <a16:creationId xmlns:a16="http://schemas.microsoft.com/office/drawing/2014/main" id="{6D4C1262-B657-4DB0-87B3-97B283213683}"/>
+                <a16:creationId xmlns:a16="http://schemas.microsoft.com/office/drawing/2014/main" xmlns="" id="{6D4C1262-B657-4DB0-87B3-97B283213683}"/>
               </a:ext>
             </a:extLst>
           </p:cNvPr>
@@ -5939,7 +11759,7 @@
           <p:cNvPr id="9" name="Rechteck: abgerundete Ecken 8">
             <a:extLst>
               <a:ext uri="{FF2B5EF4-FFF2-40B4-BE49-F238E27FC236}">
-                <a16:creationId xmlns:a16="http://schemas.microsoft.com/office/drawing/2014/main" id="{27260883-DA22-427E-AA32-637BB9E1C345}"/>
+                <a16:creationId xmlns:a16="http://schemas.microsoft.com/office/drawing/2014/main" xmlns="" id="{27260883-DA22-427E-AA32-637BB9E1C345}"/>
               </a:ext>
             </a:extLst>
           </p:cNvPr>
@@ -5988,7 +11808,7 @@
           <p:cNvPr id="10" name="Rechteck: abgerundete Ecken 9">
             <a:extLst>
               <a:ext uri="{FF2B5EF4-FFF2-40B4-BE49-F238E27FC236}">
-                <a16:creationId xmlns:a16="http://schemas.microsoft.com/office/drawing/2014/main" id="{33201D68-E874-4C65-A61F-AD715BFC32C8}"/>
+                <a16:creationId xmlns:a16="http://schemas.microsoft.com/office/drawing/2014/main" xmlns="" id="{33201D68-E874-4C65-A61F-AD715BFC32C8}"/>
               </a:ext>
             </a:extLst>
           </p:cNvPr>
@@ -6026,8 +11846,8 @@
           <a:p>
             <a:pPr algn="ctr"/>
             <a:r>
-              <a:rPr lang="de-DE" dirty="0" err="1"/>
-              <a:t>Infrastrukur</a:t>
+              <a:rPr lang="de-DE" dirty="0" smtClean="0"/>
+              <a:t>Infrastruktur</a:t>
             </a:r>
             <a:endParaRPr lang="de-DE" dirty="0"/>
           </a:p>
@@ -6038,7 +11858,7 @@
           <p:cNvPr id="11" name="Inhaltsplatzhalter 10">
             <a:extLst>
               <a:ext uri="{FF2B5EF4-FFF2-40B4-BE49-F238E27FC236}">
-                <a16:creationId xmlns:a16="http://schemas.microsoft.com/office/drawing/2014/main" id="{0CDD6211-D5D9-4CF4-B211-E8368615416A}"/>
+                <a16:creationId xmlns:a16="http://schemas.microsoft.com/office/drawing/2014/main" xmlns="" id="{0CDD6211-D5D9-4CF4-B211-E8368615416A}"/>
               </a:ext>
             </a:extLst>
           </p:cNvPr>
@@ -6093,7 +11913,7 @@
           <p:cNvPr id="12" name="Rechteck: abgerundete Ecken 11">
             <a:extLst>
               <a:ext uri="{FF2B5EF4-FFF2-40B4-BE49-F238E27FC236}">
-                <a16:creationId xmlns:a16="http://schemas.microsoft.com/office/drawing/2014/main" id="{C5AEF26B-6E7F-4115-A7B3-5F8CF785894D}"/>
+                <a16:creationId xmlns:a16="http://schemas.microsoft.com/office/drawing/2014/main" xmlns="" id="{C5AEF26B-6E7F-4115-A7B3-5F8CF785894D}"/>
               </a:ext>
             </a:extLst>
           </p:cNvPr>
@@ -6147,7 +11967,7 @@
           <p:cNvPr id="13" name="Rechteck: abgerundete Ecken 12">
             <a:extLst>
               <a:ext uri="{FF2B5EF4-FFF2-40B4-BE49-F238E27FC236}">
-                <a16:creationId xmlns:a16="http://schemas.microsoft.com/office/drawing/2014/main" id="{7722DD9B-F41F-4A7A-B30C-D82A2333D81F}"/>
+                <a16:creationId xmlns:a16="http://schemas.microsoft.com/office/drawing/2014/main" xmlns="" id="{7722DD9B-F41F-4A7A-B30C-D82A2333D81F}"/>
               </a:ext>
             </a:extLst>
           </p:cNvPr>
@@ -6201,7 +12021,7 @@
           <p:cNvPr id="14" name="Rechteck: abgerundete Ecken 13">
             <a:extLst>
               <a:ext uri="{FF2B5EF4-FFF2-40B4-BE49-F238E27FC236}">
-                <a16:creationId xmlns:a16="http://schemas.microsoft.com/office/drawing/2014/main" id="{32D22688-2BD9-4A1B-8B08-9A7B2A2F09E2}"/>
+                <a16:creationId xmlns:a16="http://schemas.microsoft.com/office/drawing/2014/main" xmlns="" id="{32D22688-2BD9-4A1B-8B08-9A7B2A2F09E2}"/>
               </a:ext>
             </a:extLst>
           </p:cNvPr>
@@ -6258,7 +12078,7 @@
 </p:sld>
 </file>
 
-<file path=ppt/slides/slide5.xml><?xml version="1.0" encoding="utf-8"?>
+<file path=ppt/slides/slide7.xml><?xml version="1.0" encoding="utf-8"?>
 <p:sld xmlns:a="http://schemas.openxmlformats.org/drawingml/2006/main" xmlns:r="http://schemas.openxmlformats.org/officeDocument/2006/relationships" xmlns:p="http://schemas.openxmlformats.org/presentationml/2006/main">
   <p:cSld>
     <p:spTree>
@@ -6277,13 +12097,7 @@
       </p:grpSpPr>
       <p:sp>
         <p:nvSpPr>
-          <p:cNvPr id="2" name="Titel 1">
-            <a:extLst>
-              <a:ext uri="{FF2B5EF4-FFF2-40B4-BE49-F238E27FC236}">
-                <a16:creationId xmlns:a16="http://schemas.microsoft.com/office/drawing/2014/main" id="{5F1439E6-5777-49CD-B7EA-49B1E2AAA9DC}"/>
-              </a:ext>
-            </a:extLst>
-          </p:cNvPr>
+          <p:cNvPr id="2" name="Titel 1"/>
           <p:cNvSpPr>
             <a:spLocks noGrp="1"/>
           </p:cNvSpPr>
@@ -6297,21 +12111,228 @@
           <a:lstStyle/>
           <a:p>
             <a:r>
+              <a:rPr lang="de-DE" dirty="0" smtClean="0"/>
+              <a:t>Lösungsansatz </a:t>
+            </a:r>
+            <a:r>
               <a:rPr lang="de-DE" dirty="0"/>
-              <a:t>Was ist noch geplant?</a:t>
-            </a:r>
+              <a:t>schematisch</a:t>
+            </a:r>
+            <a:r>
+              <a:rPr lang="de-DE" dirty="0" smtClean="0"/>
+              <a:t> </a:t>
+            </a:r>
+            <a:endParaRPr lang="de-DE" dirty="0"/>
           </a:p>
         </p:txBody>
       </p:sp>
       <p:sp>
         <p:nvSpPr>
-          <p:cNvPr id="3" name="Inhaltsplatzhalter 2">
+          <p:cNvPr id="4" name="Fußzeilenplatzhalter 3"/>
+          <p:cNvSpPr>
+            <a:spLocks noGrp="1"/>
+          </p:cNvSpPr>
+          <p:nvPr>
+            <p:ph type="ftr" sz="quarter" idx="10"/>
+          </p:nvPr>
+        </p:nvSpPr>
+        <p:spPr/>
+        <p:txBody>
+          <a:bodyPr/>
+          <a:lstStyle/>
+          <a:p>
+            <a:r>
+              <a:rPr lang="en-US" altLang="de-DE" smtClean="0"/>
+              <a:t>Semantic MediaWiki Seminar – WS 17/18</a:t>
+            </a:r>
+            <a:endParaRPr lang="en-US" altLang="de-DE" dirty="0"/>
+          </a:p>
+        </p:txBody>
+      </p:sp>
+      <p:pic>
+        <p:nvPicPr>
+          <p:cNvPr id="6" name="Bild 5"/>
+          <p:cNvPicPr>
+            <a:picLocks noChangeAspect="1"/>
+          </p:cNvPicPr>
+          <p:nvPr/>
+        </p:nvPicPr>
+        <p:blipFill>
+          <a:blip r:embed="rId3">
             <a:extLst>
-              <a:ext uri="{FF2B5EF4-FFF2-40B4-BE49-F238E27FC236}">
-                <a16:creationId xmlns:a16="http://schemas.microsoft.com/office/drawing/2014/main" id="{8F7CD21C-CBF7-45DC-A13A-36FF2602BCAA}"/>
+              <a:ext uri="{28A0092B-C50C-407E-A947-70E740481C1C}">
+                <a14:useLocalDpi xmlns:a14="http://schemas.microsoft.com/office/drawing/2010/main" val="0"/>
               </a:ext>
             </a:extLst>
-          </p:cNvPr>
+          </a:blip>
+          <a:stretch>
+            <a:fillRect/>
+          </a:stretch>
+        </p:blipFill>
+        <p:spPr>
+          <a:xfrm>
+            <a:off x="701824" y="1052736"/>
+            <a:ext cx="7740352" cy="5179290"/>
+          </a:xfrm>
+          <a:prstGeom prst="rect">
+            <a:avLst/>
+          </a:prstGeom>
+        </p:spPr>
+      </p:pic>
+    </p:spTree>
+    <p:extLst>
+      <p:ext uri="{BB962C8B-B14F-4D97-AF65-F5344CB8AC3E}">
+        <p14:creationId xmlns:p14="http://schemas.microsoft.com/office/powerpoint/2010/main" val="587823150"/>
+      </p:ext>
+    </p:extLst>
+  </p:cSld>
+  <p:clrMapOvr>
+    <a:masterClrMapping/>
+  </p:clrMapOvr>
+</p:sld>
+</file>
+
+<file path=ppt/slides/slide8.xml><?xml version="1.0" encoding="utf-8"?>
+<p:sld xmlns:a="http://schemas.openxmlformats.org/drawingml/2006/main" xmlns:r="http://schemas.openxmlformats.org/officeDocument/2006/relationships" xmlns:p="http://schemas.openxmlformats.org/presentationml/2006/main">
+  <p:cSld>
+    <p:spTree>
+      <p:nvGrpSpPr>
+        <p:cNvPr id="1" name=""/>
+        <p:cNvGrpSpPr/>
+        <p:nvPr/>
+      </p:nvGrpSpPr>
+      <p:grpSpPr>
+        <a:xfrm>
+          <a:off x="0" y="0"/>
+          <a:ext cx="0" cy="0"/>
+          <a:chOff x="0" y="0"/>
+          <a:chExt cx="0" cy="0"/>
+        </a:xfrm>
+      </p:grpSpPr>
+      <p:sp>
+        <p:nvSpPr>
+          <p:cNvPr id="2" name="Titel 1"/>
+          <p:cNvSpPr>
+            <a:spLocks noGrp="1"/>
+          </p:cNvSpPr>
+          <p:nvPr>
+            <p:ph type="title"/>
+          </p:nvPr>
+        </p:nvSpPr>
+        <p:spPr/>
+        <p:txBody>
+          <a:bodyPr/>
+          <a:lstStyle/>
+          <a:p>
+            <a:r>
+              <a:rPr lang="de-DE" dirty="0" smtClean="0"/>
+              <a:t>Roadmap</a:t>
+            </a:r>
+            <a:endParaRPr lang="de-DE" dirty="0"/>
+          </a:p>
+        </p:txBody>
+      </p:sp>
+      <p:sp>
+        <p:nvSpPr>
+          <p:cNvPr id="4" name="Fußzeilenplatzhalter 3"/>
+          <p:cNvSpPr>
+            <a:spLocks noGrp="1"/>
+          </p:cNvSpPr>
+          <p:nvPr>
+            <p:ph type="ftr" sz="quarter" idx="10"/>
+          </p:nvPr>
+        </p:nvSpPr>
+        <p:spPr/>
+        <p:txBody>
+          <a:bodyPr/>
+          <a:lstStyle/>
+          <a:p>
+            <a:r>
+              <a:rPr lang="en-US" altLang="de-DE" smtClean="0"/>
+              <a:t>Semantic MediaWiki Seminar – WS 17/18</a:t>
+            </a:r>
+            <a:endParaRPr lang="en-US" altLang="de-DE" dirty="0"/>
+          </a:p>
+        </p:txBody>
+      </p:sp>
+      <p:graphicFrame>
+        <p:nvGraphicFramePr>
+          <p:cNvPr id="5" name="Diagramm 4"/>
+          <p:cNvGraphicFramePr/>
+          <p:nvPr>
+            <p:extLst>
+              <p:ext uri="{D42A27DB-BD31-4B8C-83A1-F6EECF244321}">
+                <p14:modId xmlns:p14="http://schemas.microsoft.com/office/powerpoint/2010/main" val="2129836612"/>
+              </p:ext>
+            </p:extLst>
+          </p:nvPr>
+        </p:nvGraphicFramePr>
+        <p:xfrm>
+          <a:off x="390525" y="1340768"/>
+          <a:ext cx="8069907" cy="4120232"/>
+        </p:xfrm>
+        <a:graphic>
+          <a:graphicData uri="http://schemas.openxmlformats.org/drawingml/2006/diagram">
+            <dgm:relIds xmlns:dgm="http://schemas.openxmlformats.org/drawingml/2006/diagram" xmlns:r="http://schemas.openxmlformats.org/officeDocument/2006/relationships" r:dm="rId2" r:lo="rId3" r:qs="rId4" r:cs="rId5"/>
+          </a:graphicData>
+        </a:graphic>
+      </p:graphicFrame>
+    </p:spTree>
+    <p:extLst>
+      <p:ext uri="{BB962C8B-B14F-4D97-AF65-F5344CB8AC3E}">
+        <p14:creationId xmlns:p14="http://schemas.microsoft.com/office/powerpoint/2010/main" val="1945892825"/>
+      </p:ext>
+    </p:extLst>
+  </p:cSld>
+  <p:clrMapOvr>
+    <a:masterClrMapping/>
+  </p:clrMapOvr>
+</p:sld>
+</file>
+
+<file path=ppt/slides/slide9.xml><?xml version="1.0" encoding="utf-8"?>
+<p:sld xmlns:a="http://schemas.openxmlformats.org/drawingml/2006/main" xmlns:r="http://schemas.openxmlformats.org/officeDocument/2006/relationships" xmlns:p="http://schemas.openxmlformats.org/presentationml/2006/main">
+  <p:cSld>
+    <p:spTree>
+      <p:nvGrpSpPr>
+        <p:cNvPr id="1" name=""/>
+        <p:cNvGrpSpPr/>
+        <p:nvPr/>
+      </p:nvGrpSpPr>
+      <p:grpSpPr>
+        <a:xfrm>
+          <a:off x="0" y="0"/>
+          <a:ext cx="0" cy="0"/>
+          <a:chOff x="0" y="0"/>
+          <a:chExt cx="0" cy="0"/>
+        </a:xfrm>
+      </p:grpSpPr>
+      <p:sp>
+        <p:nvSpPr>
+          <p:cNvPr id="2" name="Titel 1"/>
+          <p:cNvSpPr>
+            <a:spLocks noGrp="1"/>
+          </p:cNvSpPr>
+          <p:nvPr>
+            <p:ph type="title"/>
+          </p:nvPr>
+        </p:nvSpPr>
+        <p:spPr/>
+        <p:txBody>
+          <a:bodyPr/>
+          <a:lstStyle/>
+          <a:p>
+            <a:r>
+              <a:rPr lang="de-DE" dirty="0" smtClean="0"/>
+              <a:t>Aktuelle Probleme</a:t>
+            </a:r>
+            <a:endParaRPr lang="de-DE" dirty="0"/>
+          </a:p>
+        </p:txBody>
+      </p:sp>
+      <p:sp>
+        <p:nvSpPr>
+          <p:cNvPr id="3" name="Inhaltsplatzhalter 2"/>
           <p:cNvSpPr>
             <a:spLocks noGrp="1"/>
           </p:cNvSpPr>
@@ -6325,39 +12346,115 @@
           <a:lstStyle/>
           <a:p>
             <a:r>
-              <a:rPr lang="de-DE" dirty="0"/>
-              <a:t>Node.js Container für UI ist noch nicht eingebunden</a:t>
-            </a:r>
-          </a:p>
-          <a:p>
-            <a:r>
-              <a:rPr lang="de-DE" dirty="0"/>
-              <a:t>Momentan muss </a:t>
-            </a:r>
-          </a:p>
-          <a:p>
-            <a:r>
-              <a:rPr lang="de-DE" dirty="0"/>
-              <a:t>Schwierig herauszufinden, welche Erweiterungen unterstützt werden können</a:t>
-            </a:r>
-          </a:p>
-          <a:p>
-            <a:pPr marL="0" indent="0">
-              <a:buNone/>
-            </a:pPr>
+              <a:rPr lang="de-DE" dirty="0" smtClean="0"/>
+              <a:t>Welche </a:t>
+            </a:r>
+            <a:r>
+              <a:rPr lang="de-DE" dirty="0" err="1" smtClean="0"/>
+              <a:t>MediaWiki</a:t>
+            </a:r>
+            <a:r>
+              <a:rPr lang="de-DE" dirty="0" smtClean="0"/>
+              <a:t> Erweiterungen?</a:t>
+            </a:r>
+          </a:p>
+          <a:p>
+            <a:pPr lvl="1"/>
+            <a:r>
+              <a:rPr lang="de-DE" dirty="0" smtClean="0"/>
+              <a:t>Installationsmethode nicht immer gleich</a:t>
+            </a:r>
+          </a:p>
+          <a:p>
+            <a:pPr lvl="1"/>
+            <a:r>
+              <a:rPr lang="de-DE" dirty="0" smtClean="0"/>
+              <a:t>Kompatibilität mit Versionen</a:t>
+            </a:r>
+          </a:p>
+          <a:p>
+            <a:pPr lvl="2"/>
+            <a:r>
+              <a:rPr lang="de-DE" dirty="0" smtClean="0"/>
+              <a:t>insbesondere beim Update</a:t>
+            </a:r>
+          </a:p>
+          <a:p>
+            <a:r>
+              <a:rPr lang="de-DE" dirty="0" smtClean="0"/>
+              <a:t>Skins werden nicht in zentralem Repository verwaltet</a:t>
+            </a:r>
+          </a:p>
+          <a:p>
+            <a:pPr lvl="1"/>
+            <a:r>
+              <a:rPr lang="de-DE" dirty="0" err="1" smtClean="0"/>
+              <a:t>Webcrawler</a:t>
+            </a:r>
+            <a:r>
+              <a:rPr lang="de-DE" dirty="0" smtClean="0"/>
+              <a:t>? Händische Selektion (speichern in einer Datenbank)?</a:t>
+            </a:r>
+          </a:p>
+          <a:p>
+            <a:r>
+              <a:rPr lang="de-DE" dirty="0" err="1" smtClean="0"/>
+              <a:t>Extensions</a:t>
+            </a:r>
+            <a:r>
+              <a:rPr lang="de-DE" dirty="0" smtClean="0"/>
+              <a:t> zur </a:t>
+            </a:r>
+            <a:r>
+              <a:rPr lang="de-DE" dirty="0" err="1" smtClean="0"/>
+              <a:t>build</a:t>
+            </a:r>
+            <a:r>
+              <a:rPr lang="de-DE" dirty="0" smtClean="0"/>
+              <a:t>- oder </a:t>
+            </a:r>
+            <a:r>
+              <a:rPr lang="de-DE" dirty="0" err="1"/>
+              <a:t>r</a:t>
+            </a:r>
+            <a:r>
+              <a:rPr lang="de-DE" dirty="0" err="1" smtClean="0"/>
+              <a:t>untime</a:t>
+            </a:r>
+            <a:r>
+              <a:rPr lang="de-DE" dirty="0" smtClean="0"/>
+              <a:t> installieren</a:t>
+            </a:r>
+          </a:p>
+          <a:p>
             <a:endParaRPr lang="de-DE" dirty="0"/>
           </a:p>
+          <a:p>
+            <a:r>
+              <a:rPr lang="de-DE" dirty="0" smtClean="0"/>
+              <a:t>Einfache und Intuitive Weboberfläche gestalten</a:t>
+            </a:r>
+          </a:p>
+          <a:p>
+            <a:pPr lvl="1"/>
+            <a:r>
+              <a:rPr lang="de-DE" dirty="0" smtClean="0"/>
+              <a:t>Welche </a:t>
+            </a:r>
+            <a:r>
+              <a:rPr lang="de-DE" dirty="0" err="1" smtClean="0"/>
+              <a:t>Extensions</a:t>
+            </a:r>
+            <a:r>
+              <a:rPr lang="de-DE" dirty="0" smtClean="0"/>
+              <a:t> anzeigen? Wie sortiert? </a:t>
+            </a:r>
+          </a:p>
         </p:txBody>
       </p:sp>
       <p:sp>
         <p:nvSpPr>
-          <p:cNvPr id="4" name="Fußzeilenplatzhalter 3">
-            <a:extLst>
-              <a:ext uri="{FF2B5EF4-FFF2-40B4-BE49-F238E27FC236}">
-                <a16:creationId xmlns:a16="http://schemas.microsoft.com/office/drawing/2014/main" id="{425EEF06-7C69-4A4F-905A-7C8285B77A63}"/>
-              </a:ext>
-            </a:extLst>
-          </p:cNvPr>
+          <p:cNvPr id="4" name="Fußzeilenplatzhalter 3"/>
           <p:cNvSpPr>
             <a:spLocks noGrp="1"/>
           </p:cNvSpPr>
@@ -6371,7 +12468,7 @@
           <a:lstStyle/>
           <a:p>
             <a:r>
-              <a:rPr lang="en-US" altLang="de-DE"/>
+              <a:rPr lang="en-US" altLang="de-DE" smtClean="0"/>
               <a:t>Semantic MediaWiki Seminar – WS 17/18</a:t>
             </a:r>
             <a:endParaRPr lang="en-US" altLang="de-DE" dirty="0"/>
@@ -6381,7 +12478,7 @@
     </p:spTree>
     <p:extLst>
       <p:ext uri="{BB962C8B-B14F-4D97-AF65-F5344CB8AC3E}">
-        <p14:creationId xmlns:p14="http://schemas.microsoft.com/office/powerpoint/2010/main" val="2757866602"/>
+        <p14:creationId xmlns:p14="http://schemas.microsoft.com/office/powerpoint/2010/main" val="1906509688"/>
       </p:ext>
     </p:extLst>
   </p:cSld>
